--- a/ppt/1 Express JS.pptx
+++ b/ppt/1 Express JS.pptx
@@ -9,7 +9,9 @@
     <p:sldId id="257" r:id="rId3"/>
     <p:sldId id="258" r:id="rId4"/>
     <p:sldId id="259" r:id="rId5"/>
-    <p:sldId id="260" r:id="rId6"/>
+    <p:sldId id="263" r:id="rId6"/>
+    <p:sldId id="261" r:id="rId7"/>
+    <p:sldId id="262" r:id="rId8"/>
   </p:sldIdLst>
   <p:sldSz cx="9144000" cy="5143500" type="screen16x9"/>
   <p:notesSz cx="6858000" cy="9144000"/>
@@ -293,7 +295,7 @@
             <a:fld id="{1D8BD707-D9CF-40AE-B4C6-C98DA3205C09}" type="datetimeFigureOut">
               <a:rPr lang="en-US" smtClean="0"/>
               <a:pPr/>
-              <a:t>10/31/2020</a:t>
+              <a:t>11/4/2020</a:t>
             </a:fld>
             <a:endParaRPr lang="en-US"/>
           </a:p>
@@ -460,7 +462,7 @@
             <a:fld id="{1D8BD707-D9CF-40AE-B4C6-C98DA3205C09}" type="datetimeFigureOut">
               <a:rPr lang="en-US" smtClean="0"/>
               <a:pPr/>
-              <a:t>10/31/2020</a:t>
+              <a:t>11/4/2020</a:t>
             </a:fld>
             <a:endParaRPr lang="en-US"/>
           </a:p>
@@ -637,7 +639,7 @@
             <a:fld id="{1D8BD707-D9CF-40AE-B4C6-C98DA3205C09}" type="datetimeFigureOut">
               <a:rPr lang="en-US" smtClean="0"/>
               <a:pPr/>
-              <a:t>10/31/2020</a:t>
+              <a:t>11/4/2020</a:t>
             </a:fld>
             <a:endParaRPr lang="en-US"/>
           </a:p>
@@ -804,7 +806,7 @@
             <a:fld id="{1D8BD707-D9CF-40AE-B4C6-C98DA3205C09}" type="datetimeFigureOut">
               <a:rPr lang="en-US" smtClean="0"/>
               <a:pPr/>
-              <a:t>10/31/2020</a:t>
+              <a:t>11/4/2020</a:t>
             </a:fld>
             <a:endParaRPr lang="en-US"/>
           </a:p>
@@ -1047,7 +1049,7 @@
             <a:fld id="{1D8BD707-D9CF-40AE-B4C6-C98DA3205C09}" type="datetimeFigureOut">
               <a:rPr lang="en-US" smtClean="0"/>
               <a:pPr/>
-              <a:t>10/31/2020</a:t>
+              <a:t>11/4/2020</a:t>
             </a:fld>
             <a:endParaRPr lang="en-US"/>
           </a:p>
@@ -1332,7 +1334,7 @@
             <a:fld id="{1D8BD707-D9CF-40AE-B4C6-C98DA3205C09}" type="datetimeFigureOut">
               <a:rPr lang="en-US" smtClean="0"/>
               <a:pPr/>
-              <a:t>10/31/2020</a:t>
+              <a:t>11/4/2020</a:t>
             </a:fld>
             <a:endParaRPr lang="en-US"/>
           </a:p>
@@ -1751,7 +1753,7 @@
             <a:fld id="{1D8BD707-D9CF-40AE-B4C6-C98DA3205C09}" type="datetimeFigureOut">
               <a:rPr lang="en-US" smtClean="0"/>
               <a:pPr/>
-              <a:t>10/31/2020</a:t>
+              <a:t>11/4/2020</a:t>
             </a:fld>
             <a:endParaRPr lang="en-US"/>
           </a:p>
@@ -1866,7 +1868,7 @@
             <a:fld id="{1D8BD707-D9CF-40AE-B4C6-C98DA3205C09}" type="datetimeFigureOut">
               <a:rPr lang="en-US" smtClean="0"/>
               <a:pPr/>
-              <a:t>10/31/2020</a:t>
+              <a:t>11/4/2020</a:t>
             </a:fld>
             <a:endParaRPr lang="en-US"/>
           </a:p>
@@ -1958,7 +1960,7 @@
             <a:fld id="{1D8BD707-D9CF-40AE-B4C6-C98DA3205C09}" type="datetimeFigureOut">
               <a:rPr lang="en-US" smtClean="0"/>
               <a:pPr/>
-              <a:t>10/31/2020</a:t>
+              <a:t>11/4/2020</a:t>
             </a:fld>
             <a:endParaRPr lang="en-US"/>
           </a:p>
@@ -2232,7 +2234,7 @@
             <a:fld id="{1D8BD707-D9CF-40AE-B4C6-C98DA3205C09}" type="datetimeFigureOut">
               <a:rPr lang="en-US" smtClean="0"/>
               <a:pPr/>
-              <a:t>10/31/2020</a:t>
+              <a:t>11/4/2020</a:t>
             </a:fld>
             <a:endParaRPr lang="en-US"/>
           </a:p>
@@ -2482,7 +2484,7 @@
             <a:fld id="{1D8BD707-D9CF-40AE-B4C6-C98DA3205C09}" type="datetimeFigureOut">
               <a:rPr lang="en-US" smtClean="0"/>
               <a:pPr/>
-              <a:t>10/31/2020</a:t>
+              <a:t>11/4/2020</a:t>
             </a:fld>
             <a:endParaRPr lang="en-US"/>
           </a:p>
@@ -2701,7 +2703,7 @@
             <a:fld id="{1D8BD707-D9CF-40AE-B4C6-C98DA3205C09}" type="datetimeFigureOut">
               <a:rPr lang="en-US" smtClean="0"/>
               <a:pPr/>
-              <a:t>10/31/2020</a:t>
+              <a:t>11/4/2020</a:t>
             </a:fld>
             <a:endParaRPr lang="en-US"/>
           </a:p>
@@ -4885,6 +4887,14 @@
 <file path=ppt/slides/slide4.xml><?xml version="1.0" encoding="utf-8"?>
 <p:sld xmlns:a="http://schemas.openxmlformats.org/drawingml/2006/main" xmlns:r="http://schemas.openxmlformats.org/officeDocument/2006/relationships" xmlns:p="http://schemas.openxmlformats.org/presentationml/2006/main">
   <p:cSld>
+    <p:bg>
+      <p:bgPr>
+        <a:solidFill>
+          <a:schemeClr val="bg1"/>
+        </a:solidFill>
+        <a:effectLst/>
+      </p:bgPr>
+    </p:bg>
     <p:spTree>
       <p:nvGrpSpPr>
         <p:cNvPr id="1" name=""/>
@@ -4967,6 +4977,14 @@
 <file path=ppt/slides/slide5.xml><?xml version="1.0" encoding="utf-8"?>
 <p:sld xmlns:a="http://schemas.openxmlformats.org/drawingml/2006/main" xmlns:r="http://schemas.openxmlformats.org/officeDocument/2006/relationships" xmlns:p="http://schemas.openxmlformats.org/presentationml/2006/main">
   <p:cSld>
+    <p:bg>
+      <p:bgPr>
+        <a:solidFill>
+          <a:schemeClr val="bg1"/>
+        </a:solidFill>
+        <a:effectLst/>
+      </p:bgPr>
+    </p:bg>
     <p:spTree>
       <p:nvGrpSpPr>
         <p:cNvPr id="1" name=""/>
@@ -4983,14 +5001,196 @@
       </p:grpSpPr>
       <p:sp>
         <p:nvSpPr>
-          <p:cNvPr id="3" name="TextBox 2"/>
+          <p:cNvPr id="4" name="TextBox 3"/>
           <p:cNvSpPr txBox="1"/>
           <p:nvPr/>
         </p:nvSpPr>
         <p:spPr>
           <a:xfrm>
-            <a:off x="205478" y="681970"/>
-            <a:ext cx="2428870" cy="400110"/>
+            <a:off x="2514600" y="1962150"/>
+            <a:ext cx="3276599" cy="1077218"/>
+          </a:xfrm>
+          <a:prstGeom prst="rect">
+            <a:avLst/>
+          </a:prstGeom>
+          <a:noFill/>
+          <a:ln w="3175">
+            <a:solidFill>
+              <a:schemeClr val="bg1">
+                <a:lumMod val="85000"/>
+              </a:schemeClr>
+            </a:solidFill>
+          </a:ln>
+        </p:spPr>
+        <p:txBody>
+          <a:bodyPr wrap="square" rtlCol="0">
+            <a:spAutoFit/>
+          </a:bodyPr>
+          <a:lstStyle/>
+          <a:p>
+            <a:pPr algn="ctr"/>
+            <a:r>
+              <a:rPr lang="en-US" sz="3200" dirty="0" smtClean="0"/>
+              <a:t>Express JS</a:t>
+            </a:r>
+            <a:endParaRPr lang="en-US" sz="3200" dirty="0" smtClean="0"/>
+          </a:p>
+          <a:p>
+            <a:pPr algn="ctr"/>
+            <a:r>
+              <a:rPr lang="en-US" sz="3200" dirty="0" smtClean="0"/>
+              <a:t>Routing </a:t>
+            </a:r>
+            <a:endParaRPr lang="en-US" sz="3200" dirty="0"/>
+          </a:p>
+        </p:txBody>
+      </p:sp>
+    </p:spTree>
+    <p:extLst>
+      <p:ext uri="{BB962C8B-B14F-4D97-AF65-F5344CB8AC3E}">
+        <p14:creationId xmlns:p14="http://schemas.microsoft.com/office/powerpoint/2010/main" val="159797930"/>
+      </p:ext>
+    </p:extLst>
+  </p:cSld>
+  <p:clrMapOvr>
+    <a:masterClrMapping/>
+  </p:clrMapOvr>
+  <p:timing>
+    <p:tnLst>
+      <p:par>
+        <p:cTn id="1" dur="indefinite" restart="never" nodeType="tmRoot"/>
+      </p:par>
+    </p:tnLst>
+  </p:timing>
+</p:sld>
+</file>
+
+<file path=ppt/slides/slide6.xml><?xml version="1.0" encoding="utf-8"?>
+<p:sld xmlns:a="http://schemas.openxmlformats.org/drawingml/2006/main" xmlns:r="http://schemas.openxmlformats.org/officeDocument/2006/relationships" xmlns:p="http://schemas.openxmlformats.org/presentationml/2006/main">
+  <p:cSld>
+    <p:spTree>
+      <p:nvGrpSpPr>
+        <p:cNvPr id="1" name=""/>
+        <p:cNvGrpSpPr/>
+        <p:nvPr/>
+      </p:nvGrpSpPr>
+      <p:grpSpPr>
+        <a:xfrm>
+          <a:off x="0" y="0"/>
+          <a:ext cx="0" cy="0"/>
+          <a:chOff x="0" y="0"/>
+          <a:chExt cx="0" cy="0"/>
+        </a:xfrm>
+      </p:grpSpPr>
+      <p:sp>
+        <p:nvSpPr>
+          <p:cNvPr id="4" name="TextBox 3"/>
+          <p:cNvSpPr txBox="1"/>
+          <p:nvPr/>
+        </p:nvSpPr>
+        <p:spPr>
+          <a:xfrm>
+            <a:off x="365062" y="840422"/>
+            <a:ext cx="6188138" cy="646331"/>
+          </a:xfrm>
+          <a:prstGeom prst="rect">
+            <a:avLst/>
+          </a:prstGeom>
+          <a:solidFill>
+            <a:schemeClr val="tx1">
+              <a:lumMod val="85000"/>
+              <a:lumOff val="15000"/>
+            </a:schemeClr>
+          </a:solidFill>
+        </p:spPr>
+        <p:txBody>
+          <a:bodyPr wrap="square" rtlCol="0">
+            <a:spAutoFit/>
+          </a:bodyPr>
+          <a:lstStyle/>
+          <a:p>
+            <a:r>
+              <a:rPr lang="bn-IN" b="1" dirty="0" smtClean="0">
+                <a:solidFill>
+                  <a:schemeClr val="bg1"/>
+                </a:solidFill>
+                <a:latin typeface="Roboto Condensed" pitchFamily="2" charset="0"/>
+                <a:ea typeface="Roboto Condensed" pitchFamily="2" charset="0"/>
+              </a:rPr>
+              <a:t>সার্ভার সাইডে দক্ষতার জন্য-</a:t>
+            </a:r>
+          </a:p>
+          <a:p>
+            <a:r>
+              <a:rPr lang="en-US" b="1" dirty="0" smtClean="0">
+                <a:solidFill>
+                  <a:schemeClr val="bg1"/>
+                </a:solidFill>
+                <a:latin typeface="Roboto Condensed" pitchFamily="2" charset="0"/>
+                <a:ea typeface="Roboto Condensed" pitchFamily="2" charset="0"/>
+              </a:rPr>
+              <a:t> </a:t>
+            </a:r>
+            <a:r>
+              <a:rPr lang="bn-IN" b="1" dirty="0" smtClean="0">
+                <a:solidFill>
+                  <a:schemeClr val="bg1"/>
+                </a:solidFill>
+                <a:latin typeface="Roboto Condensed" pitchFamily="2" charset="0"/>
+                <a:ea typeface="Roboto Condensed" pitchFamily="2" charset="0"/>
+              </a:rPr>
+              <a:t>চারটি  বিষয় ভালো করে বুঝ</a:t>
+            </a:r>
+            <a:r>
+              <a:rPr lang="en-US" b="1" dirty="0">
+                <a:solidFill>
+                  <a:schemeClr val="bg1"/>
+                </a:solidFill>
+                <a:latin typeface="Roboto Condensed" pitchFamily="2" charset="0"/>
+                <a:ea typeface="Roboto Condensed" pitchFamily="2" charset="0"/>
+              </a:rPr>
+              <a:t> </a:t>
+            </a:r>
+            <a:r>
+              <a:rPr lang="bn-IN" b="1" dirty="0" smtClean="0">
+                <a:solidFill>
+                  <a:schemeClr val="bg1"/>
+                </a:solidFill>
+                <a:latin typeface="Roboto Condensed" pitchFamily="2" charset="0"/>
+                <a:ea typeface="Roboto Condensed" pitchFamily="2" charset="0"/>
+              </a:rPr>
+              <a:t>হবে  শিখতে হবে </a:t>
+            </a:r>
+            <a:r>
+              <a:rPr lang="en-US" b="1" dirty="0" smtClean="0">
+                <a:solidFill>
+                  <a:schemeClr val="bg1"/>
+                </a:solidFill>
+                <a:latin typeface="Roboto Condensed" pitchFamily="2" charset="0"/>
+                <a:ea typeface="Roboto Condensed" pitchFamily="2" charset="0"/>
+              </a:rPr>
+              <a:t> </a:t>
+            </a:r>
+            <a:endParaRPr lang="en-US" b="1" dirty="0">
+              <a:solidFill>
+                <a:schemeClr val="bg1"/>
+              </a:solidFill>
+              <a:latin typeface="Roboto Condensed" pitchFamily="2" charset="0"/>
+              <a:ea typeface="Roboto Condensed" pitchFamily="2" charset="0"/>
+            </a:endParaRPr>
+          </a:p>
+        </p:txBody>
+      </p:sp>
+      <p:sp>
+        <p:nvSpPr>
+          <p:cNvPr id="28" name="TextBox 27"/>
+          <p:cNvSpPr txBox="1"/>
+          <p:nvPr/>
+        </p:nvSpPr>
+        <p:spPr>
+          <a:xfrm>
+            <a:off x="371412" y="1733550"/>
+            <a:ext cx="2380780" cy="1200329"/>
           </a:xfrm>
           <a:prstGeom prst="rect">
             <a:avLst/>
@@ -5003,512 +5203,161 @@
           </a:bodyPr>
           <a:lstStyle/>
           <a:p>
-            <a:r>
-              <a:rPr lang="en-US" sz="2000" b="1" dirty="0" smtClean="0">
-                <a:latin typeface="Montserrat" pitchFamily="50" charset="0"/>
+            <a:pPr marL="285750" indent="-285750">
+              <a:buFont typeface="Arial" pitchFamily="34" charset="0"/>
+              <a:buChar char="•"/>
+            </a:pPr>
+            <a:r>
+              <a:rPr lang="en-US" dirty="0" smtClean="0">
+                <a:latin typeface="Roboto Condensed" pitchFamily="2" charset="0"/>
+                <a:ea typeface="Roboto Condensed" pitchFamily="2" charset="0"/>
+                <a:sym typeface="Wingdings" pitchFamily="2" charset="2"/>
               </a:rPr>
-              <a:t>What is Rest API</a:t>
-            </a:r>
-            <a:endParaRPr lang="en-US" sz="2000" b="1" dirty="0">
-              <a:latin typeface="Montserrat" pitchFamily="50" charset="0"/>
+              <a:t>Request </a:t>
+            </a:r>
+          </a:p>
+          <a:p>
+            <a:pPr marL="285750" indent="-285750">
+              <a:buFont typeface="Arial" pitchFamily="34" charset="0"/>
+              <a:buChar char="•"/>
+            </a:pPr>
+            <a:r>
+              <a:rPr lang="en-US" dirty="0" smtClean="0">
+                <a:latin typeface="Roboto Condensed" pitchFamily="2" charset="0"/>
+                <a:ea typeface="Roboto Condensed" pitchFamily="2" charset="0"/>
+                <a:sym typeface="Wingdings" pitchFamily="2" charset="2"/>
+              </a:rPr>
+              <a:t>Response </a:t>
+            </a:r>
+          </a:p>
+          <a:p>
+            <a:pPr marL="285750" indent="-285750">
+              <a:buFont typeface="Arial" pitchFamily="34" charset="0"/>
+              <a:buChar char="•"/>
+            </a:pPr>
+            <a:r>
+              <a:rPr lang="en-US" dirty="0" smtClean="0">
+                <a:latin typeface="Roboto Condensed" pitchFamily="2" charset="0"/>
+                <a:ea typeface="Roboto Condensed" pitchFamily="2" charset="0"/>
+                <a:sym typeface="Wingdings" pitchFamily="2" charset="2"/>
+              </a:rPr>
+              <a:t>Middleware </a:t>
+            </a:r>
+            <a:endParaRPr lang="bn-IN" dirty="0" smtClean="0">
+              <a:latin typeface="Roboto Condensed" pitchFamily="2" charset="0"/>
+              <a:ea typeface="Roboto Condensed" pitchFamily="2" charset="0"/>
+              <a:sym typeface="Wingdings" pitchFamily="2" charset="2"/>
             </a:endParaRPr>
           </a:p>
-        </p:txBody>
-      </p:sp>
-      <p:grpSp>
-        <p:nvGrpSpPr>
-          <p:cNvPr id="5" name="Group 4"/>
-          <p:cNvGrpSpPr/>
-          <p:nvPr/>
-        </p:nvGrpSpPr>
-        <p:grpSpPr>
-          <a:xfrm>
-            <a:off x="344433" y="1624129"/>
-            <a:ext cx="8384806" cy="2010466"/>
-            <a:chOff x="430000" y="1814238"/>
-            <a:chExt cx="8384806" cy="2010466"/>
-          </a:xfrm>
-        </p:grpSpPr>
-        <p:pic>
-          <p:nvPicPr>
-            <p:cNvPr id="6" name="Picture 2" descr="C:\Users\Rabbil\Desktop\Lumen\computer.png"/>
-            <p:cNvPicPr>
-              <a:picLocks noChangeAspect="1" noChangeArrowheads="1"/>
-            </p:cNvPicPr>
-            <p:nvPr/>
-          </p:nvPicPr>
-          <p:blipFill>
-            <a:blip r:embed="rId2">
-              <a:extLst>
-                <a:ext uri="{28A0092B-C50C-407E-A947-70E740481C1C}">
-                  <a14:useLocalDpi xmlns:a14="http://schemas.microsoft.com/office/drawing/2010/main" val="0"/>
-                </a:ext>
-              </a:extLst>
-            </a:blip>
-            <a:srcRect/>
-            <a:stretch>
-              <a:fillRect/>
-            </a:stretch>
-          </p:blipFill>
-          <p:spPr bwMode="auto">
-            <a:xfrm>
-              <a:off x="430000" y="1885950"/>
-              <a:ext cx="1099721" cy="754518"/>
-            </a:xfrm>
-            <a:prstGeom prst="rect">
-              <a:avLst/>
-            </a:prstGeom>
-            <a:noFill/>
-            <a:extLst>
-              <a:ext uri="{909E8E84-426E-40DD-AFC4-6F175D3DCCD1}">
-                <a14:hiddenFill xmlns:a14="http://schemas.microsoft.com/office/drawing/2010/main">
-                  <a:solidFill>
-                    <a:srgbClr val="FFFFFF"/>
-                  </a:solidFill>
-                </a14:hiddenFill>
-              </a:ext>
-            </a:extLst>
-          </p:spPr>
-        </p:pic>
-        <p:pic>
-          <p:nvPicPr>
-            <p:cNvPr id="7" name="Picture 3" descr="C:\Users\Rabbil\Desktop\Lumen\database.png"/>
-            <p:cNvPicPr>
-              <a:picLocks noChangeAspect="1" noChangeArrowheads="1"/>
-            </p:cNvPicPr>
-            <p:nvPr/>
-          </p:nvPicPr>
-          <p:blipFill>
-            <a:blip r:embed="rId3">
-              <a:extLst>
-                <a:ext uri="{28A0092B-C50C-407E-A947-70E740481C1C}">
-                  <a14:useLocalDpi xmlns:a14="http://schemas.microsoft.com/office/drawing/2010/main" val="0"/>
-                </a:ext>
-              </a:extLst>
-            </a:blip>
-            <a:srcRect/>
-            <a:stretch>
-              <a:fillRect/>
-            </a:stretch>
-          </p:blipFill>
-          <p:spPr bwMode="auto">
-            <a:xfrm>
-              <a:off x="7543800" y="1814238"/>
-              <a:ext cx="1228357" cy="1428727"/>
-            </a:xfrm>
-            <a:prstGeom prst="rect">
-              <a:avLst/>
-            </a:prstGeom>
-            <a:noFill/>
-            <a:extLst>
-              <a:ext uri="{909E8E84-426E-40DD-AFC4-6F175D3DCCD1}">
-                <a14:hiddenFill xmlns:a14="http://schemas.microsoft.com/office/drawing/2010/main">
-                  <a:solidFill>
-                    <a:srgbClr val="FFFFFF"/>
-                  </a:solidFill>
-                </a14:hiddenFill>
-              </a:ext>
-            </a:extLst>
-          </p:spPr>
-        </p:pic>
-        <p:sp>
-          <p:nvSpPr>
-            <p:cNvPr id="8" name="TextBox 7"/>
-            <p:cNvSpPr txBox="1"/>
-            <p:nvPr/>
-          </p:nvSpPr>
-          <p:spPr>
-            <a:xfrm>
-              <a:off x="654931" y="3486150"/>
-              <a:ext cx="1345240" cy="338554"/>
-            </a:xfrm>
-            <a:prstGeom prst="rect">
-              <a:avLst/>
-            </a:prstGeom>
-            <a:noFill/>
-          </p:spPr>
-          <p:txBody>
-            <a:bodyPr wrap="none" rtlCol="0">
-              <a:spAutoFit/>
-            </a:bodyPr>
-            <a:lstStyle/>
-            <a:p>
-              <a:r>
-                <a:rPr lang="en-US" sz="1600" b="1" dirty="0" smtClean="0">
-                  <a:solidFill>
-                    <a:srgbClr val="002060"/>
-                  </a:solidFill>
-                  <a:latin typeface="Montserrat" pitchFamily="50" charset="0"/>
-                </a:rPr>
-                <a:t>Client Side</a:t>
-              </a:r>
-              <a:endParaRPr lang="en-US" sz="1600" b="1" dirty="0">
-                <a:solidFill>
-                  <a:srgbClr val="002060"/>
-                </a:solidFill>
-                <a:latin typeface="Montserrat" pitchFamily="50" charset="0"/>
-              </a:endParaRPr>
-            </a:p>
-          </p:txBody>
-        </p:sp>
-        <p:pic>
-          <p:nvPicPr>
-            <p:cNvPr id="9" name="Picture 4" descr="C:\Users\Rabbil\AppData\Local\Temp\icon.png"/>
-            <p:cNvPicPr>
-              <a:picLocks noChangeAspect="1" noChangeArrowheads="1"/>
-            </p:cNvPicPr>
-            <p:nvPr/>
-          </p:nvPicPr>
-          <p:blipFill>
-            <a:blip r:embed="rId4" cstate="print">
-              <a:extLst>
-                <a:ext uri="{28A0092B-C50C-407E-A947-70E740481C1C}">
-                  <a14:useLocalDpi xmlns:a14="http://schemas.microsoft.com/office/drawing/2010/main" val="0"/>
-                </a:ext>
-              </a:extLst>
-            </a:blip>
-            <a:srcRect/>
-            <a:stretch>
-              <a:fillRect/>
-            </a:stretch>
-          </p:blipFill>
-          <p:spPr bwMode="auto">
-            <a:xfrm>
-              <a:off x="1538362" y="1840215"/>
-              <a:ext cx="734933" cy="734933"/>
-            </a:xfrm>
-            <a:prstGeom prst="rect">
-              <a:avLst/>
-            </a:prstGeom>
-            <a:noFill/>
-            <a:extLst>
-              <a:ext uri="{909E8E84-426E-40DD-AFC4-6F175D3DCCD1}">
-                <a14:hiddenFill xmlns:a14="http://schemas.microsoft.com/office/drawing/2010/main">
-                  <a:solidFill>
-                    <a:srgbClr val="FFFFFF"/>
-                  </a:solidFill>
-                </a14:hiddenFill>
-              </a:ext>
-            </a:extLst>
-          </p:spPr>
-        </p:pic>
-        <p:pic>
-          <p:nvPicPr>
-            <p:cNvPr id="10" name="Picture 5" descr="C:\Users\Rabbil\AppData\Local\Temp\global.png"/>
-            <p:cNvPicPr>
-              <a:picLocks noChangeAspect="1" noChangeArrowheads="1"/>
-            </p:cNvPicPr>
-            <p:nvPr/>
-          </p:nvPicPr>
-          <p:blipFill>
-            <a:blip r:embed="rId5" cstate="print">
-              <a:extLst>
-                <a:ext uri="{28A0092B-C50C-407E-A947-70E740481C1C}">
-                  <a14:useLocalDpi xmlns:a14="http://schemas.microsoft.com/office/drawing/2010/main" val="0"/>
-                </a:ext>
-              </a:extLst>
-            </a:blip>
-            <a:srcRect/>
-            <a:stretch>
-              <a:fillRect/>
-            </a:stretch>
-          </p:blipFill>
-          <p:spPr bwMode="auto">
-            <a:xfrm>
-              <a:off x="650176" y="2724150"/>
-              <a:ext cx="609600" cy="609600"/>
-            </a:xfrm>
-            <a:prstGeom prst="rect">
-              <a:avLst/>
-            </a:prstGeom>
-            <a:noFill/>
-            <a:extLst>
-              <a:ext uri="{909E8E84-426E-40DD-AFC4-6F175D3DCCD1}">
-                <a14:hiddenFill xmlns:a14="http://schemas.microsoft.com/office/drawing/2010/main">
-                  <a:solidFill>
-                    <a:srgbClr val="FFFFFF"/>
-                  </a:solidFill>
-                </a14:hiddenFill>
-              </a:ext>
-            </a:extLst>
-          </p:spPr>
-        </p:pic>
-        <p:pic>
-          <p:nvPicPr>
-            <p:cNvPr id="11" name="Picture 6" descr="C:\Users\Rabbil\AppData\Local\Temp\internet-of-things.png"/>
-            <p:cNvPicPr>
-              <a:picLocks noChangeAspect="1" noChangeArrowheads="1"/>
-            </p:cNvPicPr>
-            <p:nvPr/>
-          </p:nvPicPr>
-          <p:blipFill>
-            <a:blip r:embed="rId6" cstate="print">
-              <a:extLst>
-                <a:ext uri="{28A0092B-C50C-407E-A947-70E740481C1C}">
-                  <a14:useLocalDpi xmlns:a14="http://schemas.microsoft.com/office/drawing/2010/main" val="0"/>
-                </a:ext>
-              </a:extLst>
-            </a:blip>
-            <a:srcRect/>
-            <a:stretch>
-              <a:fillRect/>
-            </a:stretch>
-          </p:blipFill>
-          <p:spPr bwMode="auto">
-            <a:xfrm>
-              <a:off x="1473747" y="2724150"/>
-              <a:ext cx="609600" cy="609600"/>
-            </a:xfrm>
-            <a:prstGeom prst="rect">
-              <a:avLst/>
-            </a:prstGeom>
-            <a:noFill/>
-            <a:extLst>
-              <a:ext uri="{909E8E84-426E-40DD-AFC4-6F175D3DCCD1}">
-                <a14:hiddenFill xmlns:a14="http://schemas.microsoft.com/office/drawing/2010/main">
-                  <a:solidFill>
-                    <a:srgbClr val="FFFFFF"/>
-                  </a:solidFill>
-                </a14:hiddenFill>
-              </a:ext>
-            </a:extLst>
-          </p:spPr>
-        </p:pic>
-        <p:sp>
-          <p:nvSpPr>
-            <p:cNvPr id="12" name="TextBox 11"/>
-            <p:cNvSpPr txBox="1"/>
-            <p:nvPr/>
-          </p:nvSpPr>
-          <p:spPr>
-            <a:xfrm>
-              <a:off x="3505200" y="2737240"/>
-              <a:ext cx="2362200" cy="830997"/>
-            </a:xfrm>
-            <a:prstGeom prst="rect">
-              <a:avLst/>
-            </a:prstGeom>
-            <a:noFill/>
-          </p:spPr>
-          <p:txBody>
-            <a:bodyPr wrap="square" rtlCol="0">
-              <a:spAutoFit/>
-            </a:bodyPr>
-            <a:lstStyle/>
-            <a:p>
-              <a:pPr algn="ctr"/>
-              <a:r>
-                <a:rPr lang="en-US" sz="1600" dirty="0" smtClean="0">
-                  <a:solidFill>
-                    <a:schemeClr val="bg1"/>
-                  </a:solidFill>
-                  <a:latin typeface="Montserrat" pitchFamily="50" charset="0"/>
-                </a:rPr>
-                <a:t>Server Script /</a:t>
-              </a:r>
-            </a:p>
-            <a:p>
-              <a:pPr algn="ctr"/>
-              <a:r>
-                <a:rPr lang="en-US" sz="1600" b="1" dirty="0" smtClean="0">
-                  <a:solidFill>
-                    <a:srgbClr val="002060"/>
-                  </a:solidFill>
-                  <a:latin typeface="Montserrat" pitchFamily="50" charset="0"/>
-                </a:rPr>
-                <a:t> Server Side</a:t>
-              </a:r>
-            </a:p>
-            <a:p>
-              <a:pPr algn="ctr"/>
-              <a:r>
-                <a:rPr lang="en-US" sz="1600" b="1" dirty="0" smtClean="0">
-                  <a:solidFill>
-                    <a:srgbClr val="002060"/>
-                  </a:solidFill>
-                  <a:latin typeface="Montserrat" pitchFamily="50" charset="0"/>
-                </a:rPr>
-                <a:t>Rest API</a:t>
-              </a:r>
-              <a:endParaRPr lang="en-US" sz="1600" b="1" dirty="0">
-                <a:solidFill>
-                  <a:srgbClr val="002060"/>
-                </a:solidFill>
-                <a:latin typeface="Montserrat" pitchFamily="50" charset="0"/>
-              </a:endParaRPr>
-            </a:p>
-          </p:txBody>
-        </p:sp>
-        <p:pic>
-          <p:nvPicPr>
-            <p:cNvPr id="13" name="Picture 7" descr="C:\Users\Rabbil\AppData\Local\Temp\api.png"/>
-            <p:cNvPicPr>
-              <a:picLocks noChangeAspect="1" noChangeArrowheads="1"/>
-            </p:cNvPicPr>
-            <p:nvPr/>
-          </p:nvPicPr>
-          <p:blipFill>
-            <a:blip r:embed="rId7" cstate="print">
-              <a:extLst>
-                <a:ext uri="{28A0092B-C50C-407E-A947-70E740481C1C}">
-                  <a14:useLocalDpi xmlns:a14="http://schemas.microsoft.com/office/drawing/2010/main" val="0"/>
-                </a:ext>
-              </a:extLst>
-            </a:blip>
-            <a:srcRect/>
-            <a:stretch>
-              <a:fillRect/>
-            </a:stretch>
-          </p:blipFill>
-          <p:spPr bwMode="auto">
-            <a:xfrm>
-              <a:off x="4419600" y="2114550"/>
-              <a:ext cx="609600" cy="609600"/>
-            </a:xfrm>
-            <a:prstGeom prst="rect">
-              <a:avLst/>
-            </a:prstGeom>
-            <a:noFill/>
-            <a:extLst>
-              <a:ext uri="{909E8E84-426E-40DD-AFC4-6F175D3DCCD1}">
-                <a14:hiddenFill xmlns:a14="http://schemas.microsoft.com/office/drawing/2010/main">
-                  <a:solidFill>
-                    <a:srgbClr val="FFFFFF"/>
-                  </a:solidFill>
-                </a14:hiddenFill>
-              </a:ext>
-            </a:extLst>
-          </p:spPr>
-        </p:pic>
-        <p:cxnSp>
-          <p:nvCxnSpPr>
-            <p:cNvPr id="14" name="Straight Arrow Connector 13"/>
-            <p:cNvCxnSpPr/>
-            <p:nvPr/>
-          </p:nvCxnSpPr>
-          <p:spPr>
-            <a:xfrm flipH="1">
-              <a:off x="5305959" y="2525854"/>
-              <a:ext cx="2161641" cy="0"/>
-            </a:xfrm>
-            <a:prstGeom prst="straightConnector1">
-              <a:avLst/>
-            </a:prstGeom>
-            <a:ln w="19050">
-              <a:solidFill>
-                <a:schemeClr val="tx1">
-                  <a:lumMod val="95000"/>
-                  <a:lumOff val="5000"/>
-                </a:schemeClr>
-              </a:solidFill>
-              <a:tailEnd type="arrow"/>
-            </a:ln>
-          </p:spPr>
-          <p:style>
-            <a:lnRef idx="1">
-              <a:schemeClr val="accent1"/>
-            </a:lnRef>
-            <a:fillRef idx="0">
-              <a:schemeClr val="accent1"/>
-            </a:fillRef>
-            <a:effectRef idx="0">
-              <a:schemeClr val="accent1"/>
-            </a:effectRef>
-            <a:fontRef idx="minor">
-              <a:schemeClr val="tx1"/>
-            </a:fontRef>
-          </p:style>
-        </p:cxnSp>
-        <p:cxnSp>
-          <p:nvCxnSpPr>
-            <p:cNvPr id="15" name="Straight Arrow Connector 14"/>
-            <p:cNvCxnSpPr/>
-            <p:nvPr/>
-          </p:nvCxnSpPr>
-          <p:spPr>
-            <a:xfrm flipH="1" flipV="1">
-              <a:off x="2438400" y="2525853"/>
-              <a:ext cx="1623975" cy="1"/>
-            </a:xfrm>
-            <a:prstGeom prst="straightConnector1">
-              <a:avLst/>
-            </a:prstGeom>
-            <a:ln w="19050">
-              <a:solidFill>
-                <a:schemeClr val="tx1">
-                  <a:lumMod val="95000"/>
-                  <a:lumOff val="5000"/>
-                </a:schemeClr>
-              </a:solidFill>
-              <a:tailEnd type="arrow"/>
-            </a:ln>
-          </p:spPr>
-          <p:style>
-            <a:lnRef idx="1">
-              <a:schemeClr val="accent1"/>
-            </a:lnRef>
-            <a:fillRef idx="0">
-              <a:schemeClr val="accent1"/>
-            </a:fillRef>
-            <a:effectRef idx="0">
-              <a:schemeClr val="accent1"/>
-            </a:effectRef>
-            <a:fontRef idx="minor">
-              <a:schemeClr val="tx1"/>
-            </a:fontRef>
-          </p:style>
-        </p:cxnSp>
-        <p:sp>
-          <p:nvSpPr>
-            <p:cNvPr id="16" name="TextBox 15"/>
-            <p:cNvSpPr txBox="1"/>
-            <p:nvPr/>
-          </p:nvSpPr>
-          <p:spPr>
-            <a:xfrm>
-              <a:off x="7617042" y="3333750"/>
-              <a:ext cx="1197764" cy="338554"/>
-            </a:xfrm>
-            <a:prstGeom prst="rect">
-              <a:avLst/>
-            </a:prstGeom>
-            <a:noFill/>
-          </p:spPr>
-          <p:txBody>
-            <a:bodyPr wrap="none" rtlCol="0">
-              <a:spAutoFit/>
-            </a:bodyPr>
-            <a:lstStyle/>
-            <a:p>
-              <a:r>
-                <a:rPr lang="en-US" sz="1600" b="1" dirty="0" smtClean="0">
-                  <a:solidFill>
-                    <a:srgbClr val="002060"/>
-                  </a:solidFill>
-                  <a:latin typeface="Montserrat" pitchFamily="50" charset="0"/>
-                </a:rPr>
-                <a:t>Database</a:t>
-              </a:r>
-              <a:endParaRPr lang="en-US" sz="1600" b="1" dirty="0">
-                <a:solidFill>
-                  <a:srgbClr val="002060"/>
-                </a:solidFill>
-                <a:latin typeface="Montserrat" pitchFamily="50" charset="0"/>
-              </a:endParaRPr>
-            </a:p>
-          </p:txBody>
-        </p:sp>
-      </p:grpSp>
-      <p:sp>
-        <p:nvSpPr>
-          <p:cNvPr id="17" name="TextBox 16"/>
+          <a:p>
+            <a:pPr marL="285750" indent="-285750">
+              <a:buFont typeface="Arial" pitchFamily="34" charset="0"/>
+              <a:buChar char="•"/>
+            </a:pPr>
+            <a:r>
+              <a:rPr lang="en-US" dirty="0" smtClean="0">
+                <a:latin typeface="Roboto Condensed" pitchFamily="2" charset="0"/>
+                <a:ea typeface="Roboto Condensed" pitchFamily="2" charset="0"/>
+              </a:rPr>
+              <a:t>Database Operations</a:t>
+            </a:r>
+          </a:p>
+        </p:txBody>
+      </p:sp>
+    </p:spTree>
+    <p:extLst>
+      <p:ext uri="{BB962C8B-B14F-4D97-AF65-F5344CB8AC3E}">
+        <p14:creationId xmlns:p14="http://schemas.microsoft.com/office/powerpoint/2010/main" val="2255661475"/>
+      </p:ext>
+    </p:extLst>
+  </p:cSld>
+  <p:clrMapOvr>
+    <a:masterClrMapping/>
+  </p:clrMapOvr>
+  <p:timing>
+    <p:tnLst>
+      <p:par>
+        <p:cTn id="1" dur="indefinite" restart="never" nodeType="tmRoot"/>
+      </p:par>
+    </p:tnLst>
+  </p:timing>
+</p:sld>
+</file>
+
+<file path=ppt/slides/slide7.xml><?xml version="1.0" encoding="utf-8"?>
+<p:sld xmlns:a="http://schemas.openxmlformats.org/drawingml/2006/main" xmlns:r="http://schemas.openxmlformats.org/officeDocument/2006/relationships" xmlns:p="http://schemas.openxmlformats.org/presentationml/2006/main">
+  <p:cSld>
+    <p:spTree>
+      <p:nvGrpSpPr>
+        <p:cNvPr id="1" name=""/>
+        <p:cNvGrpSpPr/>
+        <p:nvPr/>
+      </p:nvGrpSpPr>
+      <p:grpSpPr>
+        <a:xfrm>
+          <a:off x="0" y="0"/>
+          <a:ext cx="0" cy="0"/>
+          <a:chOff x="0" y="0"/>
+          <a:chExt cx="0" cy="0"/>
+        </a:xfrm>
+      </p:grpSpPr>
+      <p:sp>
+        <p:nvSpPr>
+          <p:cNvPr id="4" name="TextBox 3"/>
           <p:cNvSpPr txBox="1"/>
           <p:nvPr/>
         </p:nvSpPr>
         <p:spPr>
           <a:xfrm>
-            <a:off x="2710234" y="681970"/>
-            <a:ext cx="3873176" cy="338554"/>
+            <a:off x="365062" y="840422"/>
+            <a:ext cx="6188138" cy="369332"/>
+          </a:xfrm>
+          <a:prstGeom prst="rect">
+            <a:avLst/>
+          </a:prstGeom>
+          <a:solidFill>
+            <a:schemeClr val="tx1">
+              <a:lumMod val="85000"/>
+              <a:lumOff val="15000"/>
+            </a:schemeClr>
+          </a:solidFill>
+        </p:spPr>
+        <p:txBody>
+          <a:bodyPr wrap="square" rtlCol="0">
+            <a:spAutoFit/>
+          </a:bodyPr>
+          <a:lstStyle/>
+          <a:p>
+            <a:r>
+              <a:rPr lang="en-US" b="1" dirty="0" smtClean="0">
+                <a:solidFill>
+                  <a:schemeClr val="bg1"/>
+                </a:solidFill>
+                <a:latin typeface="Roboto Condensed" pitchFamily="2" charset="0"/>
+                <a:ea typeface="Roboto Condensed" pitchFamily="2" charset="0"/>
+              </a:rPr>
+              <a:t>Response </a:t>
+            </a:r>
+            <a:endParaRPr lang="en-US" b="1" dirty="0">
+              <a:solidFill>
+                <a:schemeClr val="bg1"/>
+              </a:solidFill>
+              <a:latin typeface="Roboto Condensed" pitchFamily="2" charset="0"/>
+              <a:ea typeface="Roboto Condensed" pitchFamily="2" charset="0"/>
+            </a:endParaRPr>
+          </a:p>
+        </p:txBody>
+      </p:sp>
+      <p:sp>
+        <p:nvSpPr>
+          <p:cNvPr id="28" name="TextBox 27"/>
+          <p:cNvSpPr txBox="1"/>
+          <p:nvPr/>
+        </p:nvSpPr>
+        <p:spPr>
+          <a:xfrm>
+            <a:off x="371412" y="1504950"/>
+            <a:ext cx="5234125" cy="2585323"/>
           </a:xfrm>
           <a:prstGeom prst="rect">
             <a:avLst/>
@@ -5521,38 +5370,293 @@
           </a:bodyPr>
           <a:lstStyle/>
           <a:p>
-            <a:r>
-              <a:rPr lang="en-US" sz="1600" b="1" dirty="0" smtClean="0">
+            <a:pPr marL="285750" indent="-285750">
+              <a:buFont typeface="Arial" pitchFamily="34" charset="0"/>
+              <a:buChar char="•"/>
+            </a:pPr>
+            <a:r>
+              <a:rPr lang="en-US" dirty="0" smtClean="0">
+                <a:latin typeface="Roboto Condensed" pitchFamily="2" charset="0"/>
+                <a:ea typeface="Roboto Condensed" pitchFamily="2" charset="0"/>
+              </a:rPr>
+              <a:t>Simple Get/Post Request </a:t>
+            </a:r>
+            <a:r>
+              <a:rPr lang="en-US" dirty="0" smtClean="0">
+                <a:latin typeface="Roboto Condensed" pitchFamily="2" charset="0"/>
+                <a:ea typeface="Roboto Condensed" pitchFamily="2" charset="0"/>
+                <a:sym typeface="Wingdings" pitchFamily="2" charset="2"/>
+              </a:rPr>
+              <a:t> </a:t>
+            </a:r>
+            <a:r>
+              <a:rPr lang="en-US" b="1" dirty="0" smtClean="0">
                 <a:solidFill>
-                  <a:srgbClr val="FF0000"/>
+                  <a:srgbClr val="0070C0"/>
                 </a:solidFill>
-                <a:latin typeface="Montserrat" pitchFamily="50" charset="0"/>
+                <a:latin typeface="Roboto Condensed" pitchFamily="2" charset="0"/>
+                <a:ea typeface="Roboto Condensed" pitchFamily="2" charset="0"/>
+                <a:sym typeface="Wingdings" pitchFamily="2" charset="2"/>
               </a:rPr>
-              <a:t>( Representational </a:t>
-            </a:r>
-            <a:r>
-              <a:rPr lang="en-US" sz="1600" b="1" dirty="0">
+              <a:t>String Response </a:t>
+            </a:r>
+            <a:r>
+              <a:rPr lang="en-US" b="1" dirty="0" smtClean="0">
                 <a:solidFill>
-                  <a:srgbClr val="FF0000"/>
+                  <a:srgbClr val="0070C0"/>
                 </a:solidFill>
-                <a:latin typeface="Montserrat" pitchFamily="50" charset="0"/>
+                <a:latin typeface="Roboto Condensed" pitchFamily="2" charset="0"/>
+                <a:ea typeface="Roboto Condensed" pitchFamily="2" charset="0"/>
               </a:rPr>
-              <a:t>State </a:t>
-            </a:r>
-            <a:r>
-              <a:rPr lang="en-US" sz="1600" b="1" dirty="0" smtClean="0">
+              <a:t> </a:t>
+            </a:r>
+            <a:endParaRPr lang="bn-IN" b="1" dirty="0" smtClean="0">
+              <a:solidFill>
+                <a:srgbClr val="0070C0"/>
+              </a:solidFill>
+              <a:latin typeface="Roboto Condensed" pitchFamily="2" charset="0"/>
+              <a:ea typeface="Roboto Condensed" pitchFamily="2" charset="0"/>
+            </a:endParaRPr>
+          </a:p>
+          <a:p>
+            <a:pPr marL="285750" indent="-285750">
+              <a:buFont typeface="Arial" pitchFamily="34" charset="0"/>
+              <a:buChar char="•"/>
+            </a:pPr>
+            <a:r>
+              <a:rPr lang="en-US" dirty="0">
+                <a:latin typeface="Roboto Condensed" pitchFamily="2" charset="0"/>
+                <a:ea typeface="Roboto Condensed" pitchFamily="2" charset="0"/>
+              </a:rPr>
+              <a:t>Simple Get/Post Request </a:t>
+            </a:r>
+            <a:r>
+              <a:rPr lang="en-US" dirty="0">
+                <a:latin typeface="Roboto Condensed" pitchFamily="2" charset="0"/>
+                <a:ea typeface="Roboto Condensed" pitchFamily="2" charset="0"/>
+                <a:sym typeface="Wingdings" pitchFamily="2" charset="2"/>
+              </a:rPr>
+              <a:t> </a:t>
+            </a:r>
+            <a:r>
+              <a:rPr lang="en-US" b="1" dirty="0" smtClean="0">
                 <a:solidFill>
-                  <a:srgbClr val="FF0000"/>
+                  <a:srgbClr val="0070C0"/>
                 </a:solidFill>
-                <a:latin typeface="Montserrat" pitchFamily="50" charset="0"/>
+                <a:latin typeface="Roboto Condensed" pitchFamily="2" charset="0"/>
+                <a:ea typeface="Roboto Condensed" pitchFamily="2" charset="0"/>
+                <a:sym typeface="Wingdings" pitchFamily="2" charset="2"/>
               </a:rPr>
-              <a:t>Transfer) </a:t>
-            </a:r>
-            <a:endParaRPr lang="en-US" sz="1600" b="1" dirty="0">
+              <a:t>Response Status Code </a:t>
+            </a:r>
+            <a:endParaRPr lang="en-US" b="1" dirty="0" smtClean="0">
               <a:solidFill>
-                <a:srgbClr val="FF0000"/>
+                <a:srgbClr val="0070C0"/>
               </a:solidFill>
-              <a:latin typeface="Montserrat" pitchFamily="50" charset="0"/>
+              <a:latin typeface="Roboto Condensed" pitchFamily="2" charset="0"/>
+              <a:ea typeface="Roboto Condensed" pitchFamily="2" charset="0"/>
+            </a:endParaRPr>
+          </a:p>
+          <a:p>
+            <a:pPr marL="285750" indent="-285750">
+              <a:buFont typeface="Arial" pitchFamily="34" charset="0"/>
+              <a:buChar char="•"/>
+            </a:pPr>
+            <a:r>
+              <a:rPr lang="en-US" dirty="0" smtClean="0">
+                <a:latin typeface="Roboto Condensed" pitchFamily="2" charset="0"/>
+                <a:ea typeface="Roboto Condensed" pitchFamily="2" charset="0"/>
+              </a:rPr>
+              <a:t>Simple Get/Post Request </a:t>
+            </a:r>
+            <a:r>
+              <a:rPr lang="en-US" dirty="0" smtClean="0">
+                <a:latin typeface="Roboto Condensed" pitchFamily="2" charset="0"/>
+                <a:ea typeface="Roboto Condensed" pitchFamily="2" charset="0"/>
+                <a:sym typeface="Wingdings" pitchFamily="2" charset="2"/>
+              </a:rPr>
+              <a:t> </a:t>
+            </a:r>
+            <a:r>
+              <a:rPr lang="en-US" b="1" dirty="0" smtClean="0">
+                <a:solidFill>
+                  <a:srgbClr val="0070C0"/>
+                </a:solidFill>
+                <a:latin typeface="Roboto Condensed" pitchFamily="2" charset="0"/>
+                <a:ea typeface="Roboto Condensed" pitchFamily="2" charset="0"/>
+                <a:sym typeface="Wingdings" pitchFamily="2" charset="2"/>
+              </a:rPr>
+              <a:t>JSON Response </a:t>
+            </a:r>
+          </a:p>
+          <a:p>
+            <a:pPr marL="285750" indent="-285750">
+              <a:buFont typeface="Arial" pitchFamily="34" charset="0"/>
+              <a:buChar char="•"/>
+            </a:pPr>
+            <a:r>
+              <a:rPr lang="en-US" dirty="0" smtClean="0">
+                <a:latin typeface="Roboto Condensed" pitchFamily="2" charset="0"/>
+                <a:ea typeface="Roboto Condensed" pitchFamily="2" charset="0"/>
+                <a:sym typeface="Wingdings" pitchFamily="2" charset="2"/>
+              </a:rPr>
+              <a:t>Simple Get/Post Request  </a:t>
+            </a:r>
+            <a:r>
+              <a:rPr lang="en-US" b="1" dirty="0" smtClean="0">
+                <a:solidFill>
+                  <a:srgbClr val="0070C0"/>
+                </a:solidFill>
+                <a:latin typeface="Roboto Condensed" pitchFamily="2" charset="0"/>
+                <a:ea typeface="Roboto Condensed" pitchFamily="2" charset="0"/>
+                <a:sym typeface="Wingdings" pitchFamily="2" charset="2"/>
+              </a:rPr>
+              <a:t>Download Response</a:t>
+            </a:r>
+          </a:p>
+          <a:p>
+            <a:pPr marL="285750" indent="-285750">
+              <a:buFont typeface="Arial" pitchFamily="34" charset="0"/>
+              <a:buChar char="•"/>
+            </a:pPr>
+            <a:r>
+              <a:rPr lang="en-US" dirty="0">
+                <a:latin typeface="Roboto Condensed" pitchFamily="2" charset="0"/>
+                <a:ea typeface="Roboto Condensed" pitchFamily="2" charset="0"/>
+                <a:sym typeface="Wingdings" pitchFamily="2" charset="2"/>
+              </a:rPr>
+              <a:t>Simple </a:t>
+            </a:r>
+            <a:r>
+              <a:rPr lang="en-US" dirty="0" smtClean="0">
+                <a:latin typeface="Roboto Condensed" pitchFamily="2" charset="0"/>
+                <a:ea typeface="Roboto Condensed" pitchFamily="2" charset="0"/>
+                <a:sym typeface="Wingdings" pitchFamily="2" charset="2"/>
+              </a:rPr>
+              <a:t>Get/Post </a:t>
+            </a:r>
+            <a:r>
+              <a:rPr lang="en-US" dirty="0">
+                <a:latin typeface="Roboto Condensed" pitchFamily="2" charset="0"/>
+                <a:ea typeface="Roboto Condensed" pitchFamily="2" charset="0"/>
+                <a:sym typeface="Wingdings" pitchFamily="2" charset="2"/>
+              </a:rPr>
+              <a:t>Request  </a:t>
+            </a:r>
+            <a:r>
+              <a:rPr lang="en-US" b="1" dirty="0" smtClean="0">
+                <a:solidFill>
+                  <a:srgbClr val="0070C0"/>
+                </a:solidFill>
+                <a:latin typeface="Roboto Condensed" pitchFamily="2" charset="0"/>
+                <a:ea typeface="Roboto Condensed" pitchFamily="2" charset="0"/>
+                <a:sym typeface="Wingdings" pitchFamily="2" charset="2"/>
+              </a:rPr>
+              <a:t>Response Redirect </a:t>
+            </a:r>
+            <a:endParaRPr lang="en-US" b="1" dirty="0">
+              <a:solidFill>
+                <a:srgbClr val="0070C0"/>
+              </a:solidFill>
+              <a:latin typeface="Roboto Condensed" pitchFamily="2" charset="0"/>
+              <a:ea typeface="Roboto Condensed" pitchFamily="2" charset="0"/>
+              <a:sym typeface="Wingdings" pitchFamily="2" charset="2"/>
+            </a:endParaRPr>
+          </a:p>
+          <a:p>
+            <a:pPr marL="285750" indent="-285750">
+              <a:buFont typeface="Arial" pitchFamily="34" charset="0"/>
+              <a:buChar char="•"/>
+            </a:pPr>
+            <a:r>
+              <a:rPr lang="en-US" dirty="0" smtClean="0">
+                <a:latin typeface="Roboto Condensed" pitchFamily="2" charset="0"/>
+                <a:ea typeface="Roboto Condensed" pitchFamily="2" charset="0"/>
+                <a:sym typeface="Wingdings" pitchFamily="2" charset="2"/>
+              </a:rPr>
+              <a:t>Simple Get/Post Request  </a:t>
+            </a:r>
+            <a:r>
+              <a:rPr lang="en-US" b="1" dirty="0" smtClean="0">
+                <a:solidFill>
+                  <a:srgbClr val="0070C0"/>
+                </a:solidFill>
+                <a:latin typeface="Roboto Condensed" pitchFamily="2" charset="0"/>
+                <a:ea typeface="Roboto Condensed" pitchFamily="2" charset="0"/>
+                <a:sym typeface="Wingdings" pitchFamily="2" charset="2"/>
+              </a:rPr>
+              <a:t>Response Header</a:t>
+            </a:r>
+          </a:p>
+          <a:p>
+            <a:pPr marL="285750" indent="-285750">
+              <a:buFont typeface="Arial" pitchFamily="34" charset="0"/>
+              <a:buChar char="•"/>
+            </a:pPr>
+            <a:r>
+              <a:rPr lang="en-US" dirty="0" smtClean="0">
+                <a:latin typeface="Roboto Condensed" pitchFamily="2" charset="0"/>
+                <a:ea typeface="Roboto Condensed" pitchFamily="2" charset="0"/>
+                <a:sym typeface="Wingdings" pitchFamily="2" charset="2"/>
+              </a:rPr>
+              <a:t>Simple Get/Post Request  </a:t>
+            </a:r>
+            <a:r>
+              <a:rPr lang="en-US" b="1" dirty="0" smtClean="0">
+                <a:solidFill>
+                  <a:srgbClr val="0070C0"/>
+                </a:solidFill>
+                <a:latin typeface="Roboto Condensed" pitchFamily="2" charset="0"/>
+                <a:ea typeface="Roboto Condensed" pitchFamily="2" charset="0"/>
+                <a:sym typeface="Wingdings" pitchFamily="2" charset="2"/>
+              </a:rPr>
+              <a:t>Set Response Cookie </a:t>
+            </a:r>
+          </a:p>
+          <a:p>
+            <a:pPr marL="285750" indent="-285750">
+              <a:buFont typeface="Arial" pitchFamily="34" charset="0"/>
+              <a:buChar char="•"/>
+            </a:pPr>
+            <a:r>
+              <a:rPr lang="en-US" dirty="0">
+                <a:latin typeface="Roboto Condensed" pitchFamily="2" charset="0"/>
+                <a:ea typeface="Roboto Condensed" pitchFamily="2" charset="0"/>
+                <a:sym typeface="Wingdings" pitchFamily="2" charset="2"/>
+              </a:rPr>
+              <a:t>Simple Get/Post Request  </a:t>
+            </a:r>
+            <a:r>
+              <a:rPr lang="en-US" b="1" dirty="0" smtClean="0">
+                <a:solidFill>
+                  <a:srgbClr val="0070C0"/>
+                </a:solidFill>
+                <a:latin typeface="Roboto Condensed" pitchFamily="2" charset="0"/>
+                <a:ea typeface="Roboto Condensed" pitchFamily="2" charset="0"/>
+                <a:sym typeface="Wingdings" pitchFamily="2" charset="2"/>
+              </a:rPr>
+              <a:t>Clear Response </a:t>
+            </a:r>
+            <a:r>
+              <a:rPr lang="en-US" b="1" dirty="0">
+                <a:solidFill>
+                  <a:srgbClr val="0070C0"/>
+                </a:solidFill>
+                <a:latin typeface="Roboto Condensed" pitchFamily="2" charset="0"/>
+                <a:ea typeface="Roboto Condensed" pitchFamily="2" charset="0"/>
+                <a:sym typeface="Wingdings" pitchFamily="2" charset="2"/>
+              </a:rPr>
+              <a:t>Cookie </a:t>
+            </a:r>
+          </a:p>
+          <a:p>
+            <a:pPr marL="285750" indent="-285750">
+              <a:buFont typeface="Arial" pitchFamily="34" charset="0"/>
+              <a:buChar char="•"/>
+            </a:pPr>
+            <a:endParaRPr lang="en-US" dirty="0" smtClean="0">
+              <a:latin typeface="Roboto Condensed" pitchFamily="2" charset="0"/>
+              <a:ea typeface="Roboto Condensed" pitchFamily="2" charset="0"/>
             </a:endParaRPr>
           </a:p>
         </p:txBody>
@@ -5560,7 +5664,7 @@
     </p:spTree>
     <p:extLst>
       <p:ext uri="{BB962C8B-B14F-4D97-AF65-F5344CB8AC3E}">
-        <p14:creationId xmlns:p14="http://schemas.microsoft.com/office/powerpoint/2010/main" val="4099379622"/>
+        <p14:creationId xmlns:p14="http://schemas.microsoft.com/office/powerpoint/2010/main" val="2495239468"/>
       </p:ext>
     </p:extLst>
   </p:cSld>

--- a/ppt/1 Express JS.pptx
+++ b/ppt/1 Express JS.pptx
@@ -11,7 +11,8 @@
     <p:sldId id="259" r:id="rId5"/>
     <p:sldId id="263" r:id="rId6"/>
     <p:sldId id="261" r:id="rId7"/>
-    <p:sldId id="262" r:id="rId8"/>
+    <p:sldId id="264" r:id="rId8"/>
+    <p:sldId id="262" r:id="rId9"/>
   </p:sldIdLst>
   <p:sldSz cx="9144000" cy="5143500" type="screen16x9"/>
   <p:notesSz cx="6858000" cy="9144000"/>
@@ -295,7 +296,7 @@
             <a:fld id="{1D8BD707-D9CF-40AE-B4C6-C98DA3205C09}" type="datetimeFigureOut">
               <a:rPr lang="en-US" smtClean="0"/>
               <a:pPr/>
-              <a:t>11/4/2020</a:t>
+              <a:t>11/5/2020</a:t>
             </a:fld>
             <a:endParaRPr lang="en-US"/>
           </a:p>
@@ -462,7 +463,7 @@
             <a:fld id="{1D8BD707-D9CF-40AE-B4C6-C98DA3205C09}" type="datetimeFigureOut">
               <a:rPr lang="en-US" smtClean="0"/>
               <a:pPr/>
-              <a:t>11/4/2020</a:t>
+              <a:t>11/5/2020</a:t>
             </a:fld>
             <a:endParaRPr lang="en-US"/>
           </a:p>
@@ -639,7 +640,7 @@
             <a:fld id="{1D8BD707-D9CF-40AE-B4C6-C98DA3205C09}" type="datetimeFigureOut">
               <a:rPr lang="en-US" smtClean="0"/>
               <a:pPr/>
-              <a:t>11/4/2020</a:t>
+              <a:t>11/5/2020</a:t>
             </a:fld>
             <a:endParaRPr lang="en-US"/>
           </a:p>
@@ -806,7 +807,7 @@
             <a:fld id="{1D8BD707-D9CF-40AE-B4C6-C98DA3205C09}" type="datetimeFigureOut">
               <a:rPr lang="en-US" smtClean="0"/>
               <a:pPr/>
-              <a:t>11/4/2020</a:t>
+              <a:t>11/5/2020</a:t>
             </a:fld>
             <a:endParaRPr lang="en-US"/>
           </a:p>
@@ -1049,7 +1050,7 @@
             <a:fld id="{1D8BD707-D9CF-40AE-B4C6-C98DA3205C09}" type="datetimeFigureOut">
               <a:rPr lang="en-US" smtClean="0"/>
               <a:pPr/>
-              <a:t>11/4/2020</a:t>
+              <a:t>11/5/2020</a:t>
             </a:fld>
             <a:endParaRPr lang="en-US"/>
           </a:p>
@@ -1334,7 +1335,7 @@
             <a:fld id="{1D8BD707-D9CF-40AE-B4C6-C98DA3205C09}" type="datetimeFigureOut">
               <a:rPr lang="en-US" smtClean="0"/>
               <a:pPr/>
-              <a:t>11/4/2020</a:t>
+              <a:t>11/5/2020</a:t>
             </a:fld>
             <a:endParaRPr lang="en-US"/>
           </a:p>
@@ -1753,7 +1754,7 @@
             <a:fld id="{1D8BD707-D9CF-40AE-B4C6-C98DA3205C09}" type="datetimeFigureOut">
               <a:rPr lang="en-US" smtClean="0"/>
               <a:pPr/>
-              <a:t>11/4/2020</a:t>
+              <a:t>11/5/2020</a:t>
             </a:fld>
             <a:endParaRPr lang="en-US"/>
           </a:p>
@@ -1868,7 +1869,7 @@
             <a:fld id="{1D8BD707-D9CF-40AE-B4C6-C98DA3205C09}" type="datetimeFigureOut">
               <a:rPr lang="en-US" smtClean="0"/>
               <a:pPr/>
-              <a:t>11/4/2020</a:t>
+              <a:t>11/5/2020</a:t>
             </a:fld>
             <a:endParaRPr lang="en-US"/>
           </a:p>
@@ -1960,7 +1961,7 @@
             <a:fld id="{1D8BD707-D9CF-40AE-B4C6-C98DA3205C09}" type="datetimeFigureOut">
               <a:rPr lang="en-US" smtClean="0"/>
               <a:pPr/>
-              <a:t>11/4/2020</a:t>
+              <a:t>11/5/2020</a:t>
             </a:fld>
             <a:endParaRPr lang="en-US"/>
           </a:p>
@@ -2234,7 +2235,7 @@
             <a:fld id="{1D8BD707-D9CF-40AE-B4C6-C98DA3205C09}" type="datetimeFigureOut">
               <a:rPr lang="en-US" smtClean="0"/>
               <a:pPr/>
-              <a:t>11/4/2020</a:t>
+              <a:t>11/5/2020</a:t>
             </a:fld>
             <a:endParaRPr lang="en-US"/>
           </a:p>
@@ -2484,7 +2485,7 @@
             <a:fld id="{1D8BD707-D9CF-40AE-B4C6-C98DA3205C09}" type="datetimeFigureOut">
               <a:rPr lang="en-US" smtClean="0"/>
               <a:pPr/>
-              <a:t>11/4/2020</a:t>
+              <a:t>11/5/2020</a:t>
             </a:fld>
             <a:endParaRPr lang="en-US"/>
           </a:p>
@@ -2703,7 +2704,7 @@
             <a:fld id="{1D8BD707-D9CF-40AE-B4C6-C98DA3205C09}" type="datetimeFigureOut">
               <a:rPr lang="en-US" smtClean="0"/>
               <a:pPr/>
-              <a:t>11/4/2020</a:t>
+              <a:t>11/5/2020</a:t>
             </a:fld>
             <a:endParaRPr lang="en-US"/>
           </a:p>
@@ -5033,7 +5034,6 @@
               <a:rPr lang="en-US" sz="3200" dirty="0" smtClean="0"/>
               <a:t>Express JS</a:t>
             </a:r>
-            <a:endParaRPr lang="en-US" sz="3200" dirty="0" smtClean="0"/>
           </a:p>
           <a:p>
             <a:pPr algn="ctr"/>
@@ -5091,7 +5091,7 @@
         <p:spPr>
           <a:xfrm>
             <a:off x="365062" y="840422"/>
-            <a:ext cx="6188138" cy="646331"/>
+            <a:ext cx="6188138" cy="1200329"/>
           </a:xfrm>
           <a:prstGeom prst="rect">
             <a:avLst/>
@@ -5109,6 +5109,15 @@
           </a:bodyPr>
           <a:lstStyle/>
           <a:p>
+            <a:endParaRPr lang="bn-IN" b="1" dirty="0" smtClean="0">
+              <a:solidFill>
+                <a:schemeClr val="bg1"/>
+              </a:solidFill>
+              <a:latin typeface="Roboto Condensed" pitchFamily="2" charset="0"/>
+              <a:ea typeface="Roboto Condensed" pitchFamily="2" charset="0"/>
+            </a:endParaRPr>
+          </a:p>
+          <a:p>
             <a:r>
               <a:rPr lang="bn-IN" b="1" dirty="0" smtClean="0">
                 <a:solidFill>
@@ -5117,7 +5126,17 @@
                 <a:latin typeface="Roboto Condensed" pitchFamily="2" charset="0"/>
                 <a:ea typeface="Roboto Condensed" pitchFamily="2" charset="0"/>
               </a:rPr>
-              <a:t>সার্ভার সাইডে দক্ষতার জন্য-</a:t>
+              <a:t>সার্ভার </a:t>
+            </a:r>
+            <a:r>
+              <a:rPr lang="bn-IN" b="1" dirty="0" smtClean="0">
+                <a:solidFill>
+                  <a:schemeClr val="bg1"/>
+                </a:solidFill>
+                <a:latin typeface="Roboto Condensed" pitchFamily="2" charset="0"/>
+                <a:ea typeface="Roboto Condensed" pitchFamily="2" charset="0"/>
+              </a:rPr>
+              <a:t>সাইডে দক্ষতার জন্য-</a:t>
             </a:r>
           </a:p>
           <a:p>
@@ -5139,17 +5158,7 @@
                 <a:latin typeface="Roboto Condensed" pitchFamily="2" charset="0"/>
                 <a:ea typeface="Roboto Condensed" pitchFamily="2" charset="0"/>
               </a:rPr>
-              <a:t>চারটি  বিষয় ভালো করে বুঝ</a:t>
-            </a:r>
-            <a:r>
-              <a:rPr lang="en-US" b="1" dirty="0">
-                <a:solidFill>
-                  <a:schemeClr val="bg1"/>
-                </a:solidFill>
-                <a:latin typeface="Roboto Condensed" pitchFamily="2" charset="0"/>
-                <a:ea typeface="Roboto Condensed" pitchFamily="2" charset="0"/>
-              </a:rPr>
-              <a:t> </a:t>
+              <a:t>চারটি  বিষয় ভালো করে </a:t>
             </a:r>
             <a:r>
               <a:rPr lang="bn-IN" b="1" dirty="0" smtClean="0">
@@ -5159,7 +5168,17 @@
                 <a:latin typeface="Roboto Condensed" pitchFamily="2" charset="0"/>
                 <a:ea typeface="Roboto Condensed" pitchFamily="2" charset="0"/>
               </a:rPr>
-              <a:t>হবে  শিখতে হবে </a:t>
+              <a:t>বুঝ</a:t>
+            </a:r>
+            <a:r>
+              <a:rPr lang="bn-IN" b="1" dirty="0" smtClean="0">
+                <a:solidFill>
+                  <a:schemeClr val="bg1"/>
+                </a:solidFill>
+                <a:latin typeface="Roboto Condensed" pitchFamily="2" charset="0"/>
+                <a:ea typeface="Roboto Condensed" pitchFamily="2" charset="0"/>
+              </a:rPr>
+              <a:t>তে </a:t>
             </a:r>
             <a:r>
               <a:rPr lang="en-US" b="1" dirty="0" smtClean="0">
@@ -5171,6 +5190,48 @@
               </a:rPr>
               <a:t> </a:t>
             </a:r>
+            <a:r>
+              <a:rPr lang="bn-IN" b="1" dirty="0" smtClean="0">
+                <a:solidFill>
+                  <a:schemeClr val="bg1"/>
+                </a:solidFill>
+                <a:latin typeface="Roboto Condensed" pitchFamily="2" charset="0"/>
+                <a:ea typeface="Roboto Condensed" pitchFamily="2" charset="0"/>
+              </a:rPr>
+              <a:t>হবে  শিখতে </a:t>
+            </a:r>
+            <a:r>
+              <a:rPr lang="bn-IN" b="1" dirty="0" smtClean="0">
+                <a:solidFill>
+                  <a:schemeClr val="bg1"/>
+                </a:solidFill>
+                <a:latin typeface="Roboto Condensed" pitchFamily="2" charset="0"/>
+                <a:ea typeface="Roboto Condensed" pitchFamily="2" charset="0"/>
+              </a:rPr>
+              <a:t>হবে</a:t>
+            </a:r>
+          </a:p>
+          <a:p>
+            <a:r>
+              <a:rPr lang="bn-IN" b="1" dirty="0" smtClean="0">
+                <a:solidFill>
+                  <a:schemeClr val="bg1"/>
+                </a:solidFill>
+                <a:latin typeface="Roboto Condensed" pitchFamily="2" charset="0"/>
+                <a:ea typeface="Roboto Condensed" pitchFamily="2" charset="0"/>
+              </a:rPr>
+              <a:t> </a:t>
+            </a:r>
+            <a:r>
+              <a:rPr lang="en-US" b="1" dirty="0" smtClean="0">
+                <a:solidFill>
+                  <a:schemeClr val="bg1"/>
+                </a:solidFill>
+                <a:latin typeface="Roboto Condensed" pitchFamily="2" charset="0"/>
+                <a:ea typeface="Roboto Condensed" pitchFamily="2" charset="0"/>
+              </a:rPr>
+              <a:t> </a:t>
+            </a:r>
             <a:endParaRPr lang="en-US" b="1" dirty="0">
               <a:solidFill>
                 <a:schemeClr val="bg1"/>
@@ -5189,7 +5250,7 @@
         </p:nvSpPr>
         <p:spPr>
           <a:xfrm>
-            <a:off x="371412" y="1733550"/>
+            <a:off x="304800" y="2190750"/>
             <a:ext cx="2380780" cy="1200329"/>
           </a:xfrm>
           <a:prstGeom prst="rect">
@@ -5277,9 +5338,188 @@
   <p:timing>
     <p:tnLst>
       <p:par>
-        <p:cTn id="1" dur="indefinite" restart="never" nodeType="tmRoot"/>
+        <p:cTn id="1" dur="indefinite" restart="never" nodeType="tmRoot">
+          <p:childTnLst>
+            <p:seq concurrent="1" nextAc="seek">
+              <p:cTn id="2" dur="indefinite" nodeType="mainSeq">
+                <p:childTnLst>
+                  <p:par>
+                    <p:cTn id="3" fill="hold">
+                      <p:stCondLst>
+                        <p:cond delay="indefinite"/>
+                      </p:stCondLst>
+                      <p:childTnLst>
+                        <p:par>
+                          <p:cTn id="4" fill="hold">
+                            <p:stCondLst>
+                              <p:cond delay="0"/>
+                            </p:stCondLst>
+                            <p:childTnLst>
+                              <p:par>
+                                <p:cTn id="5" presetID="10" presetClass="entr" presetSubtype="0" fill="hold" grpId="0" nodeType="clickEffect">
+                                  <p:stCondLst>
+                                    <p:cond delay="0"/>
+                                  </p:stCondLst>
+                                  <p:childTnLst>
+                                    <p:set>
+                                      <p:cBhvr>
+                                        <p:cTn id="6" dur="1" fill="hold">
+                                          <p:stCondLst>
+                                            <p:cond delay="0"/>
+                                          </p:stCondLst>
+                                        </p:cTn>
+                                        <p:tgtEl>
+                                          <p:spTgt spid="4"/>
+                                        </p:tgtEl>
+                                        <p:attrNameLst>
+                                          <p:attrName>style.visibility</p:attrName>
+                                        </p:attrNameLst>
+                                      </p:cBhvr>
+                                      <p:to>
+                                        <p:strVal val="visible"/>
+                                      </p:to>
+                                    </p:set>
+                                    <p:animEffect transition="in" filter="fade">
+                                      <p:cBhvr>
+                                        <p:cTn id="7" dur="500"/>
+                                        <p:tgtEl>
+                                          <p:spTgt spid="4"/>
+                                        </p:tgtEl>
+                                      </p:cBhvr>
+                                    </p:animEffect>
+                                  </p:childTnLst>
+                                </p:cTn>
+                              </p:par>
+                            </p:childTnLst>
+                          </p:cTn>
+                        </p:par>
+                      </p:childTnLst>
+                    </p:cTn>
+                  </p:par>
+                  <p:par>
+                    <p:cTn id="8" fill="hold">
+                      <p:stCondLst>
+                        <p:cond delay="indefinite"/>
+                      </p:stCondLst>
+                      <p:childTnLst>
+                        <p:par>
+                          <p:cTn id="9" fill="hold">
+                            <p:stCondLst>
+                              <p:cond delay="0"/>
+                            </p:stCondLst>
+                            <p:childTnLst>
+                              <p:par>
+                                <p:cTn id="10" presetID="42" presetClass="entr" presetSubtype="0" fill="hold" grpId="0" nodeType="clickEffect">
+                                  <p:stCondLst>
+                                    <p:cond delay="0"/>
+                                  </p:stCondLst>
+                                  <p:childTnLst>
+                                    <p:set>
+                                      <p:cBhvr>
+                                        <p:cTn id="11" dur="1" fill="hold">
+                                          <p:stCondLst>
+                                            <p:cond delay="0"/>
+                                          </p:stCondLst>
+                                        </p:cTn>
+                                        <p:tgtEl>
+                                          <p:spTgt spid="28"/>
+                                        </p:tgtEl>
+                                        <p:attrNameLst>
+                                          <p:attrName>style.visibility</p:attrName>
+                                        </p:attrNameLst>
+                                      </p:cBhvr>
+                                      <p:to>
+                                        <p:strVal val="visible"/>
+                                      </p:to>
+                                    </p:set>
+                                    <p:animEffect transition="in" filter="fade">
+                                      <p:cBhvr>
+                                        <p:cTn id="12" dur="1000"/>
+                                        <p:tgtEl>
+                                          <p:spTgt spid="28"/>
+                                        </p:tgtEl>
+                                      </p:cBhvr>
+                                    </p:animEffect>
+                                    <p:anim calcmode="lin" valueType="num">
+                                      <p:cBhvr>
+                                        <p:cTn id="13" dur="1000" fill="hold"/>
+                                        <p:tgtEl>
+                                          <p:spTgt spid="28"/>
+                                        </p:tgtEl>
+                                        <p:attrNameLst>
+                                          <p:attrName>ppt_x</p:attrName>
+                                        </p:attrNameLst>
+                                      </p:cBhvr>
+                                      <p:tavLst>
+                                        <p:tav tm="0">
+                                          <p:val>
+                                            <p:strVal val="#ppt_x"/>
+                                          </p:val>
+                                        </p:tav>
+                                        <p:tav tm="100000">
+                                          <p:val>
+                                            <p:strVal val="#ppt_x"/>
+                                          </p:val>
+                                        </p:tav>
+                                      </p:tavLst>
+                                    </p:anim>
+                                    <p:anim calcmode="lin" valueType="num">
+                                      <p:cBhvr>
+                                        <p:cTn id="14" dur="1000" fill="hold"/>
+                                        <p:tgtEl>
+                                          <p:spTgt spid="28"/>
+                                        </p:tgtEl>
+                                        <p:attrNameLst>
+                                          <p:attrName>ppt_y</p:attrName>
+                                        </p:attrNameLst>
+                                      </p:cBhvr>
+                                      <p:tavLst>
+                                        <p:tav tm="0">
+                                          <p:val>
+                                            <p:strVal val="#ppt_y+.1"/>
+                                          </p:val>
+                                        </p:tav>
+                                        <p:tav tm="100000">
+                                          <p:val>
+                                            <p:strVal val="#ppt_y"/>
+                                          </p:val>
+                                        </p:tav>
+                                      </p:tavLst>
+                                    </p:anim>
+                                  </p:childTnLst>
+                                </p:cTn>
+                              </p:par>
+                            </p:childTnLst>
+                          </p:cTn>
+                        </p:par>
+                      </p:childTnLst>
+                    </p:cTn>
+                  </p:par>
+                </p:childTnLst>
+              </p:cTn>
+              <p:prevCondLst>
+                <p:cond evt="onPrev" delay="0">
+                  <p:tgtEl>
+                    <p:sldTgt/>
+                  </p:tgtEl>
+                </p:cond>
+              </p:prevCondLst>
+              <p:nextCondLst>
+                <p:cond evt="onNext" delay="0">
+                  <p:tgtEl>
+                    <p:sldTgt/>
+                  </p:tgtEl>
+                </p:cond>
+              </p:nextCondLst>
+            </p:seq>
+          </p:childTnLst>
+        </p:cTn>
       </p:par>
     </p:tnLst>
+    <p:bldLst>
+      <p:bldP spid="4" grpId="0" animBg="1"/>
+      <p:bldP spid="28" grpId="0"/>
+    </p:bldLst>
   </p:timing>
 </p:sld>
 </file>
@@ -5309,8 +5549,8 @@
         </p:nvSpPr>
         <p:spPr>
           <a:xfrm>
-            <a:off x="365062" y="840422"/>
-            <a:ext cx="6188138" cy="369332"/>
+            <a:off x="533400" y="742950"/>
+            <a:ext cx="6797738" cy="1754326"/>
           </a:xfrm>
           <a:prstGeom prst="rect">
             <a:avLst/>
@@ -5328,6 +5568,17 @@
           </a:bodyPr>
           <a:lstStyle/>
           <a:p>
+            <a:pPr lvl="1"/>
+            <a:endParaRPr lang="en-US" b="1" dirty="0" smtClean="0">
+              <a:solidFill>
+                <a:schemeClr val="bg1"/>
+              </a:solidFill>
+              <a:latin typeface="Roboto Condensed" pitchFamily="2" charset="0"/>
+              <a:ea typeface="Roboto Condensed" pitchFamily="2" charset="0"/>
+            </a:endParaRPr>
+          </a:p>
+          <a:p>
+            <a:pPr lvl="1"/>
             <a:r>
               <a:rPr lang="en-US" b="1" dirty="0" smtClean="0">
                 <a:solidFill>
@@ -5338,7 +5589,55 @@
               </a:rPr>
               <a:t>Response </a:t>
             </a:r>
-            <a:endParaRPr lang="en-US" b="1" dirty="0">
+          </a:p>
+          <a:p>
+            <a:pPr marL="800100" lvl="1" indent="-342900">
+              <a:buAutoNum type="arabicPeriod"/>
+            </a:pPr>
+            <a:r>
+              <a:rPr lang="en-US" dirty="0" smtClean="0">
+                <a:solidFill>
+                  <a:schemeClr val="bg1"/>
+                </a:solidFill>
+                <a:latin typeface="Roboto Condensed" pitchFamily="2" charset="0"/>
+                <a:ea typeface="Roboto Condensed" pitchFamily="2" charset="0"/>
+              </a:rPr>
+              <a:t>Response Body</a:t>
+            </a:r>
+          </a:p>
+          <a:p>
+            <a:pPr marL="800100" lvl="1" indent="-342900">
+              <a:buAutoNum type="arabicPeriod"/>
+            </a:pPr>
+            <a:r>
+              <a:rPr lang="en-US" dirty="0" smtClean="0">
+                <a:solidFill>
+                  <a:schemeClr val="bg1"/>
+                </a:solidFill>
+                <a:latin typeface="Roboto Condensed" pitchFamily="2" charset="0"/>
+                <a:ea typeface="Roboto Condensed" pitchFamily="2" charset="0"/>
+              </a:rPr>
+              <a:t>Response Header</a:t>
+            </a:r>
+          </a:p>
+          <a:p>
+            <a:pPr marL="800100" lvl="1" indent="-342900">
+              <a:buAutoNum type="arabicPeriod"/>
+            </a:pPr>
+            <a:r>
+              <a:rPr lang="en-US" dirty="0" smtClean="0">
+                <a:solidFill>
+                  <a:schemeClr val="bg1"/>
+                </a:solidFill>
+                <a:latin typeface="Roboto Condensed" pitchFamily="2" charset="0"/>
+                <a:ea typeface="Roboto Condensed" pitchFamily="2" charset="0"/>
+              </a:rPr>
+              <a:t>Response Status</a:t>
+            </a:r>
+          </a:p>
+          <a:p>
+            <a:pPr lvl="1"/>
+            <a:endParaRPr lang="en-US" dirty="0">
               <a:solidFill>
                 <a:schemeClr val="bg1"/>
               </a:solidFill>
@@ -5348,6 +5647,43 @@
           </a:p>
         </p:txBody>
       </p:sp>
+    </p:spTree>
+    <p:extLst>
+      <p:ext uri="{BB962C8B-B14F-4D97-AF65-F5344CB8AC3E}">
+        <p14:creationId xmlns:p14="http://schemas.microsoft.com/office/powerpoint/2010/main" val="238866872"/>
+      </p:ext>
+    </p:extLst>
+  </p:cSld>
+  <p:clrMapOvr>
+    <a:masterClrMapping/>
+  </p:clrMapOvr>
+  <p:timing>
+    <p:tnLst>
+      <p:par>
+        <p:cTn id="1" dur="indefinite" restart="never" nodeType="tmRoot"/>
+      </p:par>
+    </p:tnLst>
+  </p:timing>
+</p:sld>
+</file>
+
+<file path=ppt/slides/slide8.xml><?xml version="1.0" encoding="utf-8"?>
+<p:sld xmlns:a="http://schemas.openxmlformats.org/drawingml/2006/main" xmlns:r="http://schemas.openxmlformats.org/officeDocument/2006/relationships" xmlns:p="http://schemas.openxmlformats.org/presentationml/2006/main">
+  <p:cSld>
+    <p:spTree>
+      <p:nvGrpSpPr>
+        <p:cNvPr id="1" name=""/>
+        <p:cNvGrpSpPr/>
+        <p:nvPr/>
+      </p:nvGrpSpPr>
+      <p:grpSpPr>
+        <a:xfrm>
+          <a:off x="0" y="0"/>
+          <a:ext cx="0" cy="0"/>
+          <a:chOff x="0" y="0"/>
+          <a:chExt cx="0" cy="0"/>
+        </a:xfrm>
+      </p:grpSpPr>
       <p:sp>
         <p:nvSpPr>
           <p:cNvPr id="28" name="TextBox 27"/>
@@ -5356,7 +5692,7 @@
         </p:nvSpPr>
         <p:spPr>
           <a:xfrm>
-            <a:off x="371412" y="1504950"/>
+            <a:off x="304800" y="955238"/>
             <a:ext cx="5234125" cy="2585323"/>
           </a:xfrm>
           <a:prstGeom prst="rect">

--- a/ppt/1 Express JS.pptx
+++ b/ppt/1 Express JS.pptx
@@ -12,7 +12,10 @@
     <p:sldId id="263" r:id="rId6"/>
     <p:sldId id="261" r:id="rId7"/>
     <p:sldId id="264" r:id="rId8"/>
-    <p:sldId id="262" r:id="rId9"/>
+    <p:sldId id="265" r:id="rId9"/>
+    <p:sldId id="267" r:id="rId10"/>
+    <p:sldId id="266" r:id="rId11"/>
+    <p:sldId id="268" r:id="rId12"/>
   </p:sldIdLst>
   <p:sldSz cx="9144000" cy="5143500" type="screen16x9"/>
   <p:notesSz cx="6858000" cy="9144000"/>
@@ -296,7 +299,7 @@
             <a:fld id="{1D8BD707-D9CF-40AE-B4C6-C98DA3205C09}" type="datetimeFigureOut">
               <a:rPr lang="en-US" smtClean="0"/>
               <a:pPr/>
-              <a:t>11/5/2020</a:t>
+              <a:t>1/19/2021</a:t>
             </a:fld>
             <a:endParaRPr lang="en-US"/>
           </a:p>
@@ -463,7 +466,7 @@
             <a:fld id="{1D8BD707-D9CF-40AE-B4C6-C98DA3205C09}" type="datetimeFigureOut">
               <a:rPr lang="en-US" smtClean="0"/>
               <a:pPr/>
-              <a:t>11/5/2020</a:t>
+              <a:t>1/19/2021</a:t>
             </a:fld>
             <a:endParaRPr lang="en-US"/>
           </a:p>
@@ -640,7 +643,7 @@
             <a:fld id="{1D8BD707-D9CF-40AE-B4C6-C98DA3205C09}" type="datetimeFigureOut">
               <a:rPr lang="en-US" smtClean="0"/>
               <a:pPr/>
-              <a:t>11/5/2020</a:t>
+              <a:t>1/19/2021</a:t>
             </a:fld>
             <a:endParaRPr lang="en-US"/>
           </a:p>
@@ -807,7 +810,7 @@
             <a:fld id="{1D8BD707-D9CF-40AE-B4C6-C98DA3205C09}" type="datetimeFigureOut">
               <a:rPr lang="en-US" smtClean="0"/>
               <a:pPr/>
-              <a:t>11/5/2020</a:t>
+              <a:t>1/19/2021</a:t>
             </a:fld>
             <a:endParaRPr lang="en-US"/>
           </a:p>
@@ -1050,7 +1053,7 @@
             <a:fld id="{1D8BD707-D9CF-40AE-B4C6-C98DA3205C09}" type="datetimeFigureOut">
               <a:rPr lang="en-US" smtClean="0"/>
               <a:pPr/>
-              <a:t>11/5/2020</a:t>
+              <a:t>1/19/2021</a:t>
             </a:fld>
             <a:endParaRPr lang="en-US"/>
           </a:p>
@@ -1335,7 +1338,7 @@
             <a:fld id="{1D8BD707-D9CF-40AE-B4C6-C98DA3205C09}" type="datetimeFigureOut">
               <a:rPr lang="en-US" smtClean="0"/>
               <a:pPr/>
-              <a:t>11/5/2020</a:t>
+              <a:t>1/19/2021</a:t>
             </a:fld>
             <a:endParaRPr lang="en-US"/>
           </a:p>
@@ -1754,7 +1757,7 @@
             <a:fld id="{1D8BD707-D9CF-40AE-B4C6-C98DA3205C09}" type="datetimeFigureOut">
               <a:rPr lang="en-US" smtClean="0"/>
               <a:pPr/>
-              <a:t>11/5/2020</a:t>
+              <a:t>1/19/2021</a:t>
             </a:fld>
             <a:endParaRPr lang="en-US"/>
           </a:p>
@@ -1869,7 +1872,7 @@
             <a:fld id="{1D8BD707-D9CF-40AE-B4C6-C98DA3205C09}" type="datetimeFigureOut">
               <a:rPr lang="en-US" smtClean="0"/>
               <a:pPr/>
-              <a:t>11/5/2020</a:t>
+              <a:t>1/19/2021</a:t>
             </a:fld>
             <a:endParaRPr lang="en-US"/>
           </a:p>
@@ -1961,7 +1964,7 @@
             <a:fld id="{1D8BD707-D9CF-40AE-B4C6-C98DA3205C09}" type="datetimeFigureOut">
               <a:rPr lang="en-US" smtClean="0"/>
               <a:pPr/>
-              <a:t>11/5/2020</a:t>
+              <a:t>1/19/2021</a:t>
             </a:fld>
             <a:endParaRPr lang="en-US"/>
           </a:p>
@@ -2235,7 +2238,7 @@
             <a:fld id="{1D8BD707-D9CF-40AE-B4C6-C98DA3205C09}" type="datetimeFigureOut">
               <a:rPr lang="en-US" smtClean="0"/>
               <a:pPr/>
-              <a:t>11/5/2020</a:t>
+              <a:t>1/19/2021</a:t>
             </a:fld>
             <a:endParaRPr lang="en-US"/>
           </a:p>
@@ -2485,7 +2488,7 @@
             <a:fld id="{1D8BD707-D9CF-40AE-B4C6-C98DA3205C09}" type="datetimeFigureOut">
               <a:rPr lang="en-US" smtClean="0"/>
               <a:pPr/>
-              <a:t>11/5/2020</a:t>
+              <a:t>1/19/2021</a:t>
             </a:fld>
             <a:endParaRPr lang="en-US"/>
           </a:p>
@@ -2704,7 +2707,7 @@
             <a:fld id="{1D8BD707-D9CF-40AE-B4C6-C98DA3205C09}" type="datetimeFigureOut">
               <a:rPr lang="en-US" smtClean="0"/>
               <a:pPr/>
-              <a:t>11/5/2020</a:t>
+              <a:t>1/19/2021</a:t>
             </a:fld>
             <a:endParaRPr lang="en-US"/>
           </a:p>
@@ -3823,6 +3826,832 @@
     </p:tnLst>
     <p:bldLst>
       <p:bldP spid="6" grpId="0"/>
+    </p:bldLst>
+  </p:timing>
+</p:sld>
+</file>
+
+<file path=ppt/slides/slide10.xml><?xml version="1.0" encoding="utf-8"?>
+<p:sld xmlns:a="http://schemas.openxmlformats.org/drawingml/2006/main" xmlns:r="http://schemas.openxmlformats.org/officeDocument/2006/relationships" xmlns:p="http://schemas.openxmlformats.org/presentationml/2006/main">
+  <p:cSld>
+    <p:spTree>
+      <p:nvGrpSpPr>
+        <p:cNvPr id="1" name=""/>
+        <p:cNvGrpSpPr/>
+        <p:nvPr/>
+      </p:nvGrpSpPr>
+      <p:grpSpPr>
+        <a:xfrm>
+          <a:off x="0" y="0"/>
+          <a:ext cx="0" cy="0"/>
+          <a:chOff x="0" y="0"/>
+          <a:chExt cx="0" cy="0"/>
+        </a:xfrm>
+      </p:grpSpPr>
+      <p:sp>
+        <p:nvSpPr>
+          <p:cNvPr id="4" name="TextBox 3"/>
+          <p:cNvSpPr txBox="1"/>
+          <p:nvPr/>
+        </p:nvSpPr>
+        <p:spPr>
+          <a:xfrm>
+            <a:off x="533400" y="819150"/>
+            <a:ext cx="6797738" cy="2616101"/>
+          </a:xfrm>
+          <a:prstGeom prst="rect">
+            <a:avLst/>
+          </a:prstGeom>
+          <a:solidFill>
+            <a:schemeClr val="tx1">
+              <a:lumMod val="85000"/>
+              <a:lumOff val="15000"/>
+            </a:schemeClr>
+          </a:solidFill>
+        </p:spPr>
+        <p:txBody>
+          <a:bodyPr wrap="square" rtlCol="0">
+            <a:spAutoFit/>
+          </a:bodyPr>
+          <a:lstStyle/>
+          <a:p>
+            <a:pPr lvl="1"/>
+            <a:endParaRPr lang="en-US" b="1" dirty="0" smtClean="0">
+              <a:solidFill>
+                <a:schemeClr val="bg1"/>
+              </a:solidFill>
+              <a:latin typeface="Roboto Condensed" pitchFamily="2" charset="0"/>
+              <a:ea typeface="Roboto Condensed" pitchFamily="2" charset="0"/>
+            </a:endParaRPr>
+          </a:p>
+          <a:p>
+            <a:pPr lvl="1"/>
+            <a:r>
+              <a:rPr lang="en-US" b="1" dirty="0" smtClean="0">
+                <a:solidFill>
+                  <a:schemeClr val="bg1"/>
+                </a:solidFill>
+                <a:latin typeface="Roboto Condensed" pitchFamily="2" charset="0"/>
+                <a:ea typeface="Roboto Condensed" pitchFamily="2" charset="0"/>
+              </a:rPr>
+              <a:t>Request post()</a:t>
+            </a:r>
+          </a:p>
+          <a:p>
+            <a:pPr marL="800100" lvl="1" indent="-342900">
+              <a:buAutoNum type="arabicPeriod"/>
+            </a:pPr>
+            <a:r>
+              <a:rPr lang="en-US" sz="1600" dirty="0" smtClean="0">
+                <a:solidFill>
+                  <a:schemeClr val="bg1"/>
+                </a:solidFill>
+                <a:latin typeface="Roboto Condensed" pitchFamily="2" charset="0"/>
+                <a:ea typeface="Roboto Condensed" pitchFamily="2" charset="0"/>
+              </a:rPr>
+              <a:t>Request </a:t>
+            </a:r>
+          </a:p>
+          <a:p>
+            <a:pPr marL="800100" lvl="1" indent="-342900">
+              <a:buAutoNum type="arabicPeriod"/>
+            </a:pPr>
+            <a:r>
+              <a:rPr lang="en-US" sz="1600" dirty="0" smtClean="0">
+                <a:solidFill>
+                  <a:schemeClr val="bg1"/>
+                </a:solidFill>
+                <a:latin typeface="Roboto Condensed" pitchFamily="2" charset="0"/>
+                <a:ea typeface="Roboto Condensed" pitchFamily="2" charset="0"/>
+              </a:rPr>
+              <a:t>Request </a:t>
+            </a:r>
+            <a:r>
+              <a:rPr lang="en-US" sz="1600" dirty="0">
+                <a:solidFill>
+                  <a:schemeClr val="bg1"/>
+                </a:solidFill>
+                <a:latin typeface="Roboto Condensed" pitchFamily="2" charset="0"/>
+                <a:ea typeface="Roboto Condensed" pitchFamily="2" charset="0"/>
+              </a:rPr>
+              <a:t>With URL </a:t>
+            </a:r>
+            <a:r>
+              <a:rPr lang="en-US" sz="1600" dirty="0" smtClean="0">
+                <a:solidFill>
+                  <a:schemeClr val="bg1"/>
+                </a:solidFill>
+                <a:latin typeface="Roboto Condensed" pitchFamily="2" charset="0"/>
+                <a:ea typeface="Roboto Condensed" pitchFamily="2" charset="0"/>
+              </a:rPr>
+              <a:t>Parameter</a:t>
+            </a:r>
+          </a:p>
+          <a:p>
+            <a:pPr marL="800100" lvl="1" indent="-342900">
+              <a:buAutoNum type="arabicPeriod"/>
+            </a:pPr>
+            <a:r>
+              <a:rPr lang="en-US" sz="1600" dirty="0" smtClean="0">
+                <a:solidFill>
+                  <a:schemeClr val="bg1"/>
+                </a:solidFill>
+                <a:latin typeface="Roboto Condensed" pitchFamily="2" charset="0"/>
+                <a:ea typeface="Roboto Condensed" pitchFamily="2" charset="0"/>
+              </a:rPr>
+              <a:t>Request Header</a:t>
+            </a:r>
+          </a:p>
+          <a:p>
+            <a:pPr marL="800100" lvl="1" indent="-342900">
+              <a:buAutoNum type="arabicPeriod"/>
+            </a:pPr>
+            <a:r>
+              <a:rPr lang="en-US" sz="1600" dirty="0" smtClean="0">
+                <a:solidFill>
+                  <a:schemeClr val="bg1"/>
+                </a:solidFill>
+                <a:latin typeface="Roboto Condensed" pitchFamily="2" charset="0"/>
+                <a:ea typeface="Roboto Condensed" pitchFamily="2" charset="0"/>
+              </a:rPr>
+              <a:t>Request JSON BODY </a:t>
+            </a:r>
+          </a:p>
+          <a:p>
+            <a:pPr marL="800100" lvl="1" indent="-342900">
+              <a:buAutoNum type="arabicPeriod"/>
+            </a:pPr>
+            <a:r>
+              <a:rPr lang="en-US" sz="1600" dirty="0" smtClean="0">
+                <a:solidFill>
+                  <a:schemeClr val="bg1"/>
+                </a:solidFill>
+                <a:latin typeface="Roboto Condensed" pitchFamily="2" charset="0"/>
+                <a:ea typeface="Roboto Condensed" pitchFamily="2" charset="0"/>
+              </a:rPr>
+              <a:t>Request Multipart Form Data </a:t>
+            </a:r>
+          </a:p>
+          <a:p>
+            <a:pPr marL="800100" lvl="1" indent="-342900">
+              <a:buAutoNum type="arabicPeriod"/>
+            </a:pPr>
+            <a:r>
+              <a:rPr lang="en-US" sz="1600" dirty="0" smtClean="0">
+                <a:solidFill>
+                  <a:schemeClr val="bg1"/>
+                </a:solidFill>
+                <a:latin typeface="Roboto Condensed" pitchFamily="2" charset="0"/>
+                <a:ea typeface="Roboto Condensed" pitchFamily="2" charset="0"/>
+              </a:rPr>
+              <a:t>Request File Upload </a:t>
+            </a:r>
+          </a:p>
+          <a:p>
+            <a:pPr marL="800100" lvl="1" indent="-342900">
+              <a:buAutoNum type="arabicPeriod"/>
+            </a:pPr>
+            <a:endParaRPr lang="en-US" sz="1600" dirty="0" smtClean="0">
+              <a:solidFill>
+                <a:schemeClr val="bg1"/>
+              </a:solidFill>
+              <a:latin typeface="Roboto Condensed" pitchFamily="2" charset="0"/>
+              <a:ea typeface="Roboto Condensed" pitchFamily="2" charset="0"/>
+            </a:endParaRPr>
+          </a:p>
+          <a:p>
+            <a:pPr marL="800100" lvl="1" indent="-342900">
+              <a:buAutoNum type="arabicPeriod"/>
+            </a:pPr>
+            <a:endParaRPr lang="en-US" sz="1600" dirty="0" smtClean="0">
+              <a:solidFill>
+                <a:schemeClr val="bg1"/>
+              </a:solidFill>
+              <a:latin typeface="Roboto Condensed" pitchFamily="2" charset="0"/>
+              <a:ea typeface="Roboto Condensed" pitchFamily="2" charset="0"/>
+            </a:endParaRPr>
+          </a:p>
+        </p:txBody>
+      </p:sp>
+    </p:spTree>
+    <p:extLst>
+      <p:ext uri="{BB962C8B-B14F-4D97-AF65-F5344CB8AC3E}">
+        <p14:creationId xmlns:p14="http://schemas.microsoft.com/office/powerpoint/2010/main" val="4010805484"/>
+      </p:ext>
+    </p:extLst>
+  </p:cSld>
+  <p:clrMapOvr>
+    <a:masterClrMapping/>
+  </p:clrMapOvr>
+  <p:timing>
+    <p:tnLst>
+      <p:par>
+        <p:cTn id="1" dur="indefinite" restart="never" nodeType="tmRoot"/>
+      </p:par>
+    </p:tnLst>
+  </p:timing>
+</p:sld>
+</file>
+
+<file path=ppt/slides/slide11.xml><?xml version="1.0" encoding="utf-8"?>
+<p:sld xmlns:a="http://schemas.openxmlformats.org/drawingml/2006/main" xmlns:r="http://schemas.openxmlformats.org/officeDocument/2006/relationships" xmlns:p="http://schemas.openxmlformats.org/presentationml/2006/main">
+  <p:cSld>
+    <p:spTree>
+      <p:nvGrpSpPr>
+        <p:cNvPr id="1" name=""/>
+        <p:cNvGrpSpPr/>
+        <p:nvPr/>
+      </p:nvGrpSpPr>
+      <p:grpSpPr>
+        <a:xfrm>
+          <a:off x="0" y="0"/>
+          <a:ext cx="0" cy="0"/>
+          <a:chOff x="0" y="0"/>
+          <a:chExt cx="0" cy="0"/>
+        </a:xfrm>
+      </p:grpSpPr>
+      <p:sp>
+        <p:nvSpPr>
+          <p:cNvPr id="4" name="TextBox 3"/>
+          <p:cNvSpPr txBox="1"/>
+          <p:nvPr/>
+        </p:nvSpPr>
+        <p:spPr>
+          <a:xfrm>
+            <a:off x="457200" y="1042660"/>
+            <a:ext cx="1828800" cy="861774"/>
+          </a:xfrm>
+          <a:prstGeom prst="rect">
+            <a:avLst/>
+          </a:prstGeom>
+          <a:solidFill>
+            <a:schemeClr val="tx1">
+              <a:lumMod val="85000"/>
+              <a:lumOff val="15000"/>
+            </a:schemeClr>
+          </a:solidFill>
+        </p:spPr>
+        <p:txBody>
+          <a:bodyPr wrap="square" rtlCol="0">
+            <a:spAutoFit/>
+          </a:bodyPr>
+          <a:lstStyle/>
+          <a:p>
+            <a:pPr lvl="1"/>
+            <a:endParaRPr lang="en-US" b="1" dirty="0" smtClean="0">
+              <a:solidFill>
+                <a:schemeClr val="bg1"/>
+              </a:solidFill>
+              <a:latin typeface="Roboto Condensed" pitchFamily="2" charset="0"/>
+              <a:ea typeface="Roboto Condensed" pitchFamily="2" charset="0"/>
+            </a:endParaRPr>
+          </a:p>
+          <a:p>
+            <a:pPr lvl="1"/>
+            <a:r>
+              <a:rPr lang="en-US" sz="1600" dirty="0" smtClean="0">
+                <a:solidFill>
+                  <a:schemeClr val="bg1"/>
+                </a:solidFill>
+                <a:latin typeface="Roboto Condensed" pitchFamily="2" charset="0"/>
+                <a:ea typeface="Roboto Condensed" pitchFamily="2" charset="0"/>
+              </a:rPr>
+              <a:t>Request </a:t>
+            </a:r>
+            <a:endParaRPr lang="en-US" sz="1600" dirty="0" smtClean="0">
+              <a:solidFill>
+                <a:schemeClr val="bg1"/>
+              </a:solidFill>
+              <a:latin typeface="Roboto Condensed" pitchFamily="2" charset="0"/>
+              <a:ea typeface="Roboto Condensed" pitchFamily="2" charset="0"/>
+            </a:endParaRPr>
+          </a:p>
+          <a:p>
+            <a:pPr marL="800100" lvl="1" indent="-342900">
+              <a:buAutoNum type="arabicPeriod"/>
+            </a:pPr>
+            <a:endParaRPr lang="en-US" sz="1600" dirty="0" smtClean="0">
+              <a:solidFill>
+                <a:schemeClr val="bg1"/>
+              </a:solidFill>
+              <a:latin typeface="Roboto Condensed" pitchFamily="2" charset="0"/>
+              <a:ea typeface="Roboto Condensed" pitchFamily="2" charset="0"/>
+            </a:endParaRPr>
+          </a:p>
+        </p:txBody>
+      </p:sp>
+      <p:sp>
+        <p:nvSpPr>
+          <p:cNvPr id="3" name="TextBox 2"/>
+          <p:cNvSpPr txBox="1"/>
+          <p:nvPr/>
+        </p:nvSpPr>
+        <p:spPr>
+          <a:xfrm>
+            <a:off x="6477000" y="990947"/>
+            <a:ext cx="1828800" cy="861774"/>
+          </a:xfrm>
+          <a:prstGeom prst="rect">
+            <a:avLst/>
+          </a:prstGeom>
+          <a:solidFill>
+            <a:schemeClr val="tx1">
+              <a:lumMod val="85000"/>
+              <a:lumOff val="15000"/>
+            </a:schemeClr>
+          </a:solidFill>
+        </p:spPr>
+        <p:txBody>
+          <a:bodyPr wrap="square" rtlCol="0">
+            <a:spAutoFit/>
+          </a:bodyPr>
+          <a:lstStyle/>
+          <a:p>
+            <a:pPr lvl="1"/>
+            <a:endParaRPr lang="en-US" b="1" dirty="0" smtClean="0">
+              <a:solidFill>
+                <a:schemeClr val="bg1"/>
+              </a:solidFill>
+              <a:latin typeface="Roboto Condensed" pitchFamily="2" charset="0"/>
+              <a:ea typeface="Roboto Condensed" pitchFamily="2" charset="0"/>
+            </a:endParaRPr>
+          </a:p>
+          <a:p>
+            <a:pPr lvl="1"/>
+            <a:r>
+              <a:rPr lang="en-US" sz="1600" dirty="0" smtClean="0">
+                <a:solidFill>
+                  <a:schemeClr val="bg1"/>
+                </a:solidFill>
+                <a:latin typeface="Roboto Condensed" pitchFamily="2" charset="0"/>
+                <a:ea typeface="Roboto Condensed" pitchFamily="2" charset="0"/>
+              </a:rPr>
+              <a:t>Response </a:t>
+            </a:r>
+            <a:endParaRPr lang="en-US" sz="1600" dirty="0" smtClean="0">
+              <a:solidFill>
+                <a:schemeClr val="bg1"/>
+              </a:solidFill>
+              <a:latin typeface="Roboto Condensed" pitchFamily="2" charset="0"/>
+              <a:ea typeface="Roboto Condensed" pitchFamily="2" charset="0"/>
+            </a:endParaRPr>
+          </a:p>
+          <a:p>
+            <a:pPr marL="800100" lvl="1" indent="-342900">
+              <a:buAutoNum type="arabicPeriod"/>
+            </a:pPr>
+            <a:endParaRPr lang="en-US" sz="1600" dirty="0" smtClean="0">
+              <a:solidFill>
+                <a:schemeClr val="bg1"/>
+              </a:solidFill>
+              <a:latin typeface="Roboto Condensed" pitchFamily="2" charset="0"/>
+              <a:ea typeface="Roboto Condensed" pitchFamily="2" charset="0"/>
+            </a:endParaRPr>
+          </a:p>
+        </p:txBody>
+      </p:sp>
+      <p:sp>
+        <p:nvSpPr>
+          <p:cNvPr id="5" name="TextBox 4"/>
+          <p:cNvSpPr txBox="1"/>
+          <p:nvPr/>
+        </p:nvSpPr>
+        <p:spPr>
+          <a:xfrm>
+            <a:off x="3429000" y="873383"/>
+            <a:ext cx="1828800" cy="338554"/>
+          </a:xfrm>
+          <a:prstGeom prst="rect">
+            <a:avLst/>
+          </a:prstGeom>
+          <a:solidFill>
+            <a:srgbClr val="FF0000"/>
+          </a:solidFill>
+          <a:ln w="3175">
+            <a:noFill/>
+          </a:ln>
+        </p:spPr>
+        <p:txBody>
+          <a:bodyPr wrap="square" rtlCol="0">
+            <a:spAutoFit/>
+          </a:bodyPr>
+          <a:lstStyle/>
+          <a:p>
+            <a:pPr lvl="1"/>
+            <a:r>
+              <a:rPr lang="en-US" sz="1600" dirty="0" smtClean="0">
+                <a:solidFill>
+                  <a:schemeClr val="bg1"/>
+                </a:solidFill>
+                <a:latin typeface="Roboto Condensed" pitchFamily="2" charset="0"/>
+                <a:ea typeface="Roboto Condensed" pitchFamily="2" charset="0"/>
+              </a:rPr>
+              <a:t>Middleware </a:t>
+            </a:r>
+            <a:endParaRPr lang="en-US" sz="1600" dirty="0" smtClean="0">
+              <a:solidFill>
+                <a:schemeClr val="bg1"/>
+              </a:solidFill>
+              <a:latin typeface="Roboto Condensed" pitchFamily="2" charset="0"/>
+              <a:ea typeface="Roboto Condensed" pitchFamily="2" charset="0"/>
+            </a:endParaRPr>
+          </a:p>
+        </p:txBody>
+      </p:sp>
+      <p:cxnSp>
+        <p:nvCxnSpPr>
+          <p:cNvPr id="6" name="Straight Arrow Connector 5"/>
+          <p:cNvCxnSpPr/>
+          <p:nvPr/>
+        </p:nvCxnSpPr>
+        <p:spPr>
+          <a:xfrm>
+            <a:off x="2362200" y="1297573"/>
+            <a:ext cx="3962400" cy="0"/>
+          </a:xfrm>
+          <a:prstGeom prst="straightConnector1">
+            <a:avLst/>
+          </a:prstGeom>
+          <a:ln>
+            <a:solidFill>
+              <a:schemeClr val="tx1"/>
+            </a:solidFill>
+            <a:tailEnd type="arrow"/>
+          </a:ln>
+        </p:spPr>
+        <p:style>
+          <a:lnRef idx="1">
+            <a:schemeClr val="accent1"/>
+          </a:lnRef>
+          <a:fillRef idx="0">
+            <a:schemeClr val="accent1"/>
+          </a:fillRef>
+          <a:effectRef idx="0">
+            <a:schemeClr val="accent1"/>
+          </a:effectRef>
+          <a:fontRef idx="minor">
+            <a:schemeClr val="tx1"/>
+          </a:fontRef>
+        </p:style>
+      </p:cxnSp>
+      <p:cxnSp>
+        <p:nvCxnSpPr>
+          <p:cNvPr id="7" name="Straight Arrow Connector 6"/>
+          <p:cNvCxnSpPr/>
+          <p:nvPr/>
+        </p:nvCxnSpPr>
+        <p:spPr>
+          <a:xfrm flipH="1">
+            <a:off x="2362200" y="1469023"/>
+            <a:ext cx="3962400" cy="0"/>
+          </a:xfrm>
+          <a:prstGeom prst="straightConnector1">
+            <a:avLst/>
+          </a:prstGeom>
+          <a:ln>
+            <a:solidFill>
+              <a:schemeClr val="tx1"/>
+            </a:solidFill>
+            <a:tailEnd type="arrow"/>
+          </a:ln>
+        </p:spPr>
+        <p:style>
+          <a:lnRef idx="1">
+            <a:schemeClr val="accent1"/>
+          </a:lnRef>
+          <a:fillRef idx="0">
+            <a:schemeClr val="accent1"/>
+          </a:fillRef>
+          <a:effectRef idx="0">
+            <a:schemeClr val="accent1"/>
+          </a:effectRef>
+          <a:fontRef idx="minor">
+            <a:schemeClr val="tx1"/>
+          </a:fontRef>
+        </p:style>
+      </p:cxnSp>
+      <p:sp>
+        <p:nvSpPr>
+          <p:cNvPr id="15" name="TextBox 14"/>
+          <p:cNvSpPr txBox="1"/>
+          <p:nvPr/>
+        </p:nvSpPr>
+        <p:spPr>
+          <a:xfrm>
+            <a:off x="533400" y="2343150"/>
+            <a:ext cx="5257800" cy="1354217"/>
+          </a:xfrm>
+          <a:prstGeom prst="rect">
+            <a:avLst/>
+          </a:prstGeom>
+          <a:noFill/>
+        </p:spPr>
+        <p:txBody>
+          <a:bodyPr wrap="square" rtlCol="0">
+            <a:spAutoFit/>
+          </a:bodyPr>
+          <a:lstStyle/>
+          <a:p>
+            <a:r>
+              <a:rPr lang="en-US" b="1" dirty="0" smtClean="0"/>
+              <a:t>Use Of Middleware </a:t>
+            </a:r>
+          </a:p>
+          <a:p>
+            <a:pPr marL="342900" indent="-342900">
+              <a:buAutoNum type="arabicPeriod"/>
+            </a:pPr>
+            <a:r>
+              <a:rPr lang="en-US" sz="1600" dirty="0" smtClean="0"/>
+              <a:t>User agent check, valid request check </a:t>
+            </a:r>
+          </a:p>
+          <a:p>
+            <a:pPr marL="342900" indent="-342900">
+              <a:buAutoNum type="arabicPeriod"/>
+            </a:pPr>
+            <a:r>
+              <a:rPr lang="en-US" sz="1600" dirty="0" smtClean="0"/>
+              <a:t>Authentication, Authorization, Verification  </a:t>
+            </a:r>
+          </a:p>
+          <a:p>
+            <a:pPr marL="342900" indent="-342900">
+              <a:buAutoNum type="arabicPeriod"/>
+            </a:pPr>
+            <a:r>
+              <a:rPr lang="en-US" sz="1600" dirty="0" smtClean="0"/>
+              <a:t>Request Limiting </a:t>
+            </a:r>
+          </a:p>
+          <a:p>
+            <a:pPr marL="342900" indent="-342900">
+              <a:buAutoNum type="arabicPeriod"/>
+            </a:pPr>
+            <a:r>
+              <a:rPr lang="en-US" sz="1600" dirty="0" smtClean="0"/>
+              <a:t>And other’s security measures </a:t>
+            </a:r>
+            <a:endParaRPr lang="en-US" sz="1600" dirty="0"/>
+          </a:p>
+        </p:txBody>
+      </p:sp>
+    </p:spTree>
+    <p:extLst>
+      <p:ext uri="{BB962C8B-B14F-4D97-AF65-F5344CB8AC3E}">
+        <p14:creationId xmlns:p14="http://schemas.microsoft.com/office/powerpoint/2010/main" val="746411944"/>
+      </p:ext>
+    </p:extLst>
+  </p:cSld>
+  <p:clrMapOvr>
+    <a:masterClrMapping/>
+  </p:clrMapOvr>
+  <p:timing>
+    <p:tnLst>
+      <p:par>
+        <p:cTn id="1" dur="indefinite" restart="never" nodeType="tmRoot">
+          <p:childTnLst>
+            <p:seq concurrent="1" nextAc="seek">
+              <p:cTn id="2" dur="indefinite" nodeType="mainSeq">
+                <p:childTnLst>
+                  <p:par>
+                    <p:cTn id="3" fill="hold">
+                      <p:stCondLst>
+                        <p:cond delay="indefinite"/>
+                      </p:stCondLst>
+                      <p:childTnLst>
+                        <p:par>
+                          <p:cTn id="4" fill="hold">
+                            <p:stCondLst>
+                              <p:cond delay="0"/>
+                            </p:stCondLst>
+                            <p:childTnLst>
+                              <p:par>
+                                <p:cTn id="5" presetID="10" presetClass="entr" presetSubtype="0" fill="hold" grpId="0" nodeType="clickEffect">
+                                  <p:stCondLst>
+                                    <p:cond delay="0"/>
+                                  </p:stCondLst>
+                                  <p:childTnLst>
+                                    <p:set>
+                                      <p:cBhvr>
+                                        <p:cTn id="6" dur="1" fill="hold">
+                                          <p:stCondLst>
+                                            <p:cond delay="0"/>
+                                          </p:stCondLst>
+                                        </p:cTn>
+                                        <p:tgtEl>
+                                          <p:spTgt spid="4"/>
+                                        </p:tgtEl>
+                                        <p:attrNameLst>
+                                          <p:attrName>style.visibility</p:attrName>
+                                        </p:attrNameLst>
+                                      </p:cBhvr>
+                                      <p:to>
+                                        <p:strVal val="visible"/>
+                                      </p:to>
+                                    </p:set>
+                                    <p:animEffect transition="in" filter="fade">
+                                      <p:cBhvr>
+                                        <p:cTn id="7" dur="500"/>
+                                        <p:tgtEl>
+                                          <p:spTgt spid="4"/>
+                                        </p:tgtEl>
+                                      </p:cBhvr>
+                                    </p:animEffect>
+                                  </p:childTnLst>
+                                </p:cTn>
+                              </p:par>
+                            </p:childTnLst>
+                          </p:cTn>
+                        </p:par>
+                      </p:childTnLst>
+                    </p:cTn>
+                  </p:par>
+                  <p:par>
+                    <p:cTn id="8" fill="hold">
+                      <p:stCondLst>
+                        <p:cond delay="indefinite"/>
+                      </p:stCondLst>
+                      <p:childTnLst>
+                        <p:par>
+                          <p:cTn id="9" fill="hold">
+                            <p:stCondLst>
+                              <p:cond delay="0"/>
+                            </p:stCondLst>
+                            <p:childTnLst>
+                              <p:par>
+                                <p:cTn id="10" presetID="10" presetClass="entr" presetSubtype="0" fill="hold" grpId="0" nodeType="clickEffect">
+                                  <p:stCondLst>
+                                    <p:cond delay="0"/>
+                                  </p:stCondLst>
+                                  <p:childTnLst>
+                                    <p:set>
+                                      <p:cBhvr>
+                                        <p:cTn id="11" dur="1" fill="hold">
+                                          <p:stCondLst>
+                                            <p:cond delay="0"/>
+                                          </p:stCondLst>
+                                        </p:cTn>
+                                        <p:tgtEl>
+                                          <p:spTgt spid="3"/>
+                                        </p:tgtEl>
+                                        <p:attrNameLst>
+                                          <p:attrName>style.visibility</p:attrName>
+                                        </p:attrNameLst>
+                                      </p:cBhvr>
+                                      <p:to>
+                                        <p:strVal val="visible"/>
+                                      </p:to>
+                                    </p:set>
+                                    <p:animEffect transition="in" filter="fade">
+                                      <p:cBhvr>
+                                        <p:cTn id="12" dur="500"/>
+                                        <p:tgtEl>
+                                          <p:spTgt spid="3"/>
+                                        </p:tgtEl>
+                                      </p:cBhvr>
+                                    </p:animEffect>
+                                  </p:childTnLst>
+                                </p:cTn>
+                              </p:par>
+                            </p:childTnLst>
+                          </p:cTn>
+                        </p:par>
+                      </p:childTnLst>
+                    </p:cTn>
+                  </p:par>
+                  <p:par>
+                    <p:cTn id="13" fill="hold">
+                      <p:stCondLst>
+                        <p:cond delay="indefinite"/>
+                      </p:stCondLst>
+                      <p:childTnLst>
+                        <p:par>
+                          <p:cTn id="14" fill="hold">
+                            <p:stCondLst>
+                              <p:cond delay="0"/>
+                            </p:stCondLst>
+                            <p:childTnLst>
+                              <p:par>
+                                <p:cTn id="15" presetID="10" presetClass="entr" presetSubtype="0" fill="hold" grpId="0" nodeType="clickEffect">
+                                  <p:stCondLst>
+                                    <p:cond delay="0"/>
+                                  </p:stCondLst>
+                                  <p:childTnLst>
+                                    <p:set>
+                                      <p:cBhvr>
+                                        <p:cTn id="16" dur="1" fill="hold">
+                                          <p:stCondLst>
+                                            <p:cond delay="0"/>
+                                          </p:stCondLst>
+                                        </p:cTn>
+                                        <p:tgtEl>
+                                          <p:spTgt spid="5"/>
+                                        </p:tgtEl>
+                                        <p:attrNameLst>
+                                          <p:attrName>style.visibility</p:attrName>
+                                        </p:attrNameLst>
+                                      </p:cBhvr>
+                                      <p:to>
+                                        <p:strVal val="visible"/>
+                                      </p:to>
+                                    </p:set>
+                                    <p:animEffect transition="in" filter="fade">
+                                      <p:cBhvr>
+                                        <p:cTn id="17" dur="500"/>
+                                        <p:tgtEl>
+                                          <p:spTgt spid="5"/>
+                                        </p:tgtEl>
+                                      </p:cBhvr>
+                                    </p:animEffect>
+                                  </p:childTnLst>
+                                </p:cTn>
+                              </p:par>
+                            </p:childTnLst>
+                          </p:cTn>
+                        </p:par>
+                      </p:childTnLst>
+                    </p:cTn>
+                  </p:par>
+                  <p:par>
+                    <p:cTn id="18" fill="hold">
+                      <p:stCondLst>
+                        <p:cond delay="indefinite"/>
+                      </p:stCondLst>
+                      <p:childTnLst>
+                        <p:par>
+                          <p:cTn id="19" fill="hold">
+                            <p:stCondLst>
+                              <p:cond delay="0"/>
+                            </p:stCondLst>
+                            <p:childTnLst>
+                              <p:par>
+                                <p:cTn id="20" presetID="10" presetClass="entr" presetSubtype="0" fill="hold" grpId="0" nodeType="clickEffect">
+                                  <p:stCondLst>
+                                    <p:cond delay="0"/>
+                                  </p:stCondLst>
+                                  <p:childTnLst>
+                                    <p:set>
+                                      <p:cBhvr>
+                                        <p:cTn id="21" dur="1" fill="hold">
+                                          <p:stCondLst>
+                                            <p:cond delay="0"/>
+                                          </p:stCondLst>
+                                        </p:cTn>
+                                        <p:tgtEl>
+                                          <p:spTgt spid="15"/>
+                                        </p:tgtEl>
+                                        <p:attrNameLst>
+                                          <p:attrName>style.visibility</p:attrName>
+                                        </p:attrNameLst>
+                                      </p:cBhvr>
+                                      <p:to>
+                                        <p:strVal val="visible"/>
+                                      </p:to>
+                                    </p:set>
+                                    <p:animEffect transition="in" filter="fade">
+                                      <p:cBhvr>
+                                        <p:cTn id="22" dur="500"/>
+                                        <p:tgtEl>
+                                          <p:spTgt spid="15"/>
+                                        </p:tgtEl>
+                                      </p:cBhvr>
+                                    </p:animEffect>
+                                  </p:childTnLst>
+                                </p:cTn>
+                              </p:par>
+                            </p:childTnLst>
+                          </p:cTn>
+                        </p:par>
+                      </p:childTnLst>
+                    </p:cTn>
+                  </p:par>
+                </p:childTnLst>
+              </p:cTn>
+              <p:prevCondLst>
+                <p:cond evt="onPrev" delay="0">
+                  <p:tgtEl>
+                    <p:sldTgt/>
+                  </p:tgtEl>
+                </p:cond>
+              </p:prevCondLst>
+              <p:nextCondLst>
+                <p:cond evt="onNext" delay="0">
+                  <p:tgtEl>
+                    <p:sldTgt/>
+                  </p:tgtEl>
+                </p:cond>
+              </p:nextCondLst>
+            </p:seq>
+          </p:childTnLst>
+        </p:cTn>
+      </p:par>
+    </p:tnLst>
+    <p:bldLst>
+      <p:bldP spid="4" grpId="0" animBg="1"/>
+      <p:bldP spid="3" grpId="0" animBg="1"/>
+      <p:bldP spid="5" grpId="0" animBg="1"/>
+      <p:bldP spid="15" grpId="0"/>
     </p:bldLst>
   </p:timing>
 </p:sld>
@@ -5126,17 +5955,7 @@
                 <a:latin typeface="Roboto Condensed" pitchFamily="2" charset="0"/>
                 <a:ea typeface="Roboto Condensed" pitchFamily="2" charset="0"/>
               </a:rPr>
-              <a:t>সার্ভার </a:t>
-            </a:r>
-            <a:r>
-              <a:rPr lang="bn-IN" b="1" dirty="0" smtClean="0">
-                <a:solidFill>
-                  <a:schemeClr val="bg1"/>
-                </a:solidFill>
-                <a:latin typeface="Roboto Condensed" pitchFamily="2" charset="0"/>
-                <a:ea typeface="Roboto Condensed" pitchFamily="2" charset="0"/>
-              </a:rPr>
-              <a:t>সাইডে দক্ষতার জন্য-</a:t>
+              <a:t>সার্ভার সাইডে দক্ষতার জন্য-</a:t>
             </a:r>
           </a:p>
           <a:p>
@@ -5158,27 +5977,7 @@
                 <a:latin typeface="Roboto Condensed" pitchFamily="2" charset="0"/>
                 <a:ea typeface="Roboto Condensed" pitchFamily="2" charset="0"/>
               </a:rPr>
-              <a:t>চারটি  বিষয় ভালো করে </a:t>
-            </a:r>
-            <a:r>
-              <a:rPr lang="bn-IN" b="1" dirty="0" smtClean="0">
-                <a:solidFill>
-                  <a:schemeClr val="bg1"/>
-                </a:solidFill>
-                <a:latin typeface="Roboto Condensed" pitchFamily="2" charset="0"/>
-                <a:ea typeface="Roboto Condensed" pitchFamily="2" charset="0"/>
-              </a:rPr>
-              <a:t>বুঝ</a:t>
-            </a:r>
-            <a:r>
-              <a:rPr lang="bn-IN" b="1" dirty="0" smtClean="0">
-                <a:solidFill>
-                  <a:schemeClr val="bg1"/>
-                </a:solidFill>
-                <a:latin typeface="Roboto Condensed" pitchFamily="2" charset="0"/>
-                <a:ea typeface="Roboto Condensed" pitchFamily="2" charset="0"/>
-              </a:rPr>
-              <a:t>তে </a:t>
+              <a:t>চারটি  বিষয় ভালো করে বুঝতে </a:t>
             </a:r>
             <a:r>
               <a:rPr lang="en-US" b="1" dirty="0" smtClean="0">
@@ -5198,17 +5997,7 @@
                 <a:latin typeface="Roboto Condensed" pitchFamily="2" charset="0"/>
                 <a:ea typeface="Roboto Condensed" pitchFamily="2" charset="0"/>
               </a:rPr>
-              <a:t>হবে  শিখতে </a:t>
-            </a:r>
-            <a:r>
-              <a:rPr lang="bn-IN" b="1" dirty="0" smtClean="0">
-                <a:solidFill>
-                  <a:schemeClr val="bg1"/>
-                </a:solidFill>
-                <a:latin typeface="Roboto Condensed" pitchFamily="2" charset="0"/>
-                <a:ea typeface="Roboto Condensed" pitchFamily="2" charset="0"/>
-              </a:rPr>
-              <a:t>হবে</a:t>
+              <a:t>হবে  শিখতে হবে</a:t>
             </a:r>
           </a:p>
           <a:p>
@@ -5550,7 +6339,7 @@
         <p:spPr>
           <a:xfrm>
             <a:off x="533400" y="742950"/>
-            <a:ext cx="6797738" cy="1754326"/>
+            <a:ext cx="6797738" cy="2031325"/>
           </a:xfrm>
           <a:prstGeom prst="rect">
             <a:avLst/>
@@ -5633,6 +6422,21 @@
                 <a:ea typeface="Roboto Condensed" pitchFamily="2" charset="0"/>
               </a:rPr>
               <a:t>Response Status</a:t>
+            </a:r>
+          </a:p>
+          <a:p>
+            <a:pPr marL="800100" lvl="1" indent="-342900">
+              <a:buAutoNum type="arabicPeriod"/>
+            </a:pPr>
+            <a:r>
+              <a:rPr lang="en-US" dirty="0" smtClean="0">
+                <a:solidFill>
+                  <a:schemeClr val="bg1"/>
+                </a:solidFill>
+                <a:latin typeface="Roboto Condensed" pitchFamily="2" charset="0"/>
+                <a:ea typeface="Roboto Condensed" pitchFamily="2" charset="0"/>
+              </a:rPr>
+              <a:t>Response Cookies</a:t>
             </a:r>
           </a:p>
           <a:p>
@@ -5686,313 +6490,305 @@
       </p:grpSpPr>
       <p:sp>
         <p:nvSpPr>
-          <p:cNvPr id="28" name="TextBox 27"/>
+          <p:cNvPr id="4" name="TextBox 3"/>
           <p:cNvSpPr txBox="1"/>
           <p:nvPr/>
         </p:nvSpPr>
         <p:spPr>
           <a:xfrm>
-            <a:off x="304800" y="955238"/>
-            <a:ext cx="5234125" cy="2585323"/>
+            <a:off x="533400" y="819150"/>
+            <a:ext cx="6797738" cy="1877437"/>
           </a:xfrm>
           <a:prstGeom prst="rect">
             <a:avLst/>
           </a:prstGeom>
-          <a:noFill/>
+          <a:solidFill>
+            <a:schemeClr val="tx1">
+              <a:lumMod val="85000"/>
+              <a:lumOff val="15000"/>
+            </a:schemeClr>
+          </a:solidFill>
         </p:spPr>
         <p:txBody>
-          <a:bodyPr wrap="none" rtlCol="0">
+          <a:bodyPr wrap="square" rtlCol="0">
             <a:spAutoFit/>
           </a:bodyPr>
           <a:lstStyle/>
           <a:p>
-            <a:pPr marL="285750" indent="-285750">
-              <a:buFont typeface="Arial" pitchFamily="34" charset="0"/>
-              <a:buChar char="•"/>
-            </a:pPr>
-            <a:r>
-              <a:rPr lang="en-US" dirty="0" smtClean="0">
-                <a:latin typeface="Roboto Condensed" pitchFamily="2" charset="0"/>
-                <a:ea typeface="Roboto Condensed" pitchFamily="2" charset="0"/>
-              </a:rPr>
-              <a:t>Simple Get/Post Request </a:t>
-            </a:r>
-            <a:r>
-              <a:rPr lang="en-US" dirty="0" smtClean="0">
-                <a:latin typeface="Roboto Condensed" pitchFamily="2" charset="0"/>
-                <a:ea typeface="Roboto Condensed" pitchFamily="2" charset="0"/>
-                <a:sym typeface="Wingdings" pitchFamily="2" charset="2"/>
-              </a:rPr>
-              <a:t> </a:t>
-            </a:r>
+            <a:pPr lvl="1"/>
+            <a:endParaRPr lang="en-US" b="1" dirty="0" smtClean="0">
+              <a:solidFill>
+                <a:schemeClr val="bg1"/>
+              </a:solidFill>
+              <a:latin typeface="Roboto Condensed" pitchFamily="2" charset="0"/>
+              <a:ea typeface="Roboto Condensed" pitchFamily="2" charset="0"/>
+            </a:endParaRPr>
+          </a:p>
+          <a:p>
+            <a:pPr lvl="1"/>
             <a:r>
               <a:rPr lang="en-US" b="1" dirty="0" smtClean="0">
                 <a:solidFill>
-                  <a:srgbClr val="0070C0"/>
-                </a:solidFill>
-                <a:latin typeface="Roboto Condensed" pitchFamily="2" charset="0"/>
-                <a:ea typeface="Roboto Condensed" pitchFamily="2" charset="0"/>
-                <a:sym typeface="Wingdings" pitchFamily="2" charset="2"/>
-              </a:rPr>
-              <a:t>String Response </a:t>
-            </a:r>
-            <a:r>
-              <a:rPr lang="en-US" b="1" dirty="0" smtClean="0">
-                <a:solidFill>
-                  <a:srgbClr val="0070C0"/>
+                  <a:schemeClr val="bg1"/>
                 </a:solidFill>
                 <a:latin typeface="Roboto Condensed" pitchFamily="2" charset="0"/>
                 <a:ea typeface="Roboto Condensed" pitchFamily="2" charset="0"/>
               </a:rPr>
-              <a:t> </a:t>
-            </a:r>
-            <a:endParaRPr lang="bn-IN" b="1" dirty="0" smtClean="0">
+              <a:t>Request Method </a:t>
+            </a:r>
+          </a:p>
+          <a:p>
+            <a:pPr marL="800100" lvl="1" indent="-342900">
+              <a:buAutoNum type="arabicPeriod"/>
+            </a:pPr>
+            <a:r>
+              <a:rPr lang="en-US" sz="1600" dirty="0" smtClean="0">
+                <a:solidFill>
+                  <a:schemeClr val="bg1"/>
+                </a:solidFill>
+                <a:latin typeface="Roboto Condensed" pitchFamily="2" charset="0"/>
+                <a:ea typeface="Roboto Condensed" pitchFamily="2" charset="0"/>
+              </a:rPr>
+              <a:t>Post()</a:t>
+            </a:r>
+          </a:p>
+          <a:p>
+            <a:pPr marL="800100" lvl="1" indent="-342900">
+              <a:buAutoNum type="arabicPeriod"/>
+            </a:pPr>
+            <a:r>
+              <a:rPr lang="en-US" sz="1600" dirty="0" smtClean="0">
+                <a:solidFill>
+                  <a:schemeClr val="bg1"/>
+                </a:solidFill>
+                <a:latin typeface="Roboto Condensed" pitchFamily="2" charset="0"/>
+                <a:ea typeface="Roboto Condensed" pitchFamily="2" charset="0"/>
+              </a:rPr>
+              <a:t>Get()</a:t>
+            </a:r>
+          </a:p>
+          <a:p>
+            <a:pPr marL="800100" lvl="1" indent="-342900">
+              <a:buAutoNum type="arabicPeriod"/>
+            </a:pPr>
+            <a:r>
+              <a:rPr lang="en-US" sz="1600" dirty="0" smtClean="0">
+                <a:solidFill>
+                  <a:schemeClr val="bg1"/>
+                </a:solidFill>
+                <a:latin typeface="Roboto Condensed" pitchFamily="2" charset="0"/>
+                <a:ea typeface="Roboto Condensed" pitchFamily="2" charset="0"/>
+              </a:rPr>
+              <a:t>Put()</a:t>
+            </a:r>
+          </a:p>
+          <a:p>
+            <a:pPr marL="800100" lvl="1" indent="-342900">
+              <a:buAutoNum type="arabicPeriod"/>
+            </a:pPr>
+            <a:r>
+              <a:rPr lang="en-US" sz="1600" dirty="0" smtClean="0">
+                <a:solidFill>
+                  <a:schemeClr val="bg1"/>
+                </a:solidFill>
+                <a:latin typeface="Roboto Condensed" pitchFamily="2" charset="0"/>
+                <a:ea typeface="Roboto Condensed" pitchFamily="2" charset="0"/>
+              </a:rPr>
+              <a:t>Delete()</a:t>
+            </a:r>
+          </a:p>
+          <a:p>
+            <a:pPr marL="800100" lvl="1" indent="-342900">
+              <a:buAutoNum type="arabicPeriod"/>
+            </a:pPr>
+            <a:endParaRPr lang="en-US" sz="1600" dirty="0" smtClean="0">
               <a:solidFill>
-                <a:srgbClr val="0070C0"/>
+                <a:schemeClr val="bg1"/>
               </a:solidFill>
               <a:latin typeface="Roboto Condensed" pitchFamily="2" charset="0"/>
               <a:ea typeface="Roboto Condensed" pitchFamily="2" charset="0"/>
             </a:endParaRPr>
           </a:p>
-          <a:p>
-            <a:pPr marL="285750" indent="-285750">
-              <a:buFont typeface="Arial" pitchFamily="34" charset="0"/>
-              <a:buChar char="•"/>
-            </a:pPr>
-            <a:r>
-              <a:rPr lang="en-US" dirty="0">
-                <a:latin typeface="Roboto Condensed" pitchFamily="2" charset="0"/>
-                <a:ea typeface="Roboto Condensed" pitchFamily="2" charset="0"/>
-              </a:rPr>
-              <a:t>Simple Get/Post Request </a:t>
-            </a:r>
-            <a:r>
-              <a:rPr lang="en-US" dirty="0">
-                <a:latin typeface="Roboto Condensed" pitchFamily="2" charset="0"/>
-                <a:ea typeface="Roboto Condensed" pitchFamily="2" charset="0"/>
-                <a:sym typeface="Wingdings" pitchFamily="2" charset="2"/>
-              </a:rPr>
-              <a:t> </a:t>
-            </a:r>
-            <a:r>
-              <a:rPr lang="en-US" b="1" dirty="0" smtClean="0">
-                <a:solidFill>
-                  <a:srgbClr val="0070C0"/>
-                </a:solidFill>
-                <a:latin typeface="Roboto Condensed" pitchFamily="2" charset="0"/>
-                <a:ea typeface="Roboto Condensed" pitchFamily="2" charset="0"/>
-                <a:sym typeface="Wingdings" pitchFamily="2" charset="2"/>
-              </a:rPr>
-              <a:t>Response Status Code </a:t>
-            </a:r>
+        </p:txBody>
+      </p:sp>
+    </p:spTree>
+    <p:extLst>
+      <p:ext uri="{BB962C8B-B14F-4D97-AF65-F5344CB8AC3E}">
+        <p14:creationId xmlns:p14="http://schemas.microsoft.com/office/powerpoint/2010/main" val="2400178940"/>
+      </p:ext>
+    </p:extLst>
+  </p:cSld>
+  <p:clrMapOvr>
+    <a:masterClrMapping/>
+  </p:clrMapOvr>
+  <p:timing>
+    <p:tnLst>
+      <p:par>
+        <p:cTn id="1" dur="indefinite" restart="never" nodeType="tmRoot"/>
+      </p:par>
+    </p:tnLst>
+  </p:timing>
+</p:sld>
+</file>
+
+<file path=ppt/slides/slide9.xml><?xml version="1.0" encoding="utf-8"?>
+<p:sld xmlns:a="http://schemas.openxmlformats.org/drawingml/2006/main" xmlns:r="http://schemas.openxmlformats.org/officeDocument/2006/relationships" xmlns:p="http://schemas.openxmlformats.org/presentationml/2006/main">
+  <p:cSld>
+    <p:spTree>
+      <p:nvGrpSpPr>
+        <p:cNvPr id="1" name=""/>
+        <p:cNvGrpSpPr/>
+        <p:nvPr/>
+      </p:nvGrpSpPr>
+      <p:grpSpPr>
+        <a:xfrm>
+          <a:off x="0" y="0"/>
+          <a:ext cx="0" cy="0"/>
+          <a:chOff x="0" y="0"/>
+          <a:chExt cx="0" cy="0"/>
+        </a:xfrm>
+      </p:grpSpPr>
+      <p:sp>
+        <p:nvSpPr>
+          <p:cNvPr id="4" name="TextBox 3"/>
+          <p:cNvSpPr txBox="1"/>
+          <p:nvPr/>
+        </p:nvSpPr>
+        <p:spPr>
+          <a:xfrm>
+            <a:off x="533400" y="819150"/>
+            <a:ext cx="6797738" cy="1631216"/>
+          </a:xfrm>
+          <a:prstGeom prst="rect">
+            <a:avLst/>
+          </a:prstGeom>
+          <a:solidFill>
+            <a:schemeClr val="tx1">
+              <a:lumMod val="85000"/>
+              <a:lumOff val="15000"/>
+            </a:schemeClr>
+          </a:solidFill>
+        </p:spPr>
+        <p:txBody>
+          <a:bodyPr wrap="square" rtlCol="0">
+            <a:spAutoFit/>
+          </a:bodyPr>
+          <a:lstStyle/>
+          <a:p>
+            <a:pPr lvl="1"/>
             <a:endParaRPr lang="en-US" b="1" dirty="0" smtClean="0">
               <a:solidFill>
-                <a:srgbClr val="0070C0"/>
+                <a:schemeClr val="bg1"/>
               </a:solidFill>
               <a:latin typeface="Roboto Condensed" pitchFamily="2" charset="0"/>
               <a:ea typeface="Roboto Condensed" pitchFamily="2" charset="0"/>
             </a:endParaRPr>
           </a:p>
           <a:p>
-            <a:pPr marL="285750" indent="-285750">
-              <a:buFont typeface="Arial" pitchFamily="34" charset="0"/>
-              <a:buChar char="•"/>
-            </a:pPr>
-            <a:r>
-              <a:rPr lang="en-US" dirty="0" smtClean="0">
+            <a:pPr lvl="1"/>
+            <a:r>
+              <a:rPr lang="en-US" b="1" dirty="0" smtClean="0">
+                <a:solidFill>
+                  <a:schemeClr val="bg1"/>
+                </a:solidFill>
                 <a:latin typeface="Roboto Condensed" pitchFamily="2" charset="0"/>
                 <a:ea typeface="Roboto Condensed" pitchFamily="2" charset="0"/>
               </a:rPr>
-              <a:t>Simple Get/Post Request </a:t>
-            </a:r>
-            <a:r>
-              <a:rPr lang="en-US" dirty="0" smtClean="0">
-                <a:latin typeface="Roboto Condensed" pitchFamily="2" charset="0"/>
-                <a:ea typeface="Roboto Condensed" pitchFamily="2" charset="0"/>
-                <a:sym typeface="Wingdings" pitchFamily="2" charset="2"/>
-              </a:rPr>
-              <a:t> </a:t>
-            </a:r>
-            <a:r>
-              <a:rPr lang="en-US" b="1" dirty="0" smtClean="0">
+              <a:t>Request get()</a:t>
+            </a:r>
+          </a:p>
+          <a:p>
+            <a:pPr marL="800100" lvl="1" indent="-342900">
+              <a:buAutoNum type="arabicPeriod"/>
+            </a:pPr>
+            <a:r>
+              <a:rPr lang="en-US" sz="1600" dirty="0">
                 <a:solidFill>
-                  <a:srgbClr val="0070C0"/>
+                  <a:schemeClr val="bg1"/>
                 </a:solidFill>
                 <a:latin typeface="Roboto Condensed" pitchFamily="2" charset="0"/>
                 <a:ea typeface="Roboto Condensed" pitchFamily="2" charset="0"/>
-                <a:sym typeface="Wingdings" pitchFamily="2" charset="2"/>
               </a:rPr>
-              <a:t>JSON Response </a:t>
-            </a:r>
-          </a:p>
-          <a:p>
-            <a:pPr marL="285750" indent="-285750">
-              <a:buFont typeface="Arial" pitchFamily="34" charset="0"/>
-              <a:buChar char="•"/>
+              <a:t>Create Simple Get Request </a:t>
+            </a:r>
+            <a:endParaRPr lang="en-US" sz="1600" dirty="0" smtClean="0">
+              <a:solidFill>
+                <a:schemeClr val="bg1"/>
+              </a:solidFill>
+              <a:latin typeface="Roboto Condensed" pitchFamily="2" charset="0"/>
+              <a:ea typeface="Roboto Condensed" pitchFamily="2" charset="0"/>
+            </a:endParaRPr>
+          </a:p>
+          <a:p>
+            <a:pPr marL="800100" lvl="1" indent="-342900">
+              <a:buAutoNum type="arabicPeriod"/>
             </a:pPr>
             <a:r>
-              <a:rPr lang="en-US" dirty="0" smtClean="0">
-                <a:latin typeface="Roboto Condensed" pitchFamily="2" charset="0"/>
-                <a:ea typeface="Roboto Condensed" pitchFamily="2" charset="0"/>
-                <a:sym typeface="Wingdings" pitchFamily="2" charset="2"/>
-              </a:rPr>
-              <a:t>Simple Get/Post Request  </a:t>
-            </a:r>
-            <a:r>
-              <a:rPr lang="en-US" b="1" dirty="0" smtClean="0">
+              <a:rPr lang="en-US" sz="1600" dirty="0" smtClean="0">
                 <a:solidFill>
-                  <a:srgbClr val="0070C0"/>
+                  <a:schemeClr val="bg1"/>
                 </a:solidFill>
                 <a:latin typeface="Roboto Condensed" pitchFamily="2" charset="0"/>
                 <a:ea typeface="Roboto Condensed" pitchFamily="2" charset="0"/>
-                <a:sym typeface="Wingdings" pitchFamily="2" charset="2"/>
-              </a:rPr>
-              <a:t>Download Response</a:t>
-            </a:r>
-          </a:p>
-          <a:p>
-            <a:pPr marL="285750" indent="-285750">
-              <a:buFont typeface="Arial" pitchFamily="34" charset="0"/>
-              <a:buChar char="•"/>
-            </a:pPr>
-            <a:r>
-              <a:rPr lang="en-US" dirty="0">
-                <a:latin typeface="Roboto Condensed" pitchFamily="2" charset="0"/>
-                <a:ea typeface="Roboto Condensed" pitchFamily="2" charset="0"/>
-                <a:sym typeface="Wingdings" pitchFamily="2" charset="2"/>
               </a:rPr>
               <a:t>Simple </a:t>
             </a:r>
             <a:r>
-              <a:rPr lang="en-US" dirty="0" smtClean="0">
-                <a:latin typeface="Roboto Condensed" pitchFamily="2" charset="0"/>
-                <a:ea typeface="Roboto Condensed" pitchFamily="2" charset="0"/>
-                <a:sym typeface="Wingdings" pitchFamily="2" charset="2"/>
-              </a:rPr>
-              <a:t>Get/Post </a:t>
-            </a:r>
-            <a:r>
-              <a:rPr lang="en-US" dirty="0">
-                <a:latin typeface="Roboto Condensed" pitchFamily="2" charset="0"/>
-                <a:ea typeface="Roboto Condensed" pitchFamily="2" charset="0"/>
-                <a:sym typeface="Wingdings" pitchFamily="2" charset="2"/>
-              </a:rPr>
-              <a:t>Request  </a:t>
-            </a:r>
-            <a:r>
-              <a:rPr lang="en-US" b="1" dirty="0" smtClean="0">
+              <a:rPr lang="en-US" sz="1600" dirty="0">
                 <a:solidFill>
-                  <a:srgbClr val="0070C0"/>
+                  <a:schemeClr val="bg1"/>
                 </a:solidFill>
                 <a:latin typeface="Roboto Condensed" pitchFamily="2" charset="0"/>
                 <a:ea typeface="Roboto Condensed" pitchFamily="2" charset="0"/>
-                <a:sym typeface="Wingdings" pitchFamily="2" charset="2"/>
               </a:rPr>
-              <a:t>Response Redirect </a:t>
-            </a:r>
-            <a:endParaRPr lang="en-US" b="1" dirty="0">
+              <a:t>Get Request With URL </a:t>
+            </a:r>
+            <a:r>
+              <a:rPr lang="en-US" sz="1600" dirty="0" smtClean="0">
+                <a:solidFill>
+                  <a:schemeClr val="bg1"/>
+                </a:solidFill>
+                <a:latin typeface="Roboto Condensed" pitchFamily="2" charset="0"/>
+                <a:ea typeface="Roboto Condensed" pitchFamily="2" charset="0"/>
+              </a:rPr>
+              <a:t>Parameter</a:t>
+            </a:r>
+          </a:p>
+          <a:p>
+            <a:pPr marL="800100" lvl="1" indent="-342900">
+              <a:buAutoNum type="arabicPeriod"/>
+            </a:pPr>
+            <a:r>
+              <a:rPr lang="en-US" sz="1600" dirty="0">
+                <a:solidFill>
+                  <a:schemeClr val="bg1"/>
+                </a:solidFill>
+                <a:latin typeface="Roboto Condensed" pitchFamily="2" charset="0"/>
+                <a:ea typeface="Roboto Condensed" pitchFamily="2" charset="0"/>
+              </a:rPr>
+              <a:t>Catch Request Header Simple Get </a:t>
+            </a:r>
+            <a:r>
+              <a:rPr lang="en-US" sz="1600" dirty="0" smtClean="0">
+                <a:solidFill>
+                  <a:schemeClr val="bg1"/>
+                </a:solidFill>
+                <a:latin typeface="Roboto Condensed" pitchFamily="2" charset="0"/>
+                <a:ea typeface="Roboto Condensed" pitchFamily="2" charset="0"/>
+              </a:rPr>
+              <a:t>Method</a:t>
+            </a:r>
+          </a:p>
+          <a:p>
+            <a:pPr marL="800100" lvl="1" indent="-342900">
+              <a:buAutoNum type="arabicPeriod"/>
+            </a:pPr>
+            <a:endParaRPr lang="en-US" sz="1600" dirty="0" smtClean="0">
               <a:solidFill>
-                <a:srgbClr val="0070C0"/>
+                <a:schemeClr val="bg1"/>
               </a:solidFill>
               <a:latin typeface="Roboto Condensed" pitchFamily="2" charset="0"/>
               <a:ea typeface="Roboto Condensed" pitchFamily="2" charset="0"/>
-              <a:sym typeface="Wingdings" pitchFamily="2" charset="2"/>
-            </a:endParaRPr>
-          </a:p>
-          <a:p>
-            <a:pPr marL="285750" indent="-285750">
-              <a:buFont typeface="Arial" pitchFamily="34" charset="0"/>
-              <a:buChar char="•"/>
-            </a:pPr>
-            <a:r>
-              <a:rPr lang="en-US" dirty="0" smtClean="0">
-                <a:latin typeface="Roboto Condensed" pitchFamily="2" charset="0"/>
-                <a:ea typeface="Roboto Condensed" pitchFamily="2" charset="0"/>
-                <a:sym typeface="Wingdings" pitchFamily="2" charset="2"/>
-              </a:rPr>
-              <a:t>Simple Get/Post Request  </a:t>
-            </a:r>
-            <a:r>
-              <a:rPr lang="en-US" b="1" dirty="0" smtClean="0">
-                <a:solidFill>
-                  <a:srgbClr val="0070C0"/>
-                </a:solidFill>
-                <a:latin typeface="Roboto Condensed" pitchFamily="2" charset="0"/>
-                <a:ea typeface="Roboto Condensed" pitchFamily="2" charset="0"/>
-                <a:sym typeface="Wingdings" pitchFamily="2" charset="2"/>
-              </a:rPr>
-              <a:t>Response Header</a:t>
-            </a:r>
-          </a:p>
-          <a:p>
-            <a:pPr marL="285750" indent="-285750">
-              <a:buFont typeface="Arial" pitchFamily="34" charset="0"/>
-              <a:buChar char="•"/>
-            </a:pPr>
-            <a:r>
-              <a:rPr lang="en-US" dirty="0" smtClean="0">
-                <a:latin typeface="Roboto Condensed" pitchFamily="2" charset="0"/>
-                <a:ea typeface="Roboto Condensed" pitchFamily="2" charset="0"/>
-                <a:sym typeface="Wingdings" pitchFamily="2" charset="2"/>
-              </a:rPr>
-              <a:t>Simple Get/Post Request  </a:t>
-            </a:r>
-            <a:r>
-              <a:rPr lang="en-US" b="1" dirty="0" smtClean="0">
-                <a:solidFill>
-                  <a:srgbClr val="0070C0"/>
-                </a:solidFill>
-                <a:latin typeface="Roboto Condensed" pitchFamily="2" charset="0"/>
-                <a:ea typeface="Roboto Condensed" pitchFamily="2" charset="0"/>
-                <a:sym typeface="Wingdings" pitchFamily="2" charset="2"/>
-              </a:rPr>
-              <a:t>Set Response Cookie </a:t>
-            </a:r>
-          </a:p>
-          <a:p>
-            <a:pPr marL="285750" indent="-285750">
-              <a:buFont typeface="Arial" pitchFamily="34" charset="0"/>
-              <a:buChar char="•"/>
-            </a:pPr>
-            <a:r>
-              <a:rPr lang="en-US" dirty="0">
-                <a:latin typeface="Roboto Condensed" pitchFamily="2" charset="0"/>
-                <a:ea typeface="Roboto Condensed" pitchFamily="2" charset="0"/>
-                <a:sym typeface="Wingdings" pitchFamily="2" charset="2"/>
-              </a:rPr>
-              <a:t>Simple Get/Post Request  </a:t>
-            </a:r>
-            <a:r>
-              <a:rPr lang="en-US" b="1" dirty="0" smtClean="0">
-                <a:solidFill>
-                  <a:srgbClr val="0070C0"/>
-                </a:solidFill>
-                <a:latin typeface="Roboto Condensed" pitchFamily="2" charset="0"/>
-                <a:ea typeface="Roboto Condensed" pitchFamily="2" charset="0"/>
-                <a:sym typeface="Wingdings" pitchFamily="2" charset="2"/>
-              </a:rPr>
-              <a:t>Clear Response </a:t>
-            </a:r>
-            <a:r>
-              <a:rPr lang="en-US" b="1" dirty="0">
-                <a:solidFill>
-                  <a:srgbClr val="0070C0"/>
-                </a:solidFill>
-                <a:latin typeface="Roboto Condensed" pitchFamily="2" charset="0"/>
-                <a:ea typeface="Roboto Condensed" pitchFamily="2" charset="0"/>
-                <a:sym typeface="Wingdings" pitchFamily="2" charset="2"/>
-              </a:rPr>
-              <a:t>Cookie </a:t>
-            </a:r>
-          </a:p>
-          <a:p>
-            <a:pPr marL="285750" indent="-285750">
-              <a:buFont typeface="Arial" pitchFamily="34" charset="0"/>
-              <a:buChar char="•"/>
-            </a:pPr>
-            <a:endParaRPr lang="en-US" dirty="0" smtClean="0">
-              <a:latin typeface="Roboto Condensed" pitchFamily="2" charset="0"/>
-              <a:ea typeface="Roboto Condensed" pitchFamily="2" charset="0"/>
             </a:endParaRPr>
           </a:p>
         </p:txBody>
@@ -6000,7 +6796,7 @@
     </p:spTree>
     <p:extLst>
       <p:ext uri="{BB962C8B-B14F-4D97-AF65-F5344CB8AC3E}">
-        <p14:creationId xmlns:p14="http://schemas.microsoft.com/office/powerpoint/2010/main" val="2495239468"/>
+        <p14:creationId xmlns:p14="http://schemas.microsoft.com/office/powerpoint/2010/main" val="3436292928"/>
       </p:ext>
     </p:extLst>
   </p:cSld>

--- a/ppt/1 Express JS.pptx
+++ b/ppt/1 Express JS.pptx
@@ -16,6 +16,10 @@
     <p:sldId id="267" r:id="rId10"/>
     <p:sldId id="266" r:id="rId11"/>
     <p:sldId id="268" r:id="rId12"/>
+    <p:sldId id="271" r:id="rId13"/>
+    <p:sldId id="269" r:id="rId14"/>
+    <p:sldId id="270" r:id="rId15"/>
+    <p:sldId id="272" r:id="rId16"/>
   </p:sldIdLst>
   <p:sldSz cx="9144000" cy="5143500" type="screen16x9"/>
   <p:notesSz cx="6858000" cy="9144000"/>
@@ -114,6 +118,22 @@
       </a:defRPr>
     </a:lvl9pPr>
   </p:defaultTextStyle>
+  <p:extLst>
+    <p:ext uri="{EFAFB233-063F-42B5-8137-9DF3F51BA10A}">
+      <p15:sldGuideLst xmlns:p15="http://schemas.microsoft.com/office/powerpoint/2012/main">
+        <p15:guide id="1" orient="horz" pos="1620">
+          <p15:clr>
+            <a:srgbClr val="A4A3A4"/>
+          </p15:clr>
+        </p15:guide>
+        <p15:guide id="2" pos="2880">
+          <p15:clr>
+            <a:srgbClr val="A4A3A4"/>
+          </p15:clr>
+        </p15:guide>
+      </p15:sldGuideLst>
+    </p:ext>
+  </p:extLst>
 </p:presentation>
 </file>
 
@@ -155,10 +175,9 @@
           <a:lstStyle/>
           <a:p>
             <a:r>
-              <a:rPr lang="en-US" smtClean="0"/>
+              <a:rPr lang="en-US"/>
               <a:t>Click to edit Master title style</a:t>
             </a:r>
-            <a:endParaRPr lang="en-US"/>
           </a:p>
         </p:txBody>
       </p:sp>
@@ -274,10 +293,9 @@
           </a:lstStyle>
           <a:p>
             <a:r>
-              <a:rPr lang="en-US" smtClean="0"/>
+              <a:rPr lang="en-US"/>
               <a:t>Click to edit Master subtitle style</a:t>
             </a:r>
-            <a:endParaRPr lang="en-US"/>
           </a:p>
         </p:txBody>
       </p:sp>
@@ -299,7 +317,7 @@
             <a:fld id="{1D8BD707-D9CF-40AE-B4C6-C98DA3205C09}" type="datetimeFigureOut">
               <a:rPr lang="en-US" smtClean="0"/>
               <a:pPr/>
-              <a:t>1/19/2021</a:t>
+              <a:t>4/27/2021</a:t>
             </a:fld>
             <a:endParaRPr lang="en-US"/>
           </a:p>
@@ -389,10 +407,9 @@
           <a:lstStyle/>
           <a:p>
             <a:r>
-              <a:rPr lang="en-US" smtClean="0"/>
+              <a:rPr lang="en-US"/>
               <a:t>Click to edit Master title style</a:t>
             </a:r>
-            <a:endParaRPr lang="en-US"/>
           </a:p>
         </p:txBody>
       </p:sp>
@@ -413,38 +430,37 @@
           <a:p>
             <a:pPr lvl="0"/>
             <a:r>
-              <a:rPr lang="en-US" smtClean="0"/>
+              <a:rPr lang="en-US"/>
               <a:t>Click to edit Master text styles</a:t>
             </a:r>
           </a:p>
           <a:p>
             <a:pPr lvl="1"/>
             <a:r>
-              <a:rPr lang="en-US" smtClean="0"/>
+              <a:rPr lang="en-US"/>
               <a:t>Second level</a:t>
             </a:r>
           </a:p>
           <a:p>
             <a:pPr lvl="2"/>
             <a:r>
-              <a:rPr lang="en-US" smtClean="0"/>
+              <a:rPr lang="en-US"/>
               <a:t>Third level</a:t>
             </a:r>
           </a:p>
           <a:p>
             <a:pPr lvl="3"/>
             <a:r>
-              <a:rPr lang="en-US" smtClean="0"/>
+              <a:rPr lang="en-US"/>
               <a:t>Fourth level</a:t>
             </a:r>
           </a:p>
           <a:p>
             <a:pPr lvl="4"/>
             <a:r>
-              <a:rPr lang="en-US" smtClean="0"/>
+              <a:rPr lang="en-US"/>
               <a:t>Fifth level</a:t>
             </a:r>
-            <a:endParaRPr lang="en-US"/>
           </a:p>
         </p:txBody>
       </p:sp>
@@ -466,7 +482,7 @@
             <a:fld id="{1D8BD707-D9CF-40AE-B4C6-C98DA3205C09}" type="datetimeFigureOut">
               <a:rPr lang="en-US" smtClean="0"/>
               <a:pPr/>
-              <a:t>1/19/2021</a:t>
+              <a:t>4/27/2021</a:t>
             </a:fld>
             <a:endParaRPr lang="en-US"/>
           </a:p>
@@ -561,10 +577,9 @@
           <a:lstStyle/>
           <a:p>
             <a:r>
-              <a:rPr lang="en-US" smtClean="0"/>
+              <a:rPr lang="en-US"/>
               <a:t>Click to edit Master title style</a:t>
             </a:r>
-            <a:endParaRPr lang="en-US"/>
           </a:p>
         </p:txBody>
       </p:sp>
@@ -590,38 +605,37 @@
           <a:p>
             <a:pPr lvl="0"/>
             <a:r>
-              <a:rPr lang="en-US" smtClean="0"/>
+              <a:rPr lang="en-US"/>
               <a:t>Click to edit Master text styles</a:t>
             </a:r>
           </a:p>
           <a:p>
             <a:pPr lvl="1"/>
             <a:r>
-              <a:rPr lang="en-US" smtClean="0"/>
+              <a:rPr lang="en-US"/>
               <a:t>Second level</a:t>
             </a:r>
           </a:p>
           <a:p>
             <a:pPr lvl="2"/>
             <a:r>
-              <a:rPr lang="en-US" smtClean="0"/>
+              <a:rPr lang="en-US"/>
               <a:t>Third level</a:t>
             </a:r>
           </a:p>
           <a:p>
             <a:pPr lvl="3"/>
             <a:r>
-              <a:rPr lang="en-US" smtClean="0"/>
+              <a:rPr lang="en-US"/>
               <a:t>Fourth level</a:t>
             </a:r>
           </a:p>
           <a:p>
             <a:pPr lvl="4"/>
             <a:r>
-              <a:rPr lang="en-US" smtClean="0"/>
+              <a:rPr lang="en-US"/>
               <a:t>Fifth level</a:t>
             </a:r>
-            <a:endParaRPr lang="en-US"/>
           </a:p>
         </p:txBody>
       </p:sp>
@@ -643,7 +657,7 @@
             <a:fld id="{1D8BD707-D9CF-40AE-B4C6-C98DA3205C09}" type="datetimeFigureOut">
               <a:rPr lang="en-US" smtClean="0"/>
               <a:pPr/>
-              <a:t>1/19/2021</a:t>
+              <a:t>4/27/2021</a:t>
             </a:fld>
             <a:endParaRPr lang="en-US"/>
           </a:p>
@@ -733,10 +747,9 @@
           <a:lstStyle/>
           <a:p>
             <a:r>
-              <a:rPr lang="en-US" smtClean="0"/>
+              <a:rPr lang="en-US"/>
               <a:t>Click to edit Master title style</a:t>
             </a:r>
-            <a:endParaRPr lang="en-US"/>
           </a:p>
         </p:txBody>
       </p:sp>
@@ -757,38 +770,37 @@
           <a:p>
             <a:pPr lvl="0"/>
             <a:r>
-              <a:rPr lang="en-US" smtClean="0"/>
+              <a:rPr lang="en-US"/>
               <a:t>Click to edit Master text styles</a:t>
             </a:r>
           </a:p>
           <a:p>
             <a:pPr lvl="1"/>
             <a:r>
-              <a:rPr lang="en-US" smtClean="0"/>
+              <a:rPr lang="en-US"/>
               <a:t>Second level</a:t>
             </a:r>
           </a:p>
           <a:p>
             <a:pPr lvl="2"/>
             <a:r>
-              <a:rPr lang="en-US" smtClean="0"/>
+              <a:rPr lang="en-US"/>
               <a:t>Third level</a:t>
             </a:r>
           </a:p>
           <a:p>
             <a:pPr lvl="3"/>
             <a:r>
-              <a:rPr lang="en-US" smtClean="0"/>
+              <a:rPr lang="en-US"/>
               <a:t>Fourth level</a:t>
             </a:r>
           </a:p>
           <a:p>
             <a:pPr lvl="4"/>
             <a:r>
-              <a:rPr lang="en-US" smtClean="0"/>
+              <a:rPr lang="en-US"/>
               <a:t>Fifth level</a:t>
             </a:r>
-            <a:endParaRPr lang="en-US"/>
           </a:p>
         </p:txBody>
       </p:sp>
@@ -810,7 +822,7 @@
             <a:fld id="{1D8BD707-D9CF-40AE-B4C6-C98DA3205C09}" type="datetimeFigureOut">
               <a:rPr lang="en-US" smtClean="0"/>
               <a:pPr/>
-              <a:t>1/19/2021</a:t>
+              <a:t>4/27/2021</a:t>
             </a:fld>
             <a:endParaRPr lang="en-US"/>
           </a:p>
@@ -909,10 +921,9 @@
           </a:lstStyle>
           <a:p>
             <a:r>
-              <a:rPr lang="en-US" smtClean="0"/>
+              <a:rPr lang="en-US"/>
               <a:t>Click to edit Master title style</a:t>
             </a:r>
-            <a:endParaRPr lang="en-US"/>
           </a:p>
         </p:txBody>
       </p:sp>
@@ -1029,7 +1040,7 @@
           <a:p>
             <a:pPr lvl="0"/>
             <a:r>
-              <a:rPr lang="en-US" smtClean="0"/>
+              <a:rPr lang="en-US"/>
               <a:t>Click to edit Master text styles</a:t>
             </a:r>
           </a:p>
@@ -1053,7 +1064,7 @@
             <a:fld id="{1D8BD707-D9CF-40AE-B4C6-C98DA3205C09}" type="datetimeFigureOut">
               <a:rPr lang="en-US" smtClean="0"/>
               <a:pPr/>
-              <a:t>1/19/2021</a:t>
+              <a:t>4/27/2021</a:t>
             </a:fld>
             <a:endParaRPr lang="en-US"/>
           </a:p>
@@ -1143,10 +1154,9 @@
           <a:lstStyle/>
           <a:p>
             <a:r>
-              <a:rPr lang="en-US" smtClean="0"/>
+              <a:rPr lang="en-US"/>
               <a:t>Click to edit Master title style</a:t>
             </a:r>
-            <a:endParaRPr lang="en-US"/>
           </a:p>
         </p:txBody>
       </p:sp>
@@ -1200,38 +1210,37 @@
           <a:p>
             <a:pPr lvl="0"/>
             <a:r>
-              <a:rPr lang="en-US" smtClean="0"/>
+              <a:rPr lang="en-US"/>
               <a:t>Click to edit Master text styles</a:t>
             </a:r>
           </a:p>
           <a:p>
             <a:pPr lvl="1"/>
             <a:r>
-              <a:rPr lang="en-US" smtClean="0"/>
+              <a:rPr lang="en-US"/>
               <a:t>Second level</a:t>
             </a:r>
           </a:p>
           <a:p>
             <a:pPr lvl="2"/>
             <a:r>
-              <a:rPr lang="en-US" smtClean="0"/>
+              <a:rPr lang="en-US"/>
               <a:t>Third level</a:t>
             </a:r>
           </a:p>
           <a:p>
             <a:pPr lvl="3"/>
             <a:r>
-              <a:rPr lang="en-US" smtClean="0"/>
+              <a:rPr lang="en-US"/>
               <a:t>Fourth level</a:t>
             </a:r>
           </a:p>
           <a:p>
             <a:pPr lvl="4"/>
             <a:r>
-              <a:rPr lang="en-US" smtClean="0"/>
+              <a:rPr lang="en-US"/>
               <a:t>Fifth level</a:t>
             </a:r>
-            <a:endParaRPr lang="en-US"/>
           </a:p>
         </p:txBody>
       </p:sp>
@@ -1285,38 +1294,37 @@
           <a:p>
             <a:pPr lvl="0"/>
             <a:r>
-              <a:rPr lang="en-US" smtClean="0"/>
+              <a:rPr lang="en-US"/>
               <a:t>Click to edit Master text styles</a:t>
             </a:r>
           </a:p>
           <a:p>
             <a:pPr lvl="1"/>
             <a:r>
-              <a:rPr lang="en-US" smtClean="0"/>
+              <a:rPr lang="en-US"/>
               <a:t>Second level</a:t>
             </a:r>
           </a:p>
           <a:p>
             <a:pPr lvl="2"/>
             <a:r>
-              <a:rPr lang="en-US" smtClean="0"/>
+              <a:rPr lang="en-US"/>
               <a:t>Third level</a:t>
             </a:r>
           </a:p>
           <a:p>
             <a:pPr lvl="3"/>
             <a:r>
-              <a:rPr lang="en-US" smtClean="0"/>
+              <a:rPr lang="en-US"/>
               <a:t>Fourth level</a:t>
             </a:r>
           </a:p>
           <a:p>
             <a:pPr lvl="4"/>
             <a:r>
-              <a:rPr lang="en-US" smtClean="0"/>
+              <a:rPr lang="en-US"/>
               <a:t>Fifth level</a:t>
             </a:r>
-            <a:endParaRPr lang="en-US"/>
           </a:p>
         </p:txBody>
       </p:sp>
@@ -1338,7 +1346,7 @@
             <a:fld id="{1D8BD707-D9CF-40AE-B4C6-C98DA3205C09}" type="datetimeFigureOut">
               <a:rPr lang="en-US" smtClean="0"/>
               <a:pPr/>
-              <a:t>1/19/2021</a:t>
+              <a:t>4/27/2021</a:t>
             </a:fld>
             <a:endParaRPr lang="en-US"/>
           </a:p>
@@ -1432,10 +1440,9 @@
           </a:lstStyle>
           <a:p>
             <a:r>
-              <a:rPr lang="en-US" smtClean="0"/>
+              <a:rPr lang="en-US"/>
               <a:t>Click to edit Master title style</a:t>
             </a:r>
-            <a:endParaRPr lang="en-US"/>
           </a:p>
         </p:txBody>
       </p:sp>
@@ -1498,7 +1505,7 @@
           <a:p>
             <a:pPr lvl="0"/>
             <a:r>
-              <a:rPr lang="en-US" smtClean="0"/>
+              <a:rPr lang="en-US"/>
               <a:t>Click to edit Master text styles</a:t>
             </a:r>
           </a:p>
@@ -1554,38 +1561,37 @@
           <a:p>
             <a:pPr lvl="0"/>
             <a:r>
-              <a:rPr lang="en-US" smtClean="0"/>
+              <a:rPr lang="en-US"/>
               <a:t>Click to edit Master text styles</a:t>
             </a:r>
           </a:p>
           <a:p>
             <a:pPr lvl="1"/>
             <a:r>
-              <a:rPr lang="en-US" smtClean="0"/>
+              <a:rPr lang="en-US"/>
               <a:t>Second level</a:t>
             </a:r>
           </a:p>
           <a:p>
             <a:pPr lvl="2"/>
             <a:r>
-              <a:rPr lang="en-US" smtClean="0"/>
+              <a:rPr lang="en-US"/>
               <a:t>Third level</a:t>
             </a:r>
           </a:p>
           <a:p>
             <a:pPr lvl="3"/>
             <a:r>
-              <a:rPr lang="en-US" smtClean="0"/>
+              <a:rPr lang="en-US"/>
               <a:t>Fourth level</a:t>
             </a:r>
           </a:p>
           <a:p>
             <a:pPr lvl="4"/>
             <a:r>
-              <a:rPr lang="en-US" smtClean="0"/>
+              <a:rPr lang="en-US"/>
               <a:t>Fifth level</a:t>
             </a:r>
-            <a:endParaRPr lang="en-US"/>
           </a:p>
         </p:txBody>
       </p:sp>
@@ -1648,7 +1654,7 @@
           <a:p>
             <a:pPr lvl="0"/>
             <a:r>
-              <a:rPr lang="en-US" smtClean="0"/>
+              <a:rPr lang="en-US"/>
               <a:t>Click to edit Master text styles</a:t>
             </a:r>
           </a:p>
@@ -1704,38 +1710,37 @@
           <a:p>
             <a:pPr lvl="0"/>
             <a:r>
-              <a:rPr lang="en-US" smtClean="0"/>
+              <a:rPr lang="en-US"/>
               <a:t>Click to edit Master text styles</a:t>
             </a:r>
           </a:p>
           <a:p>
             <a:pPr lvl="1"/>
             <a:r>
-              <a:rPr lang="en-US" smtClean="0"/>
+              <a:rPr lang="en-US"/>
               <a:t>Second level</a:t>
             </a:r>
           </a:p>
           <a:p>
             <a:pPr lvl="2"/>
             <a:r>
-              <a:rPr lang="en-US" smtClean="0"/>
+              <a:rPr lang="en-US"/>
               <a:t>Third level</a:t>
             </a:r>
           </a:p>
           <a:p>
             <a:pPr lvl="3"/>
             <a:r>
-              <a:rPr lang="en-US" smtClean="0"/>
+              <a:rPr lang="en-US"/>
               <a:t>Fourth level</a:t>
             </a:r>
           </a:p>
           <a:p>
             <a:pPr lvl="4"/>
             <a:r>
-              <a:rPr lang="en-US" smtClean="0"/>
+              <a:rPr lang="en-US"/>
               <a:t>Fifth level</a:t>
             </a:r>
-            <a:endParaRPr lang="en-US"/>
           </a:p>
         </p:txBody>
       </p:sp>
@@ -1757,7 +1762,7 @@
             <a:fld id="{1D8BD707-D9CF-40AE-B4C6-C98DA3205C09}" type="datetimeFigureOut">
               <a:rPr lang="en-US" smtClean="0"/>
               <a:pPr/>
-              <a:t>1/19/2021</a:t>
+              <a:t>4/27/2021</a:t>
             </a:fld>
             <a:endParaRPr lang="en-US"/>
           </a:p>
@@ -1847,10 +1852,9 @@
           <a:lstStyle/>
           <a:p>
             <a:r>
-              <a:rPr lang="en-US" smtClean="0"/>
+              <a:rPr lang="en-US"/>
               <a:t>Click to edit Master title style</a:t>
             </a:r>
-            <a:endParaRPr lang="en-US"/>
           </a:p>
         </p:txBody>
       </p:sp>
@@ -1872,7 +1876,7 @@
             <a:fld id="{1D8BD707-D9CF-40AE-B4C6-C98DA3205C09}" type="datetimeFigureOut">
               <a:rPr lang="en-US" smtClean="0"/>
               <a:pPr/>
-              <a:t>1/19/2021</a:t>
+              <a:t>4/27/2021</a:t>
             </a:fld>
             <a:endParaRPr lang="en-US"/>
           </a:p>
@@ -1964,7 +1968,7 @@
             <a:fld id="{1D8BD707-D9CF-40AE-B4C6-C98DA3205C09}" type="datetimeFigureOut">
               <a:rPr lang="en-US" smtClean="0"/>
               <a:pPr/>
-              <a:t>1/19/2021</a:t>
+              <a:t>4/27/2021</a:t>
             </a:fld>
             <a:endParaRPr lang="en-US"/>
           </a:p>
@@ -2063,10 +2067,9 @@
           </a:lstStyle>
           <a:p>
             <a:r>
-              <a:rPr lang="en-US" smtClean="0"/>
+              <a:rPr lang="en-US"/>
               <a:t>Click to edit Master title style</a:t>
             </a:r>
-            <a:endParaRPr lang="en-US"/>
           </a:p>
         </p:txBody>
       </p:sp>
@@ -2120,38 +2123,37 @@
           <a:p>
             <a:pPr lvl="0"/>
             <a:r>
-              <a:rPr lang="en-US" smtClean="0"/>
+              <a:rPr lang="en-US"/>
               <a:t>Click to edit Master text styles</a:t>
             </a:r>
           </a:p>
           <a:p>
             <a:pPr lvl="1"/>
             <a:r>
-              <a:rPr lang="en-US" smtClean="0"/>
+              <a:rPr lang="en-US"/>
               <a:t>Second level</a:t>
             </a:r>
           </a:p>
           <a:p>
             <a:pPr lvl="2"/>
             <a:r>
-              <a:rPr lang="en-US" smtClean="0"/>
+              <a:rPr lang="en-US"/>
               <a:t>Third level</a:t>
             </a:r>
           </a:p>
           <a:p>
             <a:pPr lvl="3"/>
             <a:r>
-              <a:rPr lang="en-US" smtClean="0"/>
+              <a:rPr lang="en-US"/>
               <a:t>Fourth level</a:t>
             </a:r>
           </a:p>
           <a:p>
             <a:pPr lvl="4"/>
             <a:r>
-              <a:rPr lang="en-US" smtClean="0"/>
+              <a:rPr lang="en-US"/>
               <a:t>Fifth level</a:t>
             </a:r>
-            <a:endParaRPr lang="en-US"/>
           </a:p>
         </p:txBody>
       </p:sp>
@@ -2214,7 +2216,7 @@
           <a:p>
             <a:pPr lvl="0"/>
             <a:r>
-              <a:rPr lang="en-US" smtClean="0"/>
+              <a:rPr lang="en-US"/>
               <a:t>Click to edit Master text styles</a:t>
             </a:r>
           </a:p>
@@ -2238,7 +2240,7 @@
             <a:fld id="{1D8BD707-D9CF-40AE-B4C6-C98DA3205C09}" type="datetimeFigureOut">
               <a:rPr lang="en-US" smtClean="0"/>
               <a:pPr/>
-              <a:t>1/19/2021</a:t>
+              <a:t>4/27/2021</a:t>
             </a:fld>
             <a:endParaRPr lang="en-US"/>
           </a:p>
@@ -2337,10 +2339,9 @@
           </a:lstStyle>
           <a:p>
             <a:r>
-              <a:rPr lang="en-US" smtClean="0"/>
+              <a:rPr lang="en-US"/>
               <a:t>Click to edit Master title style</a:t>
             </a:r>
-            <a:endParaRPr lang="en-US"/>
           </a:p>
         </p:txBody>
       </p:sp>
@@ -2464,7 +2465,7 @@
           <a:p>
             <a:pPr lvl="0"/>
             <a:r>
-              <a:rPr lang="en-US" smtClean="0"/>
+              <a:rPr lang="en-US"/>
               <a:t>Click to edit Master text styles</a:t>
             </a:r>
           </a:p>
@@ -2488,7 +2489,7 @@
             <a:fld id="{1D8BD707-D9CF-40AE-B4C6-C98DA3205C09}" type="datetimeFigureOut">
               <a:rPr lang="en-US" smtClean="0"/>
               <a:pPr/>
-              <a:t>1/19/2021</a:t>
+              <a:t>4/27/2021</a:t>
             </a:fld>
             <a:endParaRPr lang="en-US"/>
           </a:p>
@@ -2602,10 +2603,9 @@
           <a:lstStyle/>
           <a:p>
             <a:r>
-              <a:rPr lang="en-US" smtClean="0"/>
+              <a:rPr lang="en-US"/>
               <a:t>Click to edit Master title style</a:t>
             </a:r>
-            <a:endParaRPr lang="en-US"/>
           </a:p>
         </p:txBody>
       </p:sp>
@@ -2636,38 +2636,37 @@
           <a:p>
             <a:pPr lvl="0"/>
             <a:r>
-              <a:rPr lang="en-US" smtClean="0"/>
+              <a:rPr lang="en-US"/>
               <a:t>Click to edit Master text styles</a:t>
             </a:r>
           </a:p>
           <a:p>
             <a:pPr lvl="1"/>
             <a:r>
-              <a:rPr lang="en-US" smtClean="0"/>
+              <a:rPr lang="en-US"/>
               <a:t>Second level</a:t>
             </a:r>
           </a:p>
           <a:p>
             <a:pPr lvl="2"/>
             <a:r>
-              <a:rPr lang="en-US" smtClean="0"/>
+              <a:rPr lang="en-US"/>
               <a:t>Third level</a:t>
             </a:r>
           </a:p>
           <a:p>
             <a:pPr lvl="3"/>
             <a:r>
-              <a:rPr lang="en-US" smtClean="0"/>
+              <a:rPr lang="en-US"/>
               <a:t>Fourth level</a:t>
             </a:r>
           </a:p>
           <a:p>
             <a:pPr lvl="4"/>
             <a:r>
-              <a:rPr lang="en-US" smtClean="0"/>
+              <a:rPr lang="en-US"/>
               <a:t>Fifth level</a:t>
             </a:r>
-            <a:endParaRPr lang="en-US"/>
           </a:p>
         </p:txBody>
       </p:sp>
@@ -2707,7 +2706,7 @@
             <a:fld id="{1D8BD707-D9CF-40AE-B4C6-C98DA3205C09}" type="datetimeFigureOut">
               <a:rPr lang="en-US" smtClean="0"/>
               <a:pPr/>
-              <a:t>1/19/2021</a:t>
+              <a:t>4/27/2021</a:t>
             </a:fld>
             <a:endParaRPr lang="en-US"/>
           </a:p>
@@ -3115,10 +3114,9 @@
             <a:lstStyle/>
             <a:p>
               <a:r>
-                <a:rPr lang="en-US" b="1" dirty="0" smtClean="0"/>
+                <a:rPr lang="en-US" b="1" dirty="0"/>
                 <a:t>What is express: </a:t>
               </a:r>
-              <a:endParaRPr lang="en-US" b="1" dirty="0"/>
             </a:p>
           </p:txBody>
         </p:sp>
@@ -3149,10 +3147,9 @@
                 <a:buChar char="•"/>
               </a:pPr>
               <a:r>
-                <a:rPr lang="en-US" sz="1600" dirty="0" smtClean="0"/>
+                <a:rPr lang="en-US" sz="1600" dirty="0"/>
                 <a:t>This is a server side web framework for node</a:t>
               </a:r>
-              <a:endParaRPr lang="en-US" sz="1600" dirty="0"/>
             </a:p>
           </p:txBody>
         </p:sp>
@@ -3180,7 +3177,7 @@
           <a:lstStyle/>
           <a:p>
             <a:r>
-              <a:rPr lang="en-US" b="1" dirty="0" smtClean="0"/>
+              <a:rPr lang="en-US" b="1" dirty="0"/>
               <a:t>Uses: </a:t>
             </a:r>
           </a:p>
@@ -3213,7 +3210,7 @@
               <a:buChar char="•"/>
             </a:pPr>
             <a:r>
-              <a:rPr lang="en-US" sz="1600" dirty="0" smtClean="0"/>
+              <a:rPr lang="en-US" sz="1600" dirty="0"/>
               <a:t>To Develop Server Side Rest API For Mobile, Desktop, Web Applications and IOT devices</a:t>
             </a:r>
           </a:p>
@@ -3223,7 +3220,7 @@
               <a:buChar char="•"/>
             </a:pPr>
             <a:r>
-              <a:rPr lang="en-US" sz="1600" dirty="0" smtClean="0"/>
+              <a:rPr lang="en-US" sz="1600" dirty="0"/>
               <a:t>Using template engine with express you can develop complete web site or web application too.</a:t>
             </a:r>
           </a:p>
@@ -3233,15 +3230,15 @@
               <a:buChar char="•"/>
             </a:pPr>
             <a:r>
-              <a:rPr lang="en-US" sz="1600" dirty="0" smtClean="0"/>
+              <a:rPr lang="en-US" sz="1600" dirty="0"/>
               <a:t>You can use react, </a:t>
             </a:r>
             <a:r>
-              <a:rPr lang="en-US" sz="1600" dirty="0" err="1" smtClean="0"/>
+              <a:rPr lang="en-US" sz="1600" dirty="0" err="1"/>
               <a:t>vue</a:t>
             </a:r>
             <a:r>
-              <a:rPr lang="en-US" sz="1600" dirty="0" smtClean="0"/>
+              <a:rPr lang="en-US" sz="1600" dirty="0"/>
               <a:t> or angular with express to develop complete web site or web application </a:t>
             </a:r>
           </a:p>
@@ -3876,7 +3873,7 @@
           <a:lstStyle/>
           <a:p>
             <a:pPr lvl="1"/>
-            <a:endParaRPr lang="en-US" b="1" dirty="0" smtClean="0">
+            <a:endParaRPr lang="en-US" b="1" dirty="0">
               <a:solidFill>
                 <a:schemeClr val="bg1"/>
               </a:solidFill>
@@ -3887,7 +3884,7 @@
           <a:p>
             <a:pPr lvl="1"/>
             <a:r>
-              <a:rPr lang="en-US" b="1" dirty="0" smtClean="0">
+              <a:rPr lang="en-US" b="1" dirty="0">
                 <a:solidFill>
                   <a:schemeClr val="bg1"/>
                 </a:solidFill>
@@ -3902,7 +3899,7 @@
               <a:buAutoNum type="arabicPeriod"/>
             </a:pPr>
             <a:r>
-              <a:rPr lang="en-US" sz="1600" dirty="0" smtClean="0">
+              <a:rPr lang="en-US" sz="1600" dirty="0">
                 <a:solidFill>
                   <a:schemeClr val="bg1"/>
                 </a:solidFill>
@@ -3917,16 +3914,6 @@
               <a:buAutoNum type="arabicPeriod"/>
             </a:pPr>
             <a:r>
-              <a:rPr lang="en-US" sz="1600" dirty="0" smtClean="0">
-                <a:solidFill>
-                  <a:schemeClr val="bg1"/>
-                </a:solidFill>
-                <a:latin typeface="Roboto Condensed" pitchFamily="2" charset="0"/>
-                <a:ea typeface="Roboto Condensed" pitchFamily="2" charset="0"/>
-              </a:rPr>
-              <a:t>Request </a:t>
-            </a:r>
-            <a:r>
               <a:rPr lang="en-US" sz="1600" dirty="0">
                 <a:solidFill>
                   <a:schemeClr val="bg1"/>
@@ -3934,17 +3921,7 @@
                 <a:latin typeface="Roboto Condensed" pitchFamily="2" charset="0"/>
                 <a:ea typeface="Roboto Condensed" pitchFamily="2" charset="0"/>
               </a:rPr>
-              <a:t>With URL </a:t>
-            </a:r>
-            <a:r>
-              <a:rPr lang="en-US" sz="1600" dirty="0" smtClean="0">
-                <a:solidFill>
-                  <a:schemeClr val="bg1"/>
-                </a:solidFill>
-                <a:latin typeface="Roboto Condensed" pitchFamily="2" charset="0"/>
-                <a:ea typeface="Roboto Condensed" pitchFamily="2" charset="0"/>
-              </a:rPr>
-              <a:t>Parameter</a:t>
+              <a:t>Request With URL Parameter</a:t>
             </a:r>
           </a:p>
           <a:p>
@@ -3952,7 +3929,7 @@
               <a:buAutoNum type="arabicPeriod"/>
             </a:pPr>
             <a:r>
-              <a:rPr lang="en-US" sz="1600" dirty="0" smtClean="0">
+              <a:rPr lang="en-US" sz="1600" dirty="0">
                 <a:solidFill>
                   <a:schemeClr val="bg1"/>
                 </a:solidFill>
@@ -3967,7 +3944,7 @@
               <a:buAutoNum type="arabicPeriod"/>
             </a:pPr>
             <a:r>
-              <a:rPr lang="en-US" sz="1600" dirty="0" smtClean="0">
+              <a:rPr lang="en-US" sz="1600" dirty="0">
                 <a:solidFill>
                   <a:schemeClr val="bg1"/>
                 </a:solidFill>
@@ -3982,7 +3959,7 @@
               <a:buAutoNum type="arabicPeriod"/>
             </a:pPr>
             <a:r>
-              <a:rPr lang="en-US" sz="1600" dirty="0" smtClean="0">
+              <a:rPr lang="en-US" sz="1600" dirty="0">
                 <a:solidFill>
                   <a:schemeClr val="bg1"/>
                 </a:solidFill>
@@ -3997,7 +3974,7 @@
               <a:buAutoNum type="arabicPeriod"/>
             </a:pPr>
             <a:r>
-              <a:rPr lang="en-US" sz="1600" dirty="0" smtClean="0">
+              <a:rPr lang="en-US" sz="1600" dirty="0">
                 <a:solidFill>
                   <a:schemeClr val="bg1"/>
                 </a:solidFill>
@@ -4011,7 +3988,7 @@
             <a:pPr marL="800100" lvl="1" indent="-342900">
               <a:buAutoNum type="arabicPeriod"/>
             </a:pPr>
-            <a:endParaRPr lang="en-US" sz="1600" dirty="0" smtClean="0">
+            <a:endParaRPr lang="en-US" sz="1600" dirty="0">
               <a:solidFill>
                 <a:schemeClr val="bg1"/>
               </a:solidFill>
@@ -4023,7 +4000,7 @@
             <a:pPr marL="800100" lvl="1" indent="-342900">
               <a:buAutoNum type="arabicPeriod"/>
             </a:pPr>
-            <a:endParaRPr lang="en-US" sz="1600" dirty="0" smtClean="0">
+            <a:endParaRPr lang="en-US" sz="1600" dirty="0">
               <a:solidFill>
                 <a:schemeClr val="bg1"/>
               </a:solidFill>
@@ -4043,13 +4020,6 @@
   <p:clrMapOvr>
     <a:masterClrMapping/>
   </p:clrMapOvr>
-  <p:timing>
-    <p:tnLst>
-      <p:par>
-        <p:cTn id="1" dur="indefinite" restart="never" nodeType="tmRoot"/>
-      </p:par>
-    </p:tnLst>
-  </p:timing>
 </p:sld>
 </file>
 
@@ -4072,6 +4042,489 @@
       </p:grpSpPr>
       <p:sp>
         <p:nvSpPr>
+          <p:cNvPr id="15" name="TextBox 14"/>
+          <p:cNvSpPr txBox="1"/>
+          <p:nvPr/>
+        </p:nvSpPr>
+        <p:spPr>
+          <a:xfrm>
+            <a:off x="381000" y="742950"/>
+            <a:ext cx="5257800" cy="1846659"/>
+          </a:xfrm>
+          <a:prstGeom prst="rect">
+            <a:avLst/>
+          </a:prstGeom>
+          <a:noFill/>
+        </p:spPr>
+        <p:txBody>
+          <a:bodyPr wrap="square" rtlCol="0">
+            <a:spAutoFit/>
+          </a:bodyPr>
+          <a:lstStyle/>
+          <a:p>
+            <a:r>
+              <a:rPr lang="en-US" sz="2400" u="sng" dirty="0"/>
+              <a:t>Middleware</a:t>
+            </a:r>
+          </a:p>
+          <a:p>
+            <a:endParaRPr lang="en-US" dirty="0"/>
+          </a:p>
+          <a:p>
+            <a:pPr marL="285750" indent="-285750">
+              <a:buFont typeface="Arial" panose="020B0604020202020204" pitchFamily="34" charset="0"/>
+              <a:buChar char="•"/>
+            </a:pPr>
+            <a:r>
+              <a:rPr lang="en-US" dirty="0"/>
+              <a:t>Middle + Ware</a:t>
+            </a:r>
+          </a:p>
+          <a:p>
+            <a:pPr marL="285750" indent="-285750">
+              <a:buFont typeface="Arial" panose="020B0604020202020204" pitchFamily="34" charset="0"/>
+              <a:buChar char="•"/>
+            </a:pPr>
+            <a:r>
+              <a:rPr lang="en-US" dirty="0" err="1">
+                <a:latin typeface="Hind Siliguri" panose="02000000000000000000" pitchFamily="2" charset="0"/>
+                <a:cs typeface="Hind Siliguri" panose="02000000000000000000" pitchFamily="2" charset="0"/>
+              </a:rPr>
+              <a:t>মধ্যম</a:t>
+            </a:r>
+            <a:r>
+              <a:rPr lang="en-US" dirty="0">
+                <a:latin typeface="Hind Siliguri" panose="02000000000000000000" pitchFamily="2" charset="0"/>
+                <a:cs typeface="Hind Siliguri" panose="02000000000000000000" pitchFamily="2" charset="0"/>
+              </a:rPr>
+              <a:t>  + সতর্কতা </a:t>
+            </a:r>
+          </a:p>
+          <a:p>
+            <a:pPr marL="285750" indent="-285750">
+              <a:buFont typeface="Arial" panose="020B0604020202020204" pitchFamily="34" charset="0"/>
+              <a:buChar char="•"/>
+            </a:pPr>
+            <a:r>
+              <a:rPr lang="en-US" dirty="0">
+                <a:latin typeface="Hind Siliguri" panose="02000000000000000000" pitchFamily="2" charset="0"/>
+                <a:cs typeface="Hind Siliguri" panose="02000000000000000000" pitchFamily="2" charset="0"/>
+              </a:rPr>
+              <a:t>মাঝখানের সতর্কতা/সচেতনতা  </a:t>
+            </a:r>
+          </a:p>
+          <a:p>
+            <a:endParaRPr lang="en-US" dirty="0"/>
+          </a:p>
+        </p:txBody>
+      </p:sp>
+    </p:spTree>
+    <p:extLst>
+      <p:ext uri="{BB962C8B-B14F-4D97-AF65-F5344CB8AC3E}">
+        <p14:creationId xmlns:p14="http://schemas.microsoft.com/office/powerpoint/2010/main" val="746411944"/>
+      </p:ext>
+    </p:extLst>
+  </p:cSld>
+  <p:clrMapOvr>
+    <a:masterClrMapping/>
+  </p:clrMapOvr>
+  <p:timing>
+    <p:tnLst>
+      <p:par>
+        <p:cTn id="1" dur="indefinite" restart="never" nodeType="tmRoot">
+          <p:childTnLst>
+            <p:seq concurrent="1" nextAc="seek">
+              <p:cTn id="2" dur="indefinite" nodeType="mainSeq">
+                <p:childTnLst>
+                  <p:par>
+                    <p:cTn id="3" fill="hold">
+                      <p:stCondLst>
+                        <p:cond delay="indefinite"/>
+                      </p:stCondLst>
+                      <p:childTnLst>
+                        <p:par>
+                          <p:cTn id="4" fill="hold">
+                            <p:stCondLst>
+                              <p:cond delay="0"/>
+                            </p:stCondLst>
+                            <p:childTnLst>
+                              <p:par>
+                                <p:cTn id="5" presetID="42" presetClass="entr" presetSubtype="0" fill="hold" nodeType="clickEffect">
+                                  <p:stCondLst>
+                                    <p:cond delay="0"/>
+                                  </p:stCondLst>
+                                  <p:childTnLst>
+                                    <p:set>
+                                      <p:cBhvr>
+                                        <p:cTn id="6" dur="1" fill="hold">
+                                          <p:stCondLst>
+                                            <p:cond delay="0"/>
+                                          </p:stCondLst>
+                                        </p:cTn>
+                                        <p:tgtEl>
+                                          <p:spTgt spid="15">
+                                            <p:txEl>
+                                              <p:pRg st="2" end="2"/>
+                                            </p:txEl>
+                                          </p:spTgt>
+                                        </p:tgtEl>
+                                        <p:attrNameLst>
+                                          <p:attrName>style.visibility</p:attrName>
+                                        </p:attrNameLst>
+                                      </p:cBhvr>
+                                      <p:to>
+                                        <p:strVal val="visible"/>
+                                      </p:to>
+                                    </p:set>
+                                    <p:animEffect transition="in" filter="fade">
+                                      <p:cBhvr>
+                                        <p:cTn id="7" dur="1000"/>
+                                        <p:tgtEl>
+                                          <p:spTgt spid="15">
+                                            <p:txEl>
+                                              <p:pRg st="2" end="2"/>
+                                            </p:txEl>
+                                          </p:spTgt>
+                                        </p:tgtEl>
+                                      </p:cBhvr>
+                                    </p:animEffect>
+                                    <p:anim calcmode="lin" valueType="num">
+                                      <p:cBhvr>
+                                        <p:cTn id="8" dur="1000" fill="hold"/>
+                                        <p:tgtEl>
+                                          <p:spTgt spid="15">
+                                            <p:txEl>
+                                              <p:pRg st="2" end="2"/>
+                                            </p:txEl>
+                                          </p:spTgt>
+                                        </p:tgtEl>
+                                        <p:attrNameLst>
+                                          <p:attrName>ppt_x</p:attrName>
+                                        </p:attrNameLst>
+                                      </p:cBhvr>
+                                      <p:tavLst>
+                                        <p:tav tm="0">
+                                          <p:val>
+                                            <p:strVal val="#ppt_x"/>
+                                          </p:val>
+                                        </p:tav>
+                                        <p:tav tm="100000">
+                                          <p:val>
+                                            <p:strVal val="#ppt_x"/>
+                                          </p:val>
+                                        </p:tav>
+                                      </p:tavLst>
+                                    </p:anim>
+                                    <p:anim calcmode="lin" valueType="num">
+                                      <p:cBhvr>
+                                        <p:cTn id="9" dur="1000" fill="hold"/>
+                                        <p:tgtEl>
+                                          <p:spTgt spid="15">
+                                            <p:txEl>
+                                              <p:pRg st="2" end="2"/>
+                                            </p:txEl>
+                                          </p:spTgt>
+                                        </p:tgtEl>
+                                        <p:attrNameLst>
+                                          <p:attrName>ppt_y</p:attrName>
+                                        </p:attrNameLst>
+                                      </p:cBhvr>
+                                      <p:tavLst>
+                                        <p:tav tm="0">
+                                          <p:val>
+                                            <p:strVal val="#ppt_y+.1"/>
+                                          </p:val>
+                                        </p:tav>
+                                        <p:tav tm="100000">
+                                          <p:val>
+                                            <p:strVal val="#ppt_y"/>
+                                          </p:val>
+                                        </p:tav>
+                                      </p:tavLst>
+                                    </p:anim>
+                                  </p:childTnLst>
+                                </p:cTn>
+                              </p:par>
+                            </p:childTnLst>
+                          </p:cTn>
+                        </p:par>
+                      </p:childTnLst>
+                    </p:cTn>
+                  </p:par>
+                  <p:par>
+                    <p:cTn id="10" fill="hold">
+                      <p:stCondLst>
+                        <p:cond delay="indefinite"/>
+                      </p:stCondLst>
+                      <p:childTnLst>
+                        <p:par>
+                          <p:cTn id="11" fill="hold">
+                            <p:stCondLst>
+                              <p:cond delay="0"/>
+                            </p:stCondLst>
+                            <p:childTnLst>
+                              <p:par>
+                                <p:cTn id="12" presetID="42" presetClass="entr" presetSubtype="0" fill="hold" nodeType="clickEffect">
+                                  <p:stCondLst>
+                                    <p:cond delay="0"/>
+                                  </p:stCondLst>
+                                  <p:childTnLst>
+                                    <p:set>
+                                      <p:cBhvr>
+                                        <p:cTn id="13" dur="1" fill="hold">
+                                          <p:stCondLst>
+                                            <p:cond delay="0"/>
+                                          </p:stCondLst>
+                                        </p:cTn>
+                                        <p:tgtEl>
+                                          <p:spTgt spid="15">
+                                            <p:txEl>
+                                              <p:pRg st="3" end="3"/>
+                                            </p:txEl>
+                                          </p:spTgt>
+                                        </p:tgtEl>
+                                        <p:attrNameLst>
+                                          <p:attrName>style.visibility</p:attrName>
+                                        </p:attrNameLst>
+                                      </p:cBhvr>
+                                      <p:to>
+                                        <p:strVal val="visible"/>
+                                      </p:to>
+                                    </p:set>
+                                    <p:animEffect transition="in" filter="fade">
+                                      <p:cBhvr>
+                                        <p:cTn id="14" dur="1000"/>
+                                        <p:tgtEl>
+                                          <p:spTgt spid="15">
+                                            <p:txEl>
+                                              <p:pRg st="3" end="3"/>
+                                            </p:txEl>
+                                          </p:spTgt>
+                                        </p:tgtEl>
+                                      </p:cBhvr>
+                                    </p:animEffect>
+                                    <p:anim calcmode="lin" valueType="num">
+                                      <p:cBhvr>
+                                        <p:cTn id="15" dur="1000" fill="hold"/>
+                                        <p:tgtEl>
+                                          <p:spTgt spid="15">
+                                            <p:txEl>
+                                              <p:pRg st="3" end="3"/>
+                                            </p:txEl>
+                                          </p:spTgt>
+                                        </p:tgtEl>
+                                        <p:attrNameLst>
+                                          <p:attrName>ppt_x</p:attrName>
+                                        </p:attrNameLst>
+                                      </p:cBhvr>
+                                      <p:tavLst>
+                                        <p:tav tm="0">
+                                          <p:val>
+                                            <p:strVal val="#ppt_x"/>
+                                          </p:val>
+                                        </p:tav>
+                                        <p:tav tm="100000">
+                                          <p:val>
+                                            <p:strVal val="#ppt_x"/>
+                                          </p:val>
+                                        </p:tav>
+                                      </p:tavLst>
+                                    </p:anim>
+                                    <p:anim calcmode="lin" valueType="num">
+                                      <p:cBhvr>
+                                        <p:cTn id="16" dur="1000" fill="hold"/>
+                                        <p:tgtEl>
+                                          <p:spTgt spid="15">
+                                            <p:txEl>
+                                              <p:pRg st="3" end="3"/>
+                                            </p:txEl>
+                                          </p:spTgt>
+                                        </p:tgtEl>
+                                        <p:attrNameLst>
+                                          <p:attrName>ppt_y</p:attrName>
+                                        </p:attrNameLst>
+                                      </p:cBhvr>
+                                      <p:tavLst>
+                                        <p:tav tm="0">
+                                          <p:val>
+                                            <p:strVal val="#ppt_y+.1"/>
+                                          </p:val>
+                                        </p:tav>
+                                        <p:tav tm="100000">
+                                          <p:val>
+                                            <p:strVal val="#ppt_y"/>
+                                          </p:val>
+                                        </p:tav>
+                                      </p:tavLst>
+                                    </p:anim>
+                                  </p:childTnLst>
+                                </p:cTn>
+                              </p:par>
+                            </p:childTnLst>
+                          </p:cTn>
+                        </p:par>
+                      </p:childTnLst>
+                    </p:cTn>
+                  </p:par>
+                  <p:par>
+                    <p:cTn id="17" fill="hold">
+                      <p:stCondLst>
+                        <p:cond delay="indefinite"/>
+                      </p:stCondLst>
+                      <p:childTnLst>
+                        <p:par>
+                          <p:cTn id="18" fill="hold">
+                            <p:stCondLst>
+                              <p:cond delay="0"/>
+                            </p:stCondLst>
+                            <p:childTnLst>
+                              <p:par>
+                                <p:cTn id="19" presetID="42" presetClass="entr" presetSubtype="0" fill="hold" nodeType="clickEffect">
+                                  <p:stCondLst>
+                                    <p:cond delay="0"/>
+                                  </p:stCondLst>
+                                  <p:childTnLst>
+                                    <p:set>
+                                      <p:cBhvr>
+                                        <p:cTn id="20" dur="1" fill="hold">
+                                          <p:stCondLst>
+                                            <p:cond delay="0"/>
+                                          </p:stCondLst>
+                                        </p:cTn>
+                                        <p:tgtEl>
+                                          <p:spTgt spid="15">
+                                            <p:txEl>
+                                              <p:pRg st="4" end="4"/>
+                                            </p:txEl>
+                                          </p:spTgt>
+                                        </p:tgtEl>
+                                        <p:attrNameLst>
+                                          <p:attrName>style.visibility</p:attrName>
+                                        </p:attrNameLst>
+                                      </p:cBhvr>
+                                      <p:to>
+                                        <p:strVal val="visible"/>
+                                      </p:to>
+                                    </p:set>
+                                    <p:animEffect transition="in" filter="fade">
+                                      <p:cBhvr>
+                                        <p:cTn id="21" dur="1000"/>
+                                        <p:tgtEl>
+                                          <p:spTgt spid="15">
+                                            <p:txEl>
+                                              <p:pRg st="4" end="4"/>
+                                            </p:txEl>
+                                          </p:spTgt>
+                                        </p:tgtEl>
+                                      </p:cBhvr>
+                                    </p:animEffect>
+                                    <p:anim calcmode="lin" valueType="num">
+                                      <p:cBhvr>
+                                        <p:cTn id="22" dur="1000" fill="hold"/>
+                                        <p:tgtEl>
+                                          <p:spTgt spid="15">
+                                            <p:txEl>
+                                              <p:pRg st="4" end="4"/>
+                                            </p:txEl>
+                                          </p:spTgt>
+                                        </p:tgtEl>
+                                        <p:attrNameLst>
+                                          <p:attrName>ppt_x</p:attrName>
+                                        </p:attrNameLst>
+                                      </p:cBhvr>
+                                      <p:tavLst>
+                                        <p:tav tm="0">
+                                          <p:val>
+                                            <p:strVal val="#ppt_x"/>
+                                          </p:val>
+                                        </p:tav>
+                                        <p:tav tm="100000">
+                                          <p:val>
+                                            <p:strVal val="#ppt_x"/>
+                                          </p:val>
+                                        </p:tav>
+                                      </p:tavLst>
+                                    </p:anim>
+                                    <p:anim calcmode="lin" valueType="num">
+                                      <p:cBhvr>
+                                        <p:cTn id="23" dur="1000" fill="hold"/>
+                                        <p:tgtEl>
+                                          <p:spTgt spid="15">
+                                            <p:txEl>
+                                              <p:pRg st="4" end="4"/>
+                                            </p:txEl>
+                                          </p:spTgt>
+                                        </p:tgtEl>
+                                        <p:attrNameLst>
+                                          <p:attrName>ppt_y</p:attrName>
+                                        </p:attrNameLst>
+                                      </p:cBhvr>
+                                      <p:tavLst>
+                                        <p:tav tm="0">
+                                          <p:val>
+                                            <p:strVal val="#ppt_y+.1"/>
+                                          </p:val>
+                                        </p:tav>
+                                        <p:tav tm="100000">
+                                          <p:val>
+                                            <p:strVal val="#ppt_y"/>
+                                          </p:val>
+                                        </p:tav>
+                                      </p:tavLst>
+                                    </p:anim>
+                                  </p:childTnLst>
+                                </p:cTn>
+                              </p:par>
+                            </p:childTnLst>
+                          </p:cTn>
+                        </p:par>
+                      </p:childTnLst>
+                    </p:cTn>
+                  </p:par>
+                </p:childTnLst>
+              </p:cTn>
+              <p:prevCondLst>
+                <p:cond evt="onPrev" delay="0">
+                  <p:tgtEl>
+                    <p:sldTgt/>
+                  </p:tgtEl>
+                </p:cond>
+              </p:prevCondLst>
+              <p:nextCondLst>
+                <p:cond evt="onNext" delay="0">
+                  <p:tgtEl>
+                    <p:sldTgt/>
+                  </p:tgtEl>
+                </p:cond>
+              </p:nextCondLst>
+            </p:seq>
+          </p:childTnLst>
+        </p:cTn>
+      </p:par>
+    </p:tnLst>
+  </p:timing>
+</p:sld>
+</file>
+
+<file path=ppt/slides/slide12.xml><?xml version="1.0" encoding="utf-8"?>
+<p:sld xmlns:a="http://schemas.openxmlformats.org/drawingml/2006/main" xmlns:r="http://schemas.openxmlformats.org/officeDocument/2006/relationships" xmlns:p="http://schemas.openxmlformats.org/presentationml/2006/main">
+  <p:cSld>
+    <p:spTree>
+      <p:nvGrpSpPr>
+        <p:cNvPr id="1" name=""/>
+        <p:cNvGrpSpPr/>
+        <p:nvPr/>
+      </p:nvGrpSpPr>
+      <p:grpSpPr>
+        <a:xfrm>
+          <a:off x="0" y="0"/>
+          <a:ext cx="0" cy="0"/>
+          <a:chOff x="0" y="0"/>
+          <a:chExt cx="0" cy="0"/>
+        </a:xfrm>
+      </p:grpSpPr>
+      <p:sp>
+        <p:nvSpPr>
           <p:cNvPr id="4" name="TextBox 3"/>
           <p:cNvSpPr txBox="1"/>
           <p:nvPr/>
@@ -4098,7 +4551,7 @@
           <a:lstStyle/>
           <a:p>
             <a:pPr lvl="1"/>
-            <a:endParaRPr lang="en-US" b="1" dirty="0" smtClean="0">
+            <a:endParaRPr lang="en-US" b="1" dirty="0">
               <a:solidFill>
                 <a:schemeClr val="bg1"/>
               </a:solidFill>
@@ -4109,7 +4562,7 @@
           <a:p>
             <a:pPr lvl="1"/>
             <a:r>
-              <a:rPr lang="en-US" sz="1600" dirty="0" smtClean="0">
+              <a:rPr lang="en-US" sz="1600" dirty="0">
                 <a:solidFill>
                   <a:schemeClr val="bg1"/>
                 </a:solidFill>
@@ -4118,19 +4571,12 @@
               </a:rPr>
               <a:t>Request </a:t>
             </a:r>
-            <a:endParaRPr lang="en-US" sz="1600" dirty="0" smtClean="0">
-              <a:solidFill>
-                <a:schemeClr val="bg1"/>
-              </a:solidFill>
-              <a:latin typeface="Roboto Condensed" pitchFamily="2" charset="0"/>
-              <a:ea typeface="Roboto Condensed" pitchFamily="2" charset="0"/>
-            </a:endParaRPr>
           </a:p>
           <a:p>
             <a:pPr marL="800100" lvl="1" indent="-342900">
               <a:buAutoNum type="arabicPeriod"/>
             </a:pPr>
-            <a:endParaRPr lang="en-US" sz="1600" dirty="0" smtClean="0">
+            <a:endParaRPr lang="en-US" sz="1600" dirty="0">
               <a:solidFill>
                 <a:schemeClr val="bg1"/>
               </a:solidFill>
@@ -4168,7 +4614,7 @@
           <a:lstStyle/>
           <a:p>
             <a:pPr lvl="1"/>
-            <a:endParaRPr lang="en-US" b="1" dirty="0" smtClean="0">
+            <a:endParaRPr lang="en-US" b="1" dirty="0">
               <a:solidFill>
                 <a:schemeClr val="bg1"/>
               </a:solidFill>
@@ -4179,7 +4625,7 @@
           <a:p>
             <a:pPr lvl="1"/>
             <a:r>
-              <a:rPr lang="en-US" sz="1600" dirty="0" smtClean="0">
+              <a:rPr lang="en-US" sz="1600" dirty="0">
                 <a:solidFill>
                   <a:schemeClr val="bg1"/>
                 </a:solidFill>
@@ -4188,19 +4634,12 @@
               </a:rPr>
               <a:t>Response </a:t>
             </a:r>
-            <a:endParaRPr lang="en-US" sz="1600" dirty="0" smtClean="0">
-              <a:solidFill>
-                <a:schemeClr val="bg1"/>
-              </a:solidFill>
-              <a:latin typeface="Roboto Condensed" pitchFamily="2" charset="0"/>
-              <a:ea typeface="Roboto Condensed" pitchFamily="2" charset="0"/>
-            </a:endParaRPr>
           </a:p>
           <a:p>
             <a:pPr marL="800100" lvl="1" indent="-342900">
               <a:buAutoNum type="arabicPeriod"/>
             </a:pPr>
-            <a:endParaRPr lang="en-US" sz="1600" dirty="0" smtClean="0">
+            <a:endParaRPr lang="en-US" sz="1600" dirty="0">
               <a:solidFill>
                 <a:schemeClr val="bg1"/>
               </a:solidFill>
@@ -4239,7 +4678,7 @@
           <a:p>
             <a:pPr lvl="1"/>
             <a:r>
-              <a:rPr lang="en-US" sz="1600" dirty="0" smtClean="0">
+              <a:rPr lang="en-US" sz="1600" dirty="0">
                 <a:solidFill>
                   <a:schemeClr val="bg1"/>
                 </a:solidFill>
@@ -4248,13 +4687,6 @@
               </a:rPr>
               <a:t>Middleware </a:t>
             </a:r>
-            <a:endParaRPr lang="en-US" sz="1600" dirty="0" smtClean="0">
-              <a:solidFill>
-                <a:schemeClr val="bg1"/>
-              </a:solidFill>
-              <a:latin typeface="Roboto Condensed" pitchFamily="2" charset="0"/>
-              <a:ea typeface="Roboto Condensed" pitchFamily="2" charset="0"/>
-            </a:endParaRPr>
           </a:p>
         </p:txBody>
       </p:sp>
@@ -4353,7 +4785,7 @@
           <a:lstStyle/>
           <a:p>
             <a:r>
-              <a:rPr lang="en-US" b="1" dirty="0" smtClean="0"/>
+              <a:rPr lang="en-US" b="1" dirty="0"/>
               <a:t>Use Of Middleware </a:t>
             </a:r>
           </a:p>
@@ -4362,7 +4794,7 @@
               <a:buAutoNum type="arabicPeriod"/>
             </a:pPr>
             <a:r>
-              <a:rPr lang="en-US" sz="1600" dirty="0" smtClean="0"/>
+              <a:rPr lang="en-US" sz="1600" dirty="0"/>
               <a:t>User agent check, valid request check </a:t>
             </a:r>
           </a:p>
@@ -4371,7 +4803,7 @@
               <a:buAutoNum type="arabicPeriod"/>
             </a:pPr>
             <a:r>
-              <a:rPr lang="en-US" sz="1600" dirty="0" smtClean="0"/>
+              <a:rPr lang="en-US" sz="1600" dirty="0"/>
               <a:t>Authentication, Authorization, Verification  </a:t>
             </a:r>
           </a:p>
@@ -4380,7 +4812,7 @@
               <a:buAutoNum type="arabicPeriod"/>
             </a:pPr>
             <a:r>
-              <a:rPr lang="en-US" sz="1600" dirty="0" smtClean="0"/>
+              <a:rPr lang="en-US" sz="1600" dirty="0"/>
               <a:t>Request Limiting </a:t>
             </a:r>
           </a:p>
@@ -4389,17 +4821,16 @@
               <a:buAutoNum type="arabicPeriod"/>
             </a:pPr>
             <a:r>
-              <a:rPr lang="en-US" sz="1600" dirty="0" smtClean="0"/>
+              <a:rPr lang="en-US" sz="1600" dirty="0"/>
               <a:t>And other’s security measures </a:t>
             </a:r>
-            <a:endParaRPr lang="en-US" sz="1600" dirty="0"/>
           </a:p>
         </p:txBody>
       </p:sp>
     </p:spTree>
     <p:extLst>
       <p:ext uri="{BB962C8B-B14F-4D97-AF65-F5344CB8AC3E}">
-        <p14:creationId xmlns:p14="http://schemas.microsoft.com/office/powerpoint/2010/main" val="746411944"/>
+        <p14:creationId xmlns:p14="http://schemas.microsoft.com/office/powerpoint/2010/main" val="2788753414"/>
       </p:ext>
     </p:extLst>
   </p:cSld>
@@ -4657,6 +5088,621 @@
 </p:sld>
 </file>
 
+<file path=ppt/slides/slide13.xml><?xml version="1.0" encoding="utf-8"?>
+<p:sld xmlns:a="http://schemas.openxmlformats.org/drawingml/2006/main" xmlns:r="http://schemas.openxmlformats.org/officeDocument/2006/relationships" xmlns:p="http://schemas.openxmlformats.org/presentationml/2006/main">
+  <p:cSld>
+    <p:spTree>
+      <p:nvGrpSpPr>
+        <p:cNvPr id="1" name=""/>
+        <p:cNvGrpSpPr/>
+        <p:nvPr/>
+      </p:nvGrpSpPr>
+      <p:grpSpPr>
+        <a:xfrm>
+          <a:off x="0" y="0"/>
+          <a:ext cx="0" cy="0"/>
+          <a:chOff x="0" y="0"/>
+          <a:chExt cx="0" cy="0"/>
+        </a:xfrm>
+      </p:grpSpPr>
+      <p:sp>
+        <p:nvSpPr>
+          <p:cNvPr id="15" name="TextBox 14"/>
+          <p:cNvSpPr txBox="1"/>
+          <p:nvPr/>
+        </p:nvSpPr>
+        <p:spPr>
+          <a:xfrm>
+            <a:off x="304800" y="895350"/>
+            <a:ext cx="5257800" cy="861774"/>
+          </a:xfrm>
+          <a:prstGeom prst="rect">
+            <a:avLst/>
+          </a:prstGeom>
+          <a:noFill/>
+        </p:spPr>
+        <p:txBody>
+          <a:bodyPr wrap="square" rtlCol="0">
+            <a:spAutoFit/>
+          </a:bodyPr>
+          <a:lstStyle/>
+          <a:p>
+            <a:r>
+              <a:rPr lang="en-US" b="1" dirty="0"/>
+              <a:t>Middleware Placing </a:t>
+            </a:r>
+          </a:p>
+          <a:p>
+            <a:pPr marL="342900" indent="-342900">
+              <a:buAutoNum type="arabicPeriod"/>
+            </a:pPr>
+            <a:r>
+              <a:rPr lang="en-US" sz="1600" dirty="0"/>
+              <a:t>Application Level </a:t>
+            </a:r>
+          </a:p>
+          <a:p>
+            <a:pPr marL="342900" indent="-342900">
+              <a:buAutoNum type="arabicPeriod"/>
+            </a:pPr>
+            <a:r>
+              <a:rPr lang="en-US" sz="1600" dirty="0"/>
+              <a:t>Route Level </a:t>
+            </a:r>
+          </a:p>
+        </p:txBody>
+      </p:sp>
+    </p:spTree>
+    <p:extLst>
+      <p:ext uri="{BB962C8B-B14F-4D97-AF65-F5344CB8AC3E}">
+        <p14:creationId xmlns:p14="http://schemas.microsoft.com/office/powerpoint/2010/main" val="3910813633"/>
+      </p:ext>
+    </p:extLst>
+  </p:cSld>
+  <p:clrMapOvr>
+    <a:masterClrMapping/>
+  </p:clrMapOvr>
+  <p:timing>
+    <p:tnLst>
+      <p:par>
+        <p:cTn id="1" dur="indefinite" restart="never" nodeType="tmRoot">
+          <p:childTnLst>
+            <p:seq concurrent="1" nextAc="seek">
+              <p:cTn id="2" dur="indefinite" nodeType="mainSeq">
+                <p:childTnLst>
+                  <p:par>
+                    <p:cTn id="3" fill="hold">
+                      <p:stCondLst>
+                        <p:cond delay="indefinite"/>
+                      </p:stCondLst>
+                      <p:childTnLst>
+                        <p:par>
+                          <p:cTn id="4" fill="hold">
+                            <p:stCondLst>
+                              <p:cond delay="0"/>
+                            </p:stCondLst>
+                            <p:childTnLst>
+                              <p:par>
+                                <p:cTn id="5" presetID="10" presetClass="entr" presetSubtype="0" fill="hold" grpId="0" nodeType="clickEffect">
+                                  <p:stCondLst>
+                                    <p:cond delay="0"/>
+                                  </p:stCondLst>
+                                  <p:childTnLst>
+                                    <p:set>
+                                      <p:cBhvr>
+                                        <p:cTn id="6" dur="1" fill="hold">
+                                          <p:stCondLst>
+                                            <p:cond delay="0"/>
+                                          </p:stCondLst>
+                                        </p:cTn>
+                                        <p:tgtEl>
+                                          <p:spTgt spid="15"/>
+                                        </p:tgtEl>
+                                        <p:attrNameLst>
+                                          <p:attrName>style.visibility</p:attrName>
+                                        </p:attrNameLst>
+                                      </p:cBhvr>
+                                      <p:to>
+                                        <p:strVal val="visible"/>
+                                      </p:to>
+                                    </p:set>
+                                    <p:animEffect transition="in" filter="fade">
+                                      <p:cBhvr>
+                                        <p:cTn id="7" dur="500"/>
+                                        <p:tgtEl>
+                                          <p:spTgt spid="15"/>
+                                        </p:tgtEl>
+                                      </p:cBhvr>
+                                    </p:animEffect>
+                                  </p:childTnLst>
+                                </p:cTn>
+                              </p:par>
+                            </p:childTnLst>
+                          </p:cTn>
+                        </p:par>
+                      </p:childTnLst>
+                    </p:cTn>
+                  </p:par>
+                </p:childTnLst>
+              </p:cTn>
+              <p:prevCondLst>
+                <p:cond evt="onPrev" delay="0">
+                  <p:tgtEl>
+                    <p:sldTgt/>
+                  </p:tgtEl>
+                </p:cond>
+              </p:prevCondLst>
+              <p:nextCondLst>
+                <p:cond evt="onNext" delay="0">
+                  <p:tgtEl>
+                    <p:sldTgt/>
+                  </p:tgtEl>
+                </p:cond>
+              </p:nextCondLst>
+            </p:seq>
+          </p:childTnLst>
+        </p:cTn>
+      </p:par>
+    </p:tnLst>
+    <p:bldLst>
+      <p:bldP spid="15" grpId="0"/>
+    </p:bldLst>
+  </p:timing>
+</p:sld>
+</file>
+
+<file path=ppt/slides/slide14.xml><?xml version="1.0" encoding="utf-8"?>
+<p:sld xmlns:a="http://schemas.openxmlformats.org/drawingml/2006/main" xmlns:r="http://schemas.openxmlformats.org/officeDocument/2006/relationships" xmlns:p="http://schemas.openxmlformats.org/presentationml/2006/main">
+  <p:cSld>
+    <p:spTree>
+      <p:nvGrpSpPr>
+        <p:cNvPr id="1" name=""/>
+        <p:cNvGrpSpPr/>
+        <p:nvPr/>
+      </p:nvGrpSpPr>
+      <p:grpSpPr>
+        <a:xfrm>
+          <a:off x="0" y="0"/>
+          <a:ext cx="0" cy="0"/>
+          <a:chOff x="0" y="0"/>
+          <a:chExt cx="0" cy="0"/>
+        </a:xfrm>
+      </p:grpSpPr>
+      <p:sp>
+        <p:nvSpPr>
+          <p:cNvPr id="15" name="TextBox 14"/>
+          <p:cNvSpPr txBox="1"/>
+          <p:nvPr/>
+        </p:nvSpPr>
+        <p:spPr>
+          <a:xfrm>
+            <a:off x="304800" y="895350"/>
+            <a:ext cx="5257800" cy="400110"/>
+          </a:xfrm>
+          <a:prstGeom prst="rect">
+            <a:avLst/>
+          </a:prstGeom>
+          <a:noFill/>
+        </p:spPr>
+        <p:txBody>
+          <a:bodyPr wrap="square" rtlCol="0">
+            <a:spAutoFit/>
+          </a:bodyPr>
+          <a:lstStyle/>
+          <a:p>
+            <a:r>
+              <a:rPr lang="en-US" sz="2000" b="1" dirty="0"/>
+              <a:t>Application Level </a:t>
+            </a:r>
+          </a:p>
+        </p:txBody>
+      </p:sp>
+      <p:pic>
+        <p:nvPicPr>
+          <p:cNvPr id="3" name="Picture 2">
+            <a:extLst>
+              <a:ext uri="{FF2B5EF4-FFF2-40B4-BE49-F238E27FC236}">
+                <a16:creationId xmlns:a16="http://schemas.microsoft.com/office/drawing/2014/main" id="{215AAFCC-FD7F-4A61-A915-E313450A78C6}"/>
+              </a:ext>
+            </a:extLst>
+          </p:cNvPr>
+          <p:cNvPicPr>
+            <a:picLocks noChangeAspect="1"/>
+          </p:cNvPicPr>
+          <p:nvPr/>
+        </p:nvPicPr>
+        <p:blipFill>
+          <a:blip r:embed="rId2"/>
+          <a:stretch>
+            <a:fillRect/>
+          </a:stretch>
+        </p:blipFill>
+        <p:spPr>
+          <a:xfrm>
+            <a:off x="2590800" y="971550"/>
+            <a:ext cx="4147883" cy="3461147"/>
+          </a:xfrm>
+          <a:prstGeom prst="rect">
+            <a:avLst/>
+          </a:prstGeom>
+        </p:spPr>
+      </p:pic>
+    </p:spTree>
+    <p:extLst>
+      <p:ext uri="{BB962C8B-B14F-4D97-AF65-F5344CB8AC3E}">
+        <p14:creationId xmlns:p14="http://schemas.microsoft.com/office/powerpoint/2010/main" val="3745203343"/>
+      </p:ext>
+    </p:extLst>
+  </p:cSld>
+  <p:clrMapOvr>
+    <a:masterClrMapping/>
+  </p:clrMapOvr>
+  <p:timing>
+    <p:tnLst>
+      <p:par>
+        <p:cTn id="1" dur="indefinite" restart="never" nodeType="tmRoot">
+          <p:childTnLst>
+            <p:seq concurrent="1" nextAc="seek">
+              <p:cTn id="2" dur="indefinite" nodeType="mainSeq">
+                <p:childTnLst>
+                  <p:par>
+                    <p:cTn id="3" fill="hold">
+                      <p:stCondLst>
+                        <p:cond delay="indefinite"/>
+                      </p:stCondLst>
+                      <p:childTnLst>
+                        <p:par>
+                          <p:cTn id="4" fill="hold">
+                            <p:stCondLst>
+                              <p:cond delay="0"/>
+                            </p:stCondLst>
+                            <p:childTnLst>
+                              <p:par>
+                                <p:cTn id="5" presetID="10" presetClass="entr" presetSubtype="0" fill="hold" grpId="0" nodeType="clickEffect">
+                                  <p:stCondLst>
+                                    <p:cond delay="0"/>
+                                  </p:stCondLst>
+                                  <p:childTnLst>
+                                    <p:set>
+                                      <p:cBhvr>
+                                        <p:cTn id="6" dur="1" fill="hold">
+                                          <p:stCondLst>
+                                            <p:cond delay="0"/>
+                                          </p:stCondLst>
+                                        </p:cTn>
+                                        <p:tgtEl>
+                                          <p:spTgt spid="15"/>
+                                        </p:tgtEl>
+                                        <p:attrNameLst>
+                                          <p:attrName>style.visibility</p:attrName>
+                                        </p:attrNameLst>
+                                      </p:cBhvr>
+                                      <p:to>
+                                        <p:strVal val="visible"/>
+                                      </p:to>
+                                    </p:set>
+                                    <p:animEffect transition="in" filter="fade">
+                                      <p:cBhvr>
+                                        <p:cTn id="7" dur="500"/>
+                                        <p:tgtEl>
+                                          <p:spTgt spid="15"/>
+                                        </p:tgtEl>
+                                      </p:cBhvr>
+                                    </p:animEffect>
+                                  </p:childTnLst>
+                                </p:cTn>
+                              </p:par>
+                            </p:childTnLst>
+                          </p:cTn>
+                        </p:par>
+                      </p:childTnLst>
+                    </p:cTn>
+                  </p:par>
+                </p:childTnLst>
+              </p:cTn>
+              <p:prevCondLst>
+                <p:cond evt="onPrev" delay="0">
+                  <p:tgtEl>
+                    <p:sldTgt/>
+                  </p:tgtEl>
+                </p:cond>
+              </p:prevCondLst>
+              <p:nextCondLst>
+                <p:cond evt="onNext" delay="0">
+                  <p:tgtEl>
+                    <p:sldTgt/>
+                  </p:tgtEl>
+                </p:cond>
+              </p:nextCondLst>
+            </p:seq>
+          </p:childTnLst>
+        </p:cTn>
+      </p:par>
+    </p:tnLst>
+    <p:bldLst>
+      <p:bldP spid="15" grpId="0"/>
+    </p:bldLst>
+  </p:timing>
+</p:sld>
+</file>
+
+<file path=ppt/slides/slide15.xml><?xml version="1.0" encoding="utf-8"?>
+<p:sld xmlns:a="http://schemas.openxmlformats.org/drawingml/2006/main" xmlns:r="http://schemas.openxmlformats.org/officeDocument/2006/relationships" xmlns:p="http://schemas.openxmlformats.org/presentationml/2006/main">
+  <p:cSld>
+    <p:spTree>
+      <p:nvGrpSpPr>
+        <p:cNvPr id="1" name=""/>
+        <p:cNvGrpSpPr/>
+        <p:nvPr/>
+      </p:nvGrpSpPr>
+      <p:grpSpPr>
+        <a:xfrm>
+          <a:off x="0" y="0"/>
+          <a:ext cx="0" cy="0"/>
+          <a:chOff x="0" y="0"/>
+          <a:chExt cx="0" cy="0"/>
+        </a:xfrm>
+      </p:grpSpPr>
+      <p:sp>
+        <p:nvSpPr>
+          <p:cNvPr id="15" name="TextBox 14"/>
+          <p:cNvSpPr txBox="1"/>
+          <p:nvPr/>
+        </p:nvSpPr>
+        <p:spPr>
+          <a:xfrm>
+            <a:off x="457200" y="819150"/>
+            <a:ext cx="8229600" cy="892552"/>
+          </a:xfrm>
+          <a:prstGeom prst="rect">
+            <a:avLst/>
+          </a:prstGeom>
+          <a:noFill/>
+        </p:spPr>
+        <p:txBody>
+          <a:bodyPr wrap="square" rtlCol="0">
+            <a:spAutoFit/>
+          </a:bodyPr>
+          <a:lstStyle/>
+          <a:p>
+            <a:r>
+              <a:rPr lang="en-US" sz="2000" b="1" dirty="0"/>
+              <a:t>Express JS Scaffolding: </a:t>
+            </a:r>
+          </a:p>
+          <a:p>
+            <a:pPr marL="285750" indent="-285750">
+              <a:buFont typeface="Arial" panose="020B0604020202020204" pitchFamily="34" charset="0"/>
+              <a:buChar char="•"/>
+            </a:pPr>
+            <a:r>
+              <a:rPr lang="en-US" sz="1600" dirty="0"/>
+              <a:t>Scaffolding allows us to easily create a skeleton for a web application. </a:t>
+            </a:r>
+          </a:p>
+          <a:p>
+            <a:pPr marL="285750" indent="-285750">
+              <a:buFont typeface="Arial" panose="020B0604020202020204" pitchFamily="34" charset="0"/>
+              <a:buChar char="•"/>
+            </a:pPr>
+            <a:endParaRPr lang="en-US" sz="1600" dirty="0"/>
+          </a:p>
+        </p:txBody>
+      </p:sp>
+    </p:spTree>
+    <p:extLst>
+      <p:ext uri="{BB962C8B-B14F-4D97-AF65-F5344CB8AC3E}">
+        <p14:creationId xmlns:p14="http://schemas.microsoft.com/office/powerpoint/2010/main" val="4257767634"/>
+      </p:ext>
+    </p:extLst>
+  </p:cSld>
+  <p:clrMapOvr>
+    <a:masterClrMapping/>
+  </p:clrMapOvr>
+  <p:timing>
+    <p:tnLst>
+      <p:par>
+        <p:cTn id="1" dur="indefinite" restart="never" nodeType="tmRoot">
+          <p:childTnLst>
+            <p:seq concurrent="1" nextAc="seek">
+              <p:cTn id="2" dur="indefinite" nodeType="mainSeq">
+                <p:childTnLst>
+                  <p:par>
+                    <p:cTn id="3" fill="hold">
+                      <p:stCondLst>
+                        <p:cond delay="indefinite"/>
+                      </p:stCondLst>
+                      <p:childTnLst>
+                        <p:par>
+                          <p:cTn id="4" fill="hold">
+                            <p:stCondLst>
+                              <p:cond delay="0"/>
+                            </p:stCondLst>
+                            <p:childTnLst>
+                              <p:par>
+                                <p:cTn id="5" presetID="10" presetClass="entr" presetSubtype="0" fill="hold" grpId="0" nodeType="clickEffect">
+                                  <p:stCondLst>
+                                    <p:cond delay="0"/>
+                                  </p:stCondLst>
+                                  <p:childTnLst>
+                                    <p:set>
+                                      <p:cBhvr>
+                                        <p:cTn id="6" dur="1" fill="hold">
+                                          <p:stCondLst>
+                                            <p:cond delay="0"/>
+                                          </p:stCondLst>
+                                        </p:cTn>
+                                        <p:tgtEl>
+                                          <p:spTgt spid="15"/>
+                                        </p:tgtEl>
+                                        <p:attrNameLst>
+                                          <p:attrName>style.visibility</p:attrName>
+                                        </p:attrNameLst>
+                                      </p:cBhvr>
+                                      <p:to>
+                                        <p:strVal val="visible"/>
+                                      </p:to>
+                                    </p:set>
+                                    <p:animEffect transition="in" filter="fade">
+                                      <p:cBhvr>
+                                        <p:cTn id="7" dur="500"/>
+                                        <p:tgtEl>
+                                          <p:spTgt spid="15"/>
+                                        </p:tgtEl>
+                                      </p:cBhvr>
+                                    </p:animEffect>
+                                  </p:childTnLst>
+                                </p:cTn>
+                              </p:par>
+                            </p:childTnLst>
+                          </p:cTn>
+                        </p:par>
+                      </p:childTnLst>
+                    </p:cTn>
+                  </p:par>
+                  <p:par>
+                    <p:cTn id="8" fill="hold">
+                      <p:stCondLst>
+                        <p:cond delay="indefinite"/>
+                      </p:stCondLst>
+                      <p:childTnLst>
+                        <p:par>
+                          <p:cTn id="9" fill="hold">
+                            <p:stCondLst>
+                              <p:cond delay="0"/>
+                            </p:stCondLst>
+                            <p:childTnLst>
+                              <p:par>
+                                <p:cTn id="10" presetID="42" presetClass="entr" presetSubtype="0" fill="hold" nodeType="clickEffect">
+                                  <p:stCondLst>
+                                    <p:cond delay="0"/>
+                                  </p:stCondLst>
+                                  <p:childTnLst>
+                                    <p:set>
+                                      <p:cBhvr>
+                                        <p:cTn id="11" dur="1" fill="hold">
+                                          <p:stCondLst>
+                                            <p:cond delay="0"/>
+                                          </p:stCondLst>
+                                        </p:cTn>
+                                        <p:tgtEl>
+                                          <p:spTgt spid="15">
+                                            <p:txEl>
+                                              <p:pRg st="1" end="1"/>
+                                            </p:txEl>
+                                          </p:spTgt>
+                                        </p:tgtEl>
+                                        <p:attrNameLst>
+                                          <p:attrName>style.visibility</p:attrName>
+                                        </p:attrNameLst>
+                                      </p:cBhvr>
+                                      <p:to>
+                                        <p:strVal val="visible"/>
+                                      </p:to>
+                                    </p:set>
+                                    <p:animEffect transition="in" filter="fade">
+                                      <p:cBhvr>
+                                        <p:cTn id="12" dur="1000"/>
+                                        <p:tgtEl>
+                                          <p:spTgt spid="15">
+                                            <p:txEl>
+                                              <p:pRg st="1" end="1"/>
+                                            </p:txEl>
+                                          </p:spTgt>
+                                        </p:tgtEl>
+                                      </p:cBhvr>
+                                    </p:animEffect>
+                                    <p:anim calcmode="lin" valueType="num">
+                                      <p:cBhvr>
+                                        <p:cTn id="13" dur="1000" fill="hold"/>
+                                        <p:tgtEl>
+                                          <p:spTgt spid="15">
+                                            <p:txEl>
+                                              <p:pRg st="1" end="1"/>
+                                            </p:txEl>
+                                          </p:spTgt>
+                                        </p:tgtEl>
+                                        <p:attrNameLst>
+                                          <p:attrName>ppt_x</p:attrName>
+                                        </p:attrNameLst>
+                                      </p:cBhvr>
+                                      <p:tavLst>
+                                        <p:tav tm="0">
+                                          <p:val>
+                                            <p:strVal val="#ppt_x"/>
+                                          </p:val>
+                                        </p:tav>
+                                        <p:tav tm="100000">
+                                          <p:val>
+                                            <p:strVal val="#ppt_x"/>
+                                          </p:val>
+                                        </p:tav>
+                                      </p:tavLst>
+                                    </p:anim>
+                                    <p:anim calcmode="lin" valueType="num">
+                                      <p:cBhvr>
+                                        <p:cTn id="14" dur="1000" fill="hold"/>
+                                        <p:tgtEl>
+                                          <p:spTgt spid="15">
+                                            <p:txEl>
+                                              <p:pRg st="1" end="1"/>
+                                            </p:txEl>
+                                          </p:spTgt>
+                                        </p:tgtEl>
+                                        <p:attrNameLst>
+                                          <p:attrName>ppt_y</p:attrName>
+                                        </p:attrNameLst>
+                                      </p:cBhvr>
+                                      <p:tavLst>
+                                        <p:tav tm="0">
+                                          <p:val>
+                                            <p:strVal val="#ppt_y+.1"/>
+                                          </p:val>
+                                        </p:tav>
+                                        <p:tav tm="100000">
+                                          <p:val>
+                                            <p:strVal val="#ppt_y"/>
+                                          </p:val>
+                                        </p:tav>
+                                      </p:tavLst>
+                                    </p:anim>
+                                  </p:childTnLst>
+                                </p:cTn>
+                              </p:par>
+                            </p:childTnLst>
+                          </p:cTn>
+                        </p:par>
+                      </p:childTnLst>
+                    </p:cTn>
+                  </p:par>
+                </p:childTnLst>
+              </p:cTn>
+              <p:prevCondLst>
+                <p:cond evt="onPrev" delay="0">
+                  <p:tgtEl>
+                    <p:sldTgt/>
+                  </p:tgtEl>
+                </p:cond>
+              </p:prevCondLst>
+              <p:nextCondLst>
+                <p:cond evt="onNext" delay="0">
+                  <p:tgtEl>
+                    <p:sldTgt/>
+                  </p:tgtEl>
+                </p:cond>
+              </p:nextCondLst>
+            </p:seq>
+          </p:childTnLst>
+        </p:cTn>
+      </p:par>
+    </p:tnLst>
+    <p:bldLst>
+      <p:bldP spid="15" grpId="0"/>
+    </p:bldLst>
+  </p:timing>
+</p:sld>
+</file>
+
 <file path=ppt/slides/slide2.xml><?xml version="1.0" encoding="utf-8"?>
 <p:sld xmlns:a="http://schemas.openxmlformats.org/drawingml/2006/main" xmlns:r="http://schemas.openxmlformats.org/officeDocument/2006/relationships" xmlns:p="http://schemas.openxmlformats.org/presentationml/2006/main">
   <p:cSld>
@@ -4697,10 +5743,9 @@
           <a:lstStyle/>
           <a:p>
             <a:r>
-              <a:rPr lang="en-US" b="1" dirty="0" smtClean="0"/>
+              <a:rPr lang="en-US" b="1" dirty="0"/>
               <a:t>What will be our learning strategy </a:t>
             </a:r>
-            <a:endParaRPr lang="en-US" b="1" dirty="0"/>
           </a:p>
         </p:txBody>
       </p:sp>
@@ -4731,7 +5776,7 @@
               <a:buAutoNum type="arabicPeriod"/>
             </a:pPr>
             <a:r>
-              <a:rPr lang="en-US" sz="1600" dirty="0" smtClean="0"/>
+              <a:rPr lang="en-US" sz="1600" dirty="0"/>
               <a:t>Express Rest API Development </a:t>
             </a:r>
           </a:p>
@@ -4741,7 +5786,7 @@
               <a:buAutoNum type="arabicPeriod"/>
             </a:pPr>
             <a:r>
-              <a:rPr lang="en-US" sz="1600" dirty="0" smtClean="0"/>
+              <a:rPr lang="en-US" sz="1600" dirty="0"/>
               <a:t>Working with template engine and express together </a:t>
             </a:r>
           </a:p>
@@ -4751,7 +5796,7 @@
               <a:buAutoNum type="arabicPeriod"/>
             </a:pPr>
             <a:r>
-              <a:rPr lang="en-US" sz="1600" dirty="0" smtClean="0"/>
+              <a:rPr lang="en-US" sz="1600" dirty="0"/>
               <a:t>Working with react and express together</a:t>
             </a:r>
           </a:p>
@@ -4761,7 +5806,7 @@
               <a:buAutoNum type="arabicPeriod"/>
             </a:pPr>
             <a:r>
-              <a:rPr lang="en-US" sz="1600" dirty="0" smtClean="0"/>
+              <a:rPr lang="en-US" sz="1600" dirty="0"/>
               <a:t>Deploy &amp; Testing With Real server  </a:t>
             </a:r>
           </a:p>
@@ -5327,10 +6372,9 @@
             <a:lstStyle/>
             <a:p>
               <a:r>
-                <a:rPr lang="en-US" b="1" dirty="0" smtClean="0"/>
+                <a:rPr lang="en-US" b="1" dirty="0"/>
                 <a:t>Tools: </a:t>
               </a:r>
-              <a:endParaRPr lang="en-US" b="1" dirty="0"/>
             </a:p>
           </p:txBody>
         </p:sp>
@@ -5361,7 +6405,7 @@
                 <a:buChar char="•"/>
               </a:pPr>
               <a:r>
-                <a:rPr lang="en-US" sz="1600" dirty="0" smtClean="0"/>
+                <a:rPr lang="en-US" sz="1600" dirty="0"/>
                 <a:t>Node </a:t>
               </a:r>
             </a:p>
@@ -5371,7 +6415,7 @@
                 <a:buChar char="•"/>
               </a:pPr>
               <a:r>
-                <a:rPr lang="en-US" sz="1600" dirty="0" err="1" smtClean="0"/>
+                <a:rPr lang="en-US" sz="1600" dirty="0" err="1"/>
                 <a:t>WebStrom</a:t>
               </a:r>
               <a:endParaRPr lang="en-US" sz="1600" dirty="0"/>
@@ -5382,12 +6426,12 @@
                 <a:buChar char="•"/>
               </a:pPr>
               <a:r>
-                <a:rPr lang="en-US" sz="1600" dirty="0" smtClean="0"/>
+                <a:rPr lang="en-US" sz="1600" dirty="0"/>
                 <a:t>Postman </a:t>
               </a:r>
             </a:p>
             <a:p>
-              <a:endParaRPr lang="en-US" sz="1600" b="1" dirty="0" smtClean="0"/>
+              <a:endParaRPr lang="en-US" sz="1600" b="1" dirty="0"/>
             </a:p>
           </p:txBody>
         </p:sp>
@@ -5429,10 +6473,9 @@
             <a:lstStyle/>
             <a:p>
               <a:r>
-                <a:rPr lang="en-US" b="1" dirty="0" smtClean="0"/>
+                <a:rPr lang="en-US" b="1" dirty="0"/>
                 <a:t>Knowledge Required: </a:t>
               </a:r>
-              <a:endParaRPr lang="en-US" b="1" dirty="0"/>
             </a:p>
           </p:txBody>
         </p:sp>
@@ -5463,12 +6506,12 @@
                 <a:buChar char="•"/>
               </a:pPr>
               <a:r>
-                <a:rPr lang="en-US" sz="1600" dirty="0" smtClean="0"/>
+                <a:rPr lang="en-US" sz="1600" dirty="0"/>
                 <a:t>Node and JavaScript </a:t>
               </a:r>
             </a:p>
             <a:p>
-              <a:endParaRPr lang="en-US" sz="1600" b="1" dirty="0" smtClean="0"/>
+              <a:endParaRPr lang="en-US" sz="1600" b="1" dirty="0"/>
             </a:p>
           </p:txBody>
         </p:sp>
@@ -5770,17 +6813,16 @@
           <a:p>
             <a:pPr algn="ctr"/>
             <a:r>
-              <a:rPr lang="en-US" sz="3200" dirty="0" smtClean="0"/>
+              <a:rPr lang="en-US" sz="3200" dirty="0"/>
               <a:t>My First </a:t>
             </a:r>
           </a:p>
           <a:p>
             <a:pPr algn="ctr"/>
             <a:r>
-              <a:rPr lang="en-US" sz="3200" dirty="0" smtClean="0"/>
+              <a:rPr lang="en-US" sz="3200" dirty="0"/>
               <a:t>Express Application </a:t>
             </a:r>
-            <a:endParaRPr lang="en-US" sz="3200" dirty="0"/>
           </a:p>
         </p:txBody>
       </p:sp>
@@ -5794,13 +6836,6 @@
   <p:clrMapOvr>
     <a:masterClrMapping/>
   </p:clrMapOvr>
-  <p:timing>
-    <p:tnLst>
-      <p:par>
-        <p:cTn id="1" dur="indefinite" restart="never" nodeType="tmRoot"/>
-      </p:par>
-    </p:tnLst>
-  </p:timing>
 </p:sld>
 </file>
 
@@ -5860,17 +6895,16 @@
           <a:p>
             <a:pPr algn="ctr"/>
             <a:r>
-              <a:rPr lang="en-US" sz="3200" dirty="0" smtClean="0"/>
+              <a:rPr lang="en-US" sz="3200" dirty="0"/>
               <a:t>Express JS</a:t>
             </a:r>
           </a:p>
           <a:p>
             <a:pPr algn="ctr"/>
             <a:r>
-              <a:rPr lang="en-US" sz="3200" dirty="0" smtClean="0"/>
+              <a:rPr lang="en-US" sz="3200" dirty="0"/>
               <a:t>Routing </a:t>
             </a:r>
-            <a:endParaRPr lang="en-US" sz="3200" dirty="0"/>
           </a:p>
         </p:txBody>
       </p:sp>
@@ -5884,13 +6918,6 @@
   <p:clrMapOvr>
     <a:masterClrMapping/>
   </p:clrMapOvr>
-  <p:timing>
-    <p:tnLst>
-      <p:par>
-        <p:cTn id="1" dur="indefinite" restart="never" nodeType="tmRoot"/>
-      </p:par>
-    </p:tnLst>
-  </p:timing>
 </p:sld>
 </file>
 
@@ -5938,7 +6965,7 @@
           </a:bodyPr>
           <a:lstStyle/>
           <a:p>
-            <a:endParaRPr lang="bn-IN" b="1" dirty="0" smtClean="0">
+            <a:endParaRPr lang="bn-IN" b="1" dirty="0">
               <a:solidFill>
                 <a:schemeClr val="bg1"/>
               </a:solidFill>
@@ -5948,7 +6975,7 @@
           </a:p>
           <a:p>
             <a:r>
-              <a:rPr lang="bn-IN" b="1" dirty="0" smtClean="0">
+              <a:rPr lang="bn-IN" b="1" dirty="0">
                 <a:solidFill>
                   <a:schemeClr val="bg1"/>
                 </a:solidFill>
@@ -5960,7 +6987,7 @@
           </a:p>
           <a:p>
             <a:r>
-              <a:rPr lang="en-US" b="1" dirty="0" smtClean="0">
+              <a:rPr lang="en-US" b="1" dirty="0">
                 <a:solidFill>
                   <a:schemeClr val="bg1"/>
                 </a:solidFill>
@@ -5970,7 +6997,7 @@
               <a:t> </a:t>
             </a:r>
             <a:r>
-              <a:rPr lang="bn-IN" b="1" dirty="0" smtClean="0">
+              <a:rPr lang="bn-IN" b="1" dirty="0">
                 <a:solidFill>
                   <a:schemeClr val="bg1"/>
                 </a:solidFill>
@@ -5980,7 +7007,7 @@
               <a:t>চারটি  বিষয় ভালো করে বুঝতে </a:t>
             </a:r>
             <a:r>
-              <a:rPr lang="en-US" b="1" dirty="0" smtClean="0">
+              <a:rPr lang="en-US" b="1" dirty="0">
                 <a:solidFill>
                   <a:schemeClr val="bg1"/>
                 </a:solidFill>
@@ -5990,7 +7017,7 @@
               <a:t> </a:t>
             </a:r>
             <a:r>
-              <a:rPr lang="bn-IN" b="1" dirty="0" smtClean="0">
+              <a:rPr lang="bn-IN" b="1" dirty="0">
                 <a:solidFill>
                   <a:schemeClr val="bg1"/>
                 </a:solidFill>
@@ -6002,7 +7029,7 @@
           </a:p>
           <a:p>
             <a:r>
-              <a:rPr lang="bn-IN" b="1" dirty="0" smtClean="0">
+              <a:rPr lang="bn-IN" b="1" dirty="0">
                 <a:solidFill>
                   <a:schemeClr val="bg1"/>
                 </a:solidFill>
@@ -6012,7 +7039,7 @@
               <a:t> </a:t>
             </a:r>
             <a:r>
-              <a:rPr lang="en-US" b="1" dirty="0" smtClean="0">
+              <a:rPr lang="en-US" b="1" dirty="0">
                 <a:solidFill>
                   <a:schemeClr val="bg1"/>
                 </a:solidFill>
@@ -6021,13 +7048,6 @@
               </a:rPr>
               <a:t> </a:t>
             </a:r>
-            <a:endParaRPr lang="en-US" b="1" dirty="0">
-              <a:solidFill>
-                <a:schemeClr val="bg1"/>
-              </a:solidFill>
-              <a:latin typeface="Roboto Condensed" pitchFamily="2" charset="0"/>
-              <a:ea typeface="Roboto Condensed" pitchFamily="2" charset="0"/>
-            </a:endParaRPr>
           </a:p>
         </p:txBody>
       </p:sp>
@@ -6058,7 +7078,7 @@
               <a:buChar char="•"/>
             </a:pPr>
             <a:r>
-              <a:rPr lang="en-US" dirty="0" smtClean="0">
+              <a:rPr lang="en-US" dirty="0">
                 <a:latin typeface="Roboto Condensed" pitchFamily="2" charset="0"/>
                 <a:ea typeface="Roboto Condensed" pitchFamily="2" charset="0"/>
                 <a:sym typeface="Wingdings" pitchFamily="2" charset="2"/>
@@ -6072,7 +7092,7 @@
               <a:buChar char="•"/>
             </a:pPr>
             <a:r>
-              <a:rPr lang="en-US" dirty="0" smtClean="0">
+              <a:rPr lang="en-US" dirty="0">
                 <a:latin typeface="Roboto Condensed" pitchFamily="2" charset="0"/>
                 <a:ea typeface="Roboto Condensed" pitchFamily="2" charset="0"/>
                 <a:sym typeface="Wingdings" pitchFamily="2" charset="2"/>
@@ -6086,14 +7106,14 @@
               <a:buChar char="•"/>
             </a:pPr>
             <a:r>
-              <a:rPr lang="en-US" dirty="0" smtClean="0">
+              <a:rPr lang="en-US" dirty="0">
                 <a:latin typeface="Roboto Condensed" pitchFamily="2" charset="0"/>
                 <a:ea typeface="Roboto Condensed" pitchFamily="2" charset="0"/>
                 <a:sym typeface="Wingdings" pitchFamily="2" charset="2"/>
               </a:rPr>
               <a:t>Middleware </a:t>
             </a:r>
-            <a:endParaRPr lang="bn-IN" dirty="0" smtClean="0">
+            <a:endParaRPr lang="bn-IN" dirty="0">
               <a:latin typeface="Roboto Condensed" pitchFamily="2" charset="0"/>
               <a:ea typeface="Roboto Condensed" pitchFamily="2" charset="0"/>
               <a:sym typeface="Wingdings" pitchFamily="2" charset="2"/>
@@ -6105,7 +7125,7 @@
               <a:buChar char="•"/>
             </a:pPr>
             <a:r>
-              <a:rPr lang="en-US" dirty="0" smtClean="0">
+              <a:rPr lang="en-US" dirty="0">
                 <a:latin typeface="Roboto Condensed" pitchFamily="2" charset="0"/>
                 <a:ea typeface="Roboto Condensed" pitchFamily="2" charset="0"/>
               </a:rPr>
@@ -6358,7 +7378,7 @@
           <a:lstStyle/>
           <a:p>
             <a:pPr lvl="1"/>
-            <a:endParaRPr lang="en-US" b="1" dirty="0" smtClean="0">
+            <a:endParaRPr lang="en-US" b="1" dirty="0">
               <a:solidFill>
                 <a:schemeClr val="bg1"/>
               </a:solidFill>
@@ -6369,7 +7389,7 @@
           <a:p>
             <a:pPr lvl="1"/>
             <a:r>
-              <a:rPr lang="en-US" b="1" dirty="0" smtClean="0">
+              <a:rPr lang="en-US" b="1" dirty="0">
                 <a:solidFill>
                   <a:schemeClr val="bg1"/>
                 </a:solidFill>
@@ -6384,7 +7404,7 @@
               <a:buAutoNum type="arabicPeriod"/>
             </a:pPr>
             <a:r>
-              <a:rPr lang="en-US" dirty="0" smtClean="0">
+              <a:rPr lang="en-US" dirty="0">
                 <a:solidFill>
                   <a:schemeClr val="bg1"/>
                 </a:solidFill>
@@ -6399,7 +7419,7 @@
               <a:buAutoNum type="arabicPeriod"/>
             </a:pPr>
             <a:r>
-              <a:rPr lang="en-US" dirty="0" smtClean="0">
+              <a:rPr lang="en-US" dirty="0">
                 <a:solidFill>
                   <a:schemeClr val="bg1"/>
                 </a:solidFill>
@@ -6414,7 +7434,7 @@
               <a:buAutoNum type="arabicPeriod"/>
             </a:pPr>
             <a:r>
-              <a:rPr lang="en-US" dirty="0" smtClean="0">
+              <a:rPr lang="en-US" dirty="0">
                 <a:solidFill>
                   <a:schemeClr val="bg1"/>
                 </a:solidFill>
@@ -6429,7 +7449,7 @@
               <a:buAutoNum type="arabicPeriod"/>
             </a:pPr>
             <a:r>
-              <a:rPr lang="en-US" dirty="0" smtClean="0">
+              <a:rPr lang="en-US" dirty="0">
                 <a:solidFill>
                   <a:schemeClr val="bg1"/>
                 </a:solidFill>
@@ -6461,13 +7481,6 @@
   <p:clrMapOvr>
     <a:masterClrMapping/>
   </p:clrMapOvr>
-  <p:timing>
-    <p:tnLst>
-      <p:par>
-        <p:cTn id="1" dur="indefinite" restart="never" nodeType="tmRoot"/>
-      </p:par>
-    </p:tnLst>
-  </p:timing>
 </p:sld>
 </file>
 
@@ -6516,7 +7529,7 @@
           <a:lstStyle/>
           <a:p>
             <a:pPr lvl="1"/>
-            <a:endParaRPr lang="en-US" b="1" dirty="0" smtClean="0">
+            <a:endParaRPr lang="en-US" b="1" dirty="0">
               <a:solidFill>
                 <a:schemeClr val="bg1"/>
               </a:solidFill>
@@ -6527,7 +7540,7 @@
           <a:p>
             <a:pPr lvl="1"/>
             <a:r>
-              <a:rPr lang="en-US" b="1" dirty="0" smtClean="0">
+              <a:rPr lang="en-US" b="1" dirty="0">
                 <a:solidFill>
                   <a:schemeClr val="bg1"/>
                 </a:solidFill>
@@ -6542,7 +7555,7 @@
               <a:buAutoNum type="arabicPeriod"/>
             </a:pPr>
             <a:r>
-              <a:rPr lang="en-US" sz="1600" dirty="0" smtClean="0">
+              <a:rPr lang="en-US" sz="1600" dirty="0">
                 <a:solidFill>
                   <a:schemeClr val="bg1"/>
                 </a:solidFill>
@@ -6557,7 +7570,7 @@
               <a:buAutoNum type="arabicPeriod"/>
             </a:pPr>
             <a:r>
-              <a:rPr lang="en-US" sz="1600" dirty="0" smtClean="0">
+              <a:rPr lang="en-US" sz="1600" dirty="0">
                 <a:solidFill>
                   <a:schemeClr val="bg1"/>
                 </a:solidFill>
@@ -6572,7 +7585,7 @@
               <a:buAutoNum type="arabicPeriod"/>
             </a:pPr>
             <a:r>
-              <a:rPr lang="en-US" sz="1600" dirty="0" smtClean="0">
+              <a:rPr lang="en-US" sz="1600" dirty="0">
                 <a:solidFill>
                   <a:schemeClr val="bg1"/>
                 </a:solidFill>
@@ -6587,7 +7600,7 @@
               <a:buAutoNum type="arabicPeriod"/>
             </a:pPr>
             <a:r>
-              <a:rPr lang="en-US" sz="1600" dirty="0" smtClean="0">
+              <a:rPr lang="en-US" sz="1600" dirty="0">
                 <a:solidFill>
                   <a:schemeClr val="bg1"/>
                 </a:solidFill>
@@ -6601,7 +7614,7 @@
             <a:pPr marL="800100" lvl="1" indent="-342900">
               <a:buAutoNum type="arabicPeriod"/>
             </a:pPr>
-            <a:endParaRPr lang="en-US" sz="1600" dirty="0" smtClean="0">
+            <a:endParaRPr lang="en-US" sz="1600" dirty="0">
               <a:solidFill>
                 <a:schemeClr val="bg1"/>
               </a:solidFill>
@@ -6621,13 +7634,6 @@
   <p:clrMapOvr>
     <a:masterClrMapping/>
   </p:clrMapOvr>
-  <p:timing>
-    <p:tnLst>
-      <p:par>
-        <p:cTn id="1" dur="indefinite" restart="never" nodeType="tmRoot"/>
-      </p:par>
-    </p:tnLst>
-  </p:timing>
 </p:sld>
 </file>
 
@@ -6676,7 +7682,7 @@
           <a:lstStyle/>
           <a:p>
             <a:pPr lvl="1"/>
-            <a:endParaRPr lang="en-US" b="1" dirty="0" smtClean="0">
+            <a:endParaRPr lang="en-US" b="1" dirty="0">
               <a:solidFill>
                 <a:schemeClr val="bg1"/>
               </a:solidFill>
@@ -6687,7 +7693,7 @@
           <a:p>
             <a:pPr lvl="1"/>
             <a:r>
-              <a:rPr lang="en-US" b="1" dirty="0" smtClean="0">
+              <a:rPr lang="en-US" b="1" dirty="0">
                 <a:solidFill>
                   <a:schemeClr val="bg1"/>
                 </a:solidFill>
@@ -6711,28 +7717,11 @@
               </a:rPr>
               <a:t>Create Simple Get Request </a:t>
             </a:r>
-            <a:endParaRPr lang="en-US" sz="1600" dirty="0" smtClean="0">
-              <a:solidFill>
-                <a:schemeClr val="bg1"/>
-              </a:solidFill>
-              <a:latin typeface="Roboto Condensed" pitchFamily="2" charset="0"/>
-              <a:ea typeface="Roboto Condensed" pitchFamily="2" charset="0"/>
-            </a:endParaRPr>
           </a:p>
           <a:p>
             <a:pPr marL="800100" lvl="1" indent="-342900">
               <a:buAutoNum type="arabicPeriod"/>
             </a:pPr>
-            <a:r>
-              <a:rPr lang="en-US" sz="1600" dirty="0" smtClean="0">
-                <a:solidFill>
-                  <a:schemeClr val="bg1"/>
-                </a:solidFill>
-                <a:latin typeface="Roboto Condensed" pitchFamily="2" charset="0"/>
-                <a:ea typeface="Roboto Condensed" pitchFamily="2" charset="0"/>
-              </a:rPr>
-              <a:t>Simple </a:t>
-            </a:r>
             <a:r>
               <a:rPr lang="en-US" sz="1600" dirty="0">
                 <a:solidFill>
@@ -6741,17 +7730,7 @@
                 <a:latin typeface="Roboto Condensed" pitchFamily="2" charset="0"/>
                 <a:ea typeface="Roboto Condensed" pitchFamily="2" charset="0"/>
               </a:rPr>
-              <a:t>Get Request With URL </a:t>
-            </a:r>
-            <a:r>
-              <a:rPr lang="en-US" sz="1600" dirty="0" smtClean="0">
-                <a:solidFill>
-                  <a:schemeClr val="bg1"/>
-                </a:solidFill>
-                <a:latin typeface="Roboto Condensed" pitchFamily="2" charset="0"/>
-                <a:ea typeface="Roboto Condensed" pitchFamily="2" charset="0"/>
-              </a:rPr>
-              <a:t>Parameter</a:t>
+              <a:t>Simple Get Request With URL Parameter</a:t>
             </a:r>
           </a:p>
           <a:p>
@@ -6766,24 +7745,14 @@
                 <a:latin typeface="Roboto Condensed" pitchFamily="2" charset="0"/>
                 <a:ea typeface="Roboto Condensed" pitchFamily="2" charset="0"/>
               </a:rPr>
-              <a:t>Catch Request Header Simple Get </a:t>
-            </a:r>
-            <a:r>
-              <a:rPr lang="en-US" sz="1600" dirty="0" smtClean="0">
-                <a:solidFill>
-                  <a:schemeClr val="bg1"/>
-                </a:solidFill>
-                <a:latin typeface="Roboto Condensed" pitchFamily="2" charset="0"/>
-                <a:ea typeface="Roboto Condensed" pitchFamily="2" charset="0"/>
-              </a:rPr>
-              <a:t>Method</a:t>
+              <a:t>Catch Request Header Simple Get Method</a:t>
             </a:r>
           </a:p>
           <a:p>
             <a:pPr marL="800100" lvl="1" indent="-342900">
               <a:buAutoNum type="arabicPeriod"/>
             </a:pPr>
-            <a:endParaRPr lang="en-US" sz="1600" dirty="0" smtClean="0">
+            <a:endParaRPr lang="en-US" sz="1600" dirty="0">
               <a:solidFill>
                 <a:schemeClr val="bg1"/>
               </a:solidFill>
@@ -6803,13 +7772,6 @@
   <p:clrMapOvr>
     <a:masterClrMapping/>
   </p:clrMapOvr>
-  <p:timing>
-    <p:tnLst>
-      <p:par>
-        <p:cTn id="1" dur="indefinite" restart="never" nodeType="tmRoot"/>
-      </p:par>
-    </p:tnLst>
-  </p:timing>
 </p:sld>
 </file>
 
